--- a/User guide.pptx
+++ b/User guide.pptx
@@ -5,7 +5,7 @@
     <p:sldMasterId id="2147483648" r:id="rId1"/>
   </p:sldMasterIdLst>
   <p:notesMasterIdLst>
-    <p:notesMasterId r:id="rId17"/>
+    <p:notesMasterId r:id="rId18"/>
   </p:notesMasterIdLst>
   <p:sldIdLst>
     <p:sldId id="270" r:id="rId2"/>
@@ -23,6 +23,7 @@
     <p:sldId id="267" r:id="rId14"/>
     <p:sldId id="268" r:id="rId15"/>
     <p:sldId id="269" r:id="rId16"/>
+    <p:sldId id="271" r:id="rId17"/>
   </p:sldIdLst>
   <p:sldSz cx="12192000" cy="6858000"/>
   <p:notesSz cx="6858000" cy="9144000"/>
@@ -11496,6 +11497,89 @@
 </p:sld>
 </file>
 
+<file path=ppt/slides/slide16.xml><?xml version="1.0" encoding="utf-8"?>
+<p:sld xmlns:a="http://schemas.openxmlformats.org/drawingml/2006/main" xmlns:r="http://schemas.openxmlformats.org/officeDocument/2006/relationships" xmlns:p="http://schemas.openxmlformats.org/presentationml/2006/main">
+  <p:cSld>
+    <p:spTree>
+      <p:nvGrpSpPr>
+        <p:cNvPr id="1" name=""/>
+        <p:cNvGrpSpPr/>
+        <p:nvPr/>
+      </p:nvGrpSpPr>
+      <p:grpSpPr>
+        <a:xfrm>
+          <a:off x="0" y="0"/>
+          <a:ext cx="0" cy="0"/>
+          <a:chOff x="0" y="0"/>
+          <a:chExt cx="0" cy="0"/>
+        </a:xfrm>
+      </p:grpSpPr>
+      <p:sp>
+        <p:nvSpPr>
+          <p:cNvPr id="2" name="Titre 1">
+            <a:extLst>
+              <a:ext uri="{FF2B5EF4-FFF2-40B4-BE49-F238E27FC236}">
+                <a16:creationId xmlns:a16="http://schemas.microsoft.com/office/drawing/2014/main" id="{3E9BF721-904D-2083-7614-3D225DED186C}"/>
+              </a:ext>
+            </a:extLst>
+          </p:cNvPr>
+          <p:cNvSpPr>
+            <a:spLocks noGrp="1"/>
+          </p:cNvSpPr>
+          <p:nvPr>
+            <p:ph type="title"/>
+          </p:nvPr>
+        </p:nvSpPr>
+        <p:spPr/>
+        <p:txBody>
+          <a:bodyPr/>
+          <a:lstStyle/>
+          <a:p>
+            <a:r>
+              <a:rPr lang="fr-FR" dirty="0"/>
+              <a:t>Concepts principaux</a:t>
+            </a:r>
+          </a:p>
+        </p:txBody>
+      </p:sp>
+      <p:sp>
+        <p:nvSpPr>
+          <p:cNvPr id="3" name="Espace réservé du contenu 2">
+            <a:extLst>
+              <a:ext uri="{FF2B5EF4-FFF2-40B4-BE49-F238E27FC236}">
+                <a16:creationId xmlns:a16="http://schemas.microsoft.com/office/drawing/2014/main" id="{BB56521E-9469-DB0F-23B8-A93F59D3E96A}"/>
+              </a:ext>
+            </a:extLst>
+          </p:cNvPr>
+          <p:cNvSpPr>
+            <a:spLocks noGrp="1"/>
+          </p:cNvSpPr>
+          <p:nvPr>
+            <p:ph idx="1"/>
+          </p:nvPr>
+        </p:nvSpPr>
+        <p:spPr/>
+        <p:txBody>
+          <a:bodyPr/>
+          <a:lstStyle/>
+          <a:p>
+            <a:endParaRPr lang="fr-FR"/>
+          </a:p>
+        </p:txBody>
+      </p:sp>
+    </p:spTree>
+    <p:extLst>
+      <p:ext uri="{BB962C8B-B14F-4D97-AF65-F5344CB8AC3E}">
+        <p14:creationId xmlns:p14="http://schemas.microsoft.com/office/powerpoint/2010/main" val="2352253099"/>
+      </p:ext>
+    </p:extLst>
+  </p:cSld>
+  <p:clrMapOvr>
+    <a:masterClrMapping/>
+  </p:clrMapOvr>
+</p:sld>
+</file>
+
 <file path=ppt/slides/slide2.xml><?xml version="1.0" encoding="utf-8"?>
 <p:sld xmlns:a="http://schemas.openxmlformats.org/drawingml/2006/main" xmlns:r="http://schemas.openxmlformats.org/officeDocument/2006/relationships" xmlns:p="http://schemas.openxmlformats.org/presentationml/2006/main">
   <p:cSld>
@@ -13223,7 +13307,7 @@
       </p:grpSpPr>
       <p:sp useBgFill="1">
         <p:nvSpPr>
-          <p:cNvPr id="18" name="Rectangle 17">
+          <p:cNvPr id="25" name="Rectangle 24">
             <a:extLst>
               <a:ext uri="{FF2B5EF4-FFF2-40B4-BE49-F238E27FC236}">
                 <a16:creationId xmlns:a16="http://schemas.microsoft.com/office/drawing/2014/main" id="{743AA782-23D1-4521-8CAD-47662984AA08}"/>
@@ -13318,10 +13402,10 @@
       </p:sp>
       <p:sp>
         <p:nvSpPr>
-          <p:cNvPr id="20" name="sketch line">
+          <p:cNvPr id="27" name="sketch line">
             <a:extLst>
               <a:ext uri="{FF2B5EF4-FFF2-40B4-BE49-F238E27FC236}">
-                <a16:creationId xmlns:a16="http://schemas.microsoft.com/office/drawing/2014/main" id="{650D18FE-0824-4A46-B22C-A86B52E5780A}"/>
+                <a16:creationId xmlns:a16="http://schemas.microsoft.com/office/drawing/2014/main" id="{71877DBC-BB60-40F0-AC93-2ACDBAAE60CE}"/>
               </a:ext>
               <a:ext uri="{C183D7F6-B498-43B3-948B-1728B52AA6E4}">
                 <adec:decorative xmlns:adec="http://schemas.microsoft.com/office/drawing/2017/decorative" val="1"/>
@@ -13613,18 +13697,18 @@
         </p:spPr>
         <p:txBody>
           <a:bodyPr anchor="t">
-            <a:normAutofit/>
+            <a:normAutofit lnSpcReduction="10000"/>
           </a:bodyPr>
           <a:lstStyle/>
           <a:p>
             <a:r>
-              <a:rPr lang="fr-FR" sz="1700"/>
+              <a:rPr lang="fr-FR" sz="1700" dirty="0"/>
               <a:t>Ce panneau sert à créer une station sol.</a:t>
             </a:r>
           </a:p>
           <a:p>
             <a:r>
-              <a:rPr lang="fr-FR" sz="1700"/>
+              <a:rPr lang="fr-FR" sz="1700" dirty="0"/>
               <a:t>Il permet de rentrer:</a:t>
             </a:r>
           </a:p>
@@ -13634,7 +13718,7 @@
               <a:buChar char="-"/>
             </a:pPr>
             <a:r>
-              <a:rPr lang="fr-FR" sz="1700"/>
+              <a:rPr lang="fr-FR" sz="1700" dirty="0"/>
               <a:t>Le nom</a:t>
             </a:r>
           </a:p>
@@ -13644,7 +13728,7 @@
               <a:buChar char="-"/>
             </a:pPr>
             <a:r>
-              <a:rPr lang="fr-FR" sz="1700"/>
+              <a:rPr lang="fr-FR" sz="1700" dirty="0"/>
               <a:t>Les coordonnées</a:t>
             </a:r>
           </a:p>
@@ -13654,7 +13738,7 @@
               <a:buChar char="-"/>
             </a:pPr>
             <a:r>
-              <a:rPr lang="fr-FR" sz="1700"/>
+              <a:rPr lang="fr-FR" sz="1700" dirty="0"/>
               <a:t>L’altitude</a:t>
             </a:r>
           </a:p>
@@ -13664,8 +13748,8 @@
               <a:buChar char="-"/>
             </a:pPr>
             <a:r>
-              <a:rPr lang="fr-FR" sz="1700"/>
-              <a:t>L’élévation</a:t>
+              <a:rPr lang="fr-FR" sz="1700" dirty="0"/>
+              <a:t>Le diamètre de l’antenne</a:t>
             </a:r>
           </a:p>
           <a:p>
@@ -13674,8 +13758,8 @@
               <a:buChar char="-"/>
             </a:pPr>
             <a:r>
-              <a:rPr lang="fr-FR" sz="1700"/>
-              <a:t>La bande </a:t>
+              <a:rPr lang="fr-FR" sz="1700" dirty="0"/>
+              <a:t>L’élévation</a:t>
             </a:r>
           </a:p>
           <a:p>
@@ -13684,27 +13768,37 @@
               <a:buChar char="-"/>
             </a:pPr>
             <a:r>
-              <a:rPr lang="fr-FR" sz="1700"/>
+              <a:rPr lang="fr-FR" sz="1700" dirty="0"/>
+              <a:t>La bande </a:t>
+            </a:r>
+          </a:p>
+          <a:p>
+            <a:pPr lvl="1">
+              <a:buFontTx/>
+              <a:buChar char="-"/>
+            </a:pPr>
+            <a:r>
+              <a:rPr lang="fr-FR" sz="1700" dirty="0"/>
               <a:t>Le débit</a:t>
             </a:r>
           </a:p>
           <a:p>
             <a:r>
-              <a:rPr lang="fr-FR" sz="1700"/>
+              <a:rPr lang="fr-FR" sz="1700" dirty="0"/>
               <a:t>Pour aller plus vite, on peut directement copier</a:t>
             </a:r>
             <a:br>
-              <a:rPr lang="fr-FR" sz="1700"/>
+              <a:rPr lang="fr-FR" sz="1700" dirty="0"/>
             </a:br>
             <a:r>
-              <a:rPr lang="fr-FR" sz="1700"/>
+              <a:rPr lang="fr-FR" sz="1700" dirty="0"/>
               <a:t>des coordonnées sur la carte ou importer une liste</a:t>
             </a:r>
             <a:br>
-              <a:rPr lang="fr-FR" sz="1700"/>
+              <a:rPr lang="fr-FR" sz="1700" dirty="0"/>
             </a:br>
             <a:r>
-              <a:rPr lang="fr-FR" sz="1700"/>
+              <a:rPr lang="fr-FR" sz="1700" dirty="0"/>
               <a:t>de Ground Station</a:t>
             </a:r>
           </a:p>
@@ -13712,10 +13806,10 @@
       </p:sp>
       <p:pic>
         <p:nvPicPr>
-          <p:cNvPr id="6" name="Image 5">
+          <p:cNvPr id="8" name="Image 7">
             <a:extLst>
               <a:ext uri="{FF2B5EF4-FFF2-40B4-BE49-F238E27FC236}">
-                <a16:creationId xmlns:a16="http://schemas.microsoft.com/office/drawing/2014/main" id="{D621BA39-CE81-B229-34E9-8F6C1DE9C36F}"/>
+                <a16:creationId xmlns:a16="http://schemas.microsoft.com/office/drawing/2014/main" id="{C7DCABD0-45C6-C32B-D02C-73CF60814AA6}"/>
               </a:ext>
             </a:extLst>
           </p:cNvPr>
@@ -13725,19 +13819,15 @@
           <p:nvPr/>
         </p:nvPicPr>
         <p:blipFill>
-          <a:blip r:embed="rId2">
-            <a:extLst>
-              <a:ext uri="{28A0092B-C50C-407E-A947-70E740481C1C}">
-                <a14:useLocalDpi xmlns:a14="http://schemas.microsoft.com/office/drawing/2010/main" val="0"/>
-              </a:ext>
-            </a:extLst>
-          </a:blip>
-          <a:stretch/>
+          <a:blip r:embed="rId2"/>
+          <a:stretch>
+            <a:fillRect/>
+          </a:stretch>
         </p:blipFill>
         <p:spPr>
           <a:xfrm>
-            <a:off x="6099048" y="1851571"/>
-            <a:ext cx="5458968" cy="3154858"/>
+            <a:off x="6099048" y="1719451"/>
+            <a:ext cx="5458968" cy="3419098"/>
           </a:xfrm>
           <a:prstGeom prst="rect">
             <a:avLst/>

--- a/User guide.pptx
+++ b/User guide.pptx
@@ -5,7 +5,7 @@
     <p:sldMasterId id="2147483648" r:id="rId1"/>
   </p:sldMasterIdLst>
   <p:notesMasterIdLst>
-    <p:notesMasterId r:id="rId18"/>
+    <p:notesMasterId r:id="rId20"/>
   </p:notesMasterIdLst>
   <p:sldIdLst>
     <p:sldId id="270" r:id="rId2"/>
@@ -24,6 +24,8 @@
     <p:sldId id="268" r:id="rId15"/>
     <p:sldId id="269" r:id="rId16"/>
     <p:sldId id="271" r:id="rId17"/>
+    <p:sldId id="272" r:id="rId18"/>
+    <p:sldId id="273" r:id="rId19"/>
   </p:sldIdLst>
   <p:sldSz cx="12192000" cy="6858000"/>
   <p:notesSz cx="6858000" cy="9144000"/>
@@ -1051,6 +1053,1535 @@
 </dgm:colorsDef>
 </file>
 
+<file path=ppt/diagrams/colors2.xml><?xml version="1.0" encoding="utf-8"?>
+<dgm:colorsDef xmlns:dgm="http://schemas.openxmlformats.org/drawingml/2006/diagram" xmlns:a="http://schemas.openxmlformats.org/drawingml/2006/main" uniqueId="urn:microsoft.com/office/officeart/2005/8/colors/colorful2">
+  <dgm:title val=""/>
+  <dgm:desc val=""/>
+  <dgm:catLst>
+    <dgm:cat type="colorful" pri="10200"/>
+  </dgm:catLst>
+  <dgm:styleLbl name="node0">
+    <dgm:fillClrLst meth="repeat">
+      <a:schemeClr val="accent1"/>
+    </dgm:fillClrLst>
+    <dgm:linClrLst meth="repeat">
+      <a:schemeClr val="lt1"/>
+    </dgm:linClrLst>
+    <dgm:effectClrLst/>
+    <dgm:txLinClrLst/>
+    <dgm:txFillClrLst/>
+    <dgm:txEffectClrLst/>
+  </dgm:styleLbl>
+  <dgm:styleLbl name="node1">
+    <dgm:fillClrLst>
+      <a:schemeClr val="accent2"/>
+      <a:schemeClr val="accent3"/>
+    </dgm:fillClrLst>
+    <dgm:linClrLst meth="repeat">
+      <a:schemeClr val="lt1"/>
+    </dgm:linClrLst>
+    <dgm:effectClrLst/>
+    <dgm:txLinClrLst/>
+    <dgm:txFillClrLst/>
+    <dgm:txEffectClrLst/>
+  </dgm:styleLbl>
+  <dgm:styleLbl name="alignNode1">
+    <dgm:fillClrLst>
+      <a:schemeClr val="accent2"/>
+      <a:schemeClr val="accent3"/>
+    </dgm:fillClrLst>
+    <dgm:linClrLst>
+      <a:schemeClr val="accent2"/>
+      <a:schemeClr val="accent3"/>
+    </dgm:linClrLst>
+    <dgm:effectClrLst/>
+    <dgm:txLinClrLst/>
+    <dgm:txFillClrLst/>
+    <dgm:txEffectClrLst/>
+  </dgm:styleLbl>
+  <dgm:styleLbl name="lnNode1">
+    <dgm:fillClrLst>
+      <a:schemeClr val="accent2"/>
+      <a:schemeClr val="accent3"/>
+    </dgm:fillClrLst>
+    <dgm:linClrLst meth="repeat">
+      <a:schemeClr val="lt1"/>
+    </dgm:linClrLst>
+    <dgm:effectClrLst/>
+    <dgm:txLinClrLst/>
+    <dgm:txFillClrLst/>
+    <dgm:txEffectClrLst/>
+  </dgm:styleLbl>
+  <dgm:styleLbl name="vennNode1">
+    <dgm:fillClrLst>
+      <a:schemeClr val="accent2">
+        <a:alpha val="50000"/>
+      </a:schemeClr>
+      <a:schemeClr val="accent3">
+        <a:alpha val="50000"/>
+      </a:schemeClr>
+    </dgm:fillClrLst>
+    <dgm:linClrLst meth="repeat">
+      <a:schemeClr val="lt1"/>
+    </dgm:linClrLst>
+    <dgm:effectClrLst/>
+    <dgm:txLinClrLst/>
+    <dgm:txFillClrLst/>
+    <dgm:txEffectClrLst/>
+  </dgm:styleLbl>
+  <dgm:styleLbl name="node2">
+    <dgm:fillClrLst>
+      <a:schemeClr val="accent3"/>
+    </dgm:fillClrLst>
+    <dgm:linClrLst meth="repeat">
+      <a:schemeClr val="lt1"/>
+    </dgm:linClrLst>
+    <dgm:effectClrLst/>
+    <dgm:txLinClrLst/>
+    <dgm:txFillClrLst/>
+    <dgm:txEffectClrLst/>
+  </dgm:styleLbl>
+  <dgm:styleLbl name="node3">
+    <dgm:fillClrLst>
+      <a:schemeClr val="accent4"/>
+    </dgm:fillClrLst>
+    <dgm:linClrLst meth="repeat">
+      <a:schemeClr val="lt1"/>
+    </dgm:linClrLst>
+    <dgm:effectClrLst/>
+    <dgm:txLinClrLst/>
+    <dgm:txFillClrLst/>
+    <dgm:txEffectClrLst/>
+  </dgm:styleLbl>
+  <dgm:styleLbl name="node4">
+    <dgm:fillClrLst>
+      <a:schemeClr val="accent5"/>
+    </dgm:fillClrLst>
+    <dgm:linClrLst meth="repeat">
+      <a:schemeClr val="lt1"/>
+    </dgm:linClrLst>
+    <dgm:effectClrLst/>
+    <dgm:txLinClrLst/>
+    <dgm:txFillClrLst/>
+    <dgm:txEffectClrLst/>
+  </dgm:styleLbl>
+  <dgm:styleLbl name="fgImgPlace1">
+    <dgm:fillClrLst>
+      <a:schemeClr val="accent2">
+        <a:tint val="50000"/>
+      </a:schemeClr>
+      <a:schemeClr val="accent3">
+        <a:tint val="50000"/>
+      </a:schemeClr>
+    </dgm:fillClrLst>
+    <dgm:linClrLst meth="repeat">
+      <a:schemeClr val="lt1"/>
+    </dgm:linClrLst>
+    <dgm:effectClrLst/>
+    <dgm:txLinClrLst/>
+    <dgm:txFillClrLst meth="repeat">
+      <a:schemeClr val="lt1"/>
+    </dgm:txFillClrLst>
+    <dgm:txEffectClrLst/>
+  </dgm:styleLbl>
+  <dgm:styleLbl name="alignImgPlace1">
+    <dgm:fillClrLst>
+      <a:schemeClr val="accent2">
+        <a:tint val="50000"/>
+      </a:schemeClr>
+      <a:schemeClr val="accent3">
+        <a:tint val="20000"/>
+      </a:schemeClr>
+    </dgm:fillClrLst>
+    <dgm:linClrLst meth="repeat">
+      <a:schemeClr val="lt1"/>
+    </dgm:linClrLst>
+    <dgm:effectClrLst/>
+    <dgm:txLinClrLst/>
+    <dgm:txFillClrLst meth="repeat">
+      <a:schemeClr val="lt1"/>
+    </dgm:txFillClrLst>
+    <dgm:txEffectClrLst/>
+  </dgm:styleLbl>
+  <dgm:styleLbl name="bgImgPlace1">
+    <dgm:fillClrLst>
+      <a:schemeClr val="accent2">
+        <a:tint val="50000"/>
+      </a:schemeClr>
+      <a:schemeClr val="accent3">
+        <a:tint val="20000"/>
+      </a:schemeClr>
+    </dgm:fillClrLst>
+    <dgm:linClrLst meth="repeat">
+      <a:schemeClr val="lt1"/>
+    </dgm:linClrLst>
+    <dgm:effectClrLst/>
+    <dgm:txLinClrLst/>
+    <dgm:txFillClrLst meth="repeat">
+      <a:schemeClr val="lt1"/>
+    </dgm:txFillClrLst>
+    <dgm:txEffectClrLst/>
+  </dgm:styleLbl>
+  <dgm:styleLbl name="sibTrans2D1">
+    <dgm:fillClrLst>
+      <a:schemeClr val="accent2"/>
+      <a:schemeClr val="accent3"/>
+    </dgm:fillClrLst>
+    <dgm:linClrLst meth="repeat">
+      <a:schemeClr val="lt1"/>
+    </dgm:linClrLst>
+    <dgm:effectClrLst/>
+    <dgm:txLinClrLst/>
+    <dgm:txFillClrLst/>
+    <dgm:txEffectClrLst/>
+  </dgm:styleLbl>
+  <dgm:styleLbl name="fgSibTrans2D1">
+    <dgm:fillClrLst>
+      <a:schemeClr val="accent2"/>
+      <a:schemeClr val="accent3"/>
+    </dgm:fillClrLst>
+    <dgm:linClrLst meth="repeat">
+      <a:schemeClr val="lt1"/>
+    </dgm:linClrLst>
+    <dgm:effectClrLst/>
+    <dgm:txLinClrLst/>
+    <dgm:txFillClrLst meth="repeat">
+      <a:schemeClr val="lt1"/>
+    </dgm:txFillClrLst>
+    <dgm:txEffectClrLst/>
+  </dgm:styleLbl>
+  <dgm:styleLbl name="bgSibTrans2D1">
+    <dgm:fillClrLst>
+      <a:schemeClr val="accent2"/>
+      <a:schemeClr val="accent3"/>
+    </dgm:fillClrLst>
+    <dgm:linClrLst meth="repeat">
+      <a:schemeClr val="lt1"/>
+    </dgm:linClrLst>
+    <dgm:effectClrLst/>
+    <dgm:txLinClrLst/>
+    <dgm:txFillClrLst meth="repeat">
+      <a:schemeClr val="lt1"/>
+    </dgm:txFillClrLst>
+    <dgm:txEffectClrLst/>
+  </dgm:styleLbl>
+  <dgm:styleLbl name="sibTrans1D1">
+    <dgm:fillClrLst/>
+    <dgm:linClrLst>
+      <a:schemeClr val="accent2"/>
+      <a:schemeClr val="accent3"/>
+    </dgm:linClrLst>
+    <dgm:effectClrLst/>
+    <dgm:txLinClrLst/>
+    <dgm:txFillClrLst meth="repeat">
+      <a:schemeClr val="tx1"/>
+    </dgm:txFillClrLst>
+    <dgm:txEffectClrLst/>
+  </dgm:styleLbl>
+  <dgm:styleLbl name="callout">
+    <dgm:fillClrLst meth="repeat">
+      <a:schemeClr val="accent2"/>
+    </dgm:fillClrLst>
+    <dgm:linClrLst meth="repeat">
+      <a:schemeClr val="accent2">
+        <a:tint val="50000"/>
+      </a:schemeClr>
+    </dgm:linClrLst>
+    <dgm:effectClrLst/>
+    <dgm:txLinClrLst/>
+    <dgm:txFillClrLst meth="repeat">
+      <a:schemeClr val="tx1"/>
+    </dgm:txFillClrLst>
+    <dgm:txEffectClrLst/>
+  </dgm:styleLbl>
+  <dgm:styleLbl name="asst0">
+    <dgm:fillClrLst meth="repeat">
+      <a:schemeClr val="accent2"/>
+    </dgm:fillClrLst>
+    <dgm:linClrLst meth="repeat">
+      <a:schemeClr val="lt1">
+        <a:shade val="80000"/>
+      </a:schemeClr>
+    </dgm:linClrLst>
+    <dgm:effectClrLst/>
+    <dgm:txLinClrLst/>
+    <dgm:txFillClrLst/>
+    <dgm:txEffectClrLst/>
+  </dgm:styleLbl>
+  <dgm:styleLbl name="asst1">
+    <dgm:fillClrLst meth="repeat">
+      <a:schemeClr val="accent3"/>
+    </dgm:fillClrLst>
+    <dgm:linClrLst meth="repeat">
+      <a:schemeClr val="lt1">
+        <a:shade val="80000"/>
+      </a:schemeClr>
+    </dgm:linClrLst>
+    <dgm:effectClrLst/>
+    <dgm:txLinClrLst/>
+    <dgm:txFillClrLst/>
+    <dgm:txEffectClrLst/>
+  </dgm:styleLbl>
+  <dgm:styleLbl name="asst2">
+    <dgm:fillClrLst>
+      <a:schemeClr val="accent4"/>
+    </dgm:fillClrLst>
+    <dgm:linClrLst meth="repeat">
+      <a:schemeClr val="lt1"/>
+    </dgm:linClrLst>
+    <dgm:effectClrLst/>
+    <dgm:txLinClrLst/>
+    <dgm:txFillClrLst/>
+    <dgm:txEffectClrLst/>
+  </dgm:styleLbl>
+  <dgm:styleLbl name="asst3">
+    <dgm:fillClrLst>
+      <a:schemeClr val="accent5"/>
+    </dgm:fillClrLst>
+    <dgm:linClrLst meth="repeat">
+      <a:schemeClr val="lt1"/>
+    </dgm:linClrLst>
+    <dgm:effectClrLst/>
+    <dgm:txLinClrLst/>
+    <dgm:txFillClrLst/>
+    <dgm:txEffectClrLst/>
+  </dgm:styleLbl>
+  <dgm:styleLbl name="asst4">
+    <dgm:fillClrLst>
+      <a:schemeClr val="accent6"/>
+    </dgm:fillClrLst>
+    <dgm:linClrLst meth="repeat">
+      <a:schemeClr val="lt1"/>
+    </dgm:linClrLst>
+    <dgm:effectClrLst/>
+    <dgm:txLinClrLst/>
+    <dgm:txFillClrLst/>
+    <dgm:txEffectClrLst/>
+  </dgm:styleLbl>
+  <dgm:styleLbl name="parChTrans2D1">
+    <dgm:fillClrLst meth="repeat">
+      <a:schemeClr val="accent2"/>
+    </dgm:fillClrLst>
+    <dgm:linClrLst meth="repeat">
+      <a:schemeClr val="lt1"/>
+    </dgm:linClrLst>
+    <dgm:effectClrLst/>
+    <dgm:txLinClrLst/>
+    <dgm:txFillClrLst meth="repeat">
+      <a:schemeClr val="lt1"/>
+    </dgm:txFillClrLst>
+    <dgm:txEffectClrLst/>
+  </dgm:styleLbl>
+  <dgm:styleLbl name="parChTrans2D2">
+    <dgm:fillClrLst meth="repeat">
+      <a:schemeClr val="accent3"/>
+    </dgm:fillClrLst>
+    <dgm:linClrLst meth="repeat">
+      <a:schemeClr val="lt1"/>
+    </dgm:linClrLst>
+    <dgm:effectClrLst/>
+    <dgm:txLinClrLst/>
+    <dgm:txFillClrLst/>
+    <dgm:txEffectClrLst/>
+  </dgm:styleLbl>
+  <dgm:styleLbl name="parChTrans2D3">
+    <dgm:fillClrLst meth="repeat">
+      <a:schemeClr val="accent4"/>
+    </dgm:fillClrLst>
+    <dgm:linClrLst meth="repeat">
+      <a:schemeClr val="lt1"/>
+    </dgm:linClrLst>
+    <dgm:effectClrLst/>
+    <dgm:txLinClrLst/>
+    <dgm:txFillClrLst/>
+    <dgm:txEffectClrLst/>
+  </dgm:styleLbl>
+  <dgm:styleLbl name="parChTrans2D4">
+    <dgm:fillClrLst meth="repeat">
+      <a:schemeClr val="accent5"/>
+    </dgm:fillClrLst>
+    <dgm:linClrLst meth="repeat">
+      <a:schemeClr val="lt1"/>
+    </dgm:linClrLst>
+    <dgm:effectClrLst/>
+    <dgm:txLinClrLst/>
+    <dgm:txFillClrLst meth="repeat">
+      <a:schemeClr val="lt1"/>
+    </dgm:txFillClrLst>
+    <dgm:txEffectClrLst/>
+  </dgm:styleLbl>
+  <dgm:styleLbl name="parChTrans1D1">
+    <dgm:fillClrLst meth="repeat">
+      <a:schemeClr val="accent2"/>
+    </dgm:fillClrLst>
+    <dgm:linClrLst meth="repeat">
+      <a:schemeClr val="accent2"/>
+    </dgm:linClrLst>
+    <dgm:effectClrLst/>
+    <dgm:txLinClrLst/>
+    <dgm:txFillClrLst meth="repeat">
+      <a:schemeClr val="tx1"/>
+    </dgm:txFillClrLst>
+    <dgm:txEffectClrLst/>
+  </dgm:styleLbl>
+  <dgm:styleLbl name="parChTrans1D2">
+    <dgm:fillClrLst meth="repeat">
+      <a:schemeClr val="accent2">
+        <a:tint val="90000"/>
+      </a:schemeClr>
+    </dgm:fillClrLst>
+    <dgm:linClrLst meth="repeat">
+      <a:schemeClr val="accent3"/>
+    </dgm:linClrLst>
+    <dgm:effectClrLst/>
+    <dgm:txLinClrLst/>
+    <dgm:txFillClrLst meth="repeat">
+      <a:schemeClr val="tx1"/>
+    </dgm:txFillClrLst>
+    <dgm:txEffectClrLst/>
+  </dgm:styleLbl>
+  <dgm:styleLbl name="parChTrans1D3">
+    <dgm:fillClrLst meth="repeat">
+      <a:schemeClr val="accent2">
+        <a:tint val="70000"/>
+      </a:schemeClr>
+    </dgm:fillClrLst>
+    <dgm:linClrLst meth="repeat">
+      <a:schemeClr val="accent4"/>
+    </dgm:linClrLst>
+    <dgm:effectClrLst/>
+    <dgm:txLinClrLst/>
+    <dgm:txFillClrLst meth="repeat">
+      <a:schemeClr val="tx1"/>
+    </dgm:txFillClrLst>
+    <dgm:txEffectClrLst/>
+  </dgm:styleLbl>
+  <dgm:styleLbl name="parChTrans1D4">
+    <dgm:fillClrLst meth="repeat">
+      <a:schemeClr val="accent2">
+        <a:tint val="50000"/>
+      </a:schemeClr>
+    </dgm:fillClrLst>
+    <dgm:linClrLst meth="repeat">
+      <a:schemeClr val="accent5"/>
+    </dgm:linClrLst>
+    <dgm:effectClrLst/>
+    <dgm:txLinClrLst/>
+    <dgm:txFillClrLst meth="repeat">
+      <a:schemeClr val="tx1"/>
+    </dgm:txFillClrLst>
+    <dgm:txEffectClrLst/>
+  </dgm:styleLbl>
+  <dgm:styleLbl name="fgAcc1">
+    <dgm:fillClrLst meth="repeat">
+      <a:schemeClr val="lt1">
+        <a:alpha val="90000"/>
+      </a:schemeClr>
+    </dgm:fillClrLst>
+    <dgm:linClrLst>
+      <a:schemeClr val="accent2"/>
+      <a:schemeClr val="accent3"/>
+    </dgm:linClrLst>
+    <dgm:effectClrLst/>
+    <dgm:txLinClrLst/>
+    <dgm:txFillClrLst meth="repeat">
+      <a:schemeClr val="dk1"/>
+    </dgm:txFillClrLst>
+    <dgm:txEffectClrLst/>
+  </dgm:styleLbl>
+  <dgm:styleLbl name="conFgAcc1">
+    <dgm:fillClrLst meth="repeat">
+      <a:schemeClr val="lt1">
+        <a:alpha val="90000"/>
+      </a:schemeClr>
+    </dgm:fillClrLst>
+    <dgm:linClrLst>
+      <a:schemeClr val="accent2"/>
+      <a:schemeClr val="accent3"/>
+    </dgm:linClrLst>
+    <dgm:effectClrLst/>
+    <dgm:txLinClrLst/>
+    <dgm:txFillClrLst meth="repeat">
+      <a:schemeClr val="dk1"/>
+    </dgm:txFillClrLst>
+    <dgm:txEffectClrLst/>
+  </dgm:styleLbl>
+  <dgm:styleLbl name="alignAcc1">
+    <dgm:fillClrLst meth="repeat">
+      <a:schemeClr val="lt1">
+        <a:alpha val="90000"/>
+      </a:schemeClr>
+    </dgm:fillClrLst>
+    <dgm:linClrLst>
+      <a:schemeClr val="accent2"/>
+      <a:schemeClr val="accent3"/>
+    </dgm:linClrLst>
+    <dgm:effectClrLst/>
+    <dgm:txLinClrLst/>
+    <dgm:txFillClrLst meth="repeat">
+      <a:schemeClr val="dk1"/>
+    </dgm:txFillClrLst>
+    <dgm:txEffectClrLst/>
+  </dgm:styleLbl>
+  <dgm:styleLbl name="trAlignAcc1">
+    <dgm:fillClrLst meth="repeat">
+      <a:schemeClr val="lt1">
+        <a:alpha val="40000"/>
+      </a:schemeClr>
+    </dgm:fillClrLst>
+    <dgm:linClrLst meth="repeat">
+      <a:schemeClr val="accent2"/>
+    </dgm:linClrLst>
+    <dgm:effectClrLst/>
+    <dgm:txLinClrLst/>
+    <dgm:txFillClrLst meth="repeat">
+      <a:schemeClr val="dk1"/>
+    </dgm:txFillClrLst>
+    <dgm:txEffectClrLst/>
+  </dgm:styleLbl>
+  <dgm:styleLbl name="bgAcc1">
+    <dgm:fillClrLst meth="repeat">
+      <a:schemeClr val="lt1">
+        <a:alpha val="90000"/>
+      </a:schemeClr>
+    </dgm:fillClrLst>
+    <dgm:linClrLst>
+      <a:schemeClr val="accent2"/>
+      <a:schemeClr val="accent3"/>
+    </dgm:linClrLst>
+    <dgm:effectClrLst/>
+    <dgm:txLinClrLst/>
+    <dgm:txFillClrLst meth="repeat">
+      <a:schemeClr val="dk1"/>
+    </dgm:txFillClrLst>
+    <dgm:txEffectClrLst/>
+  </dgm:styleLbl>
+  <dgm:styleLbl name="solidFgAcc1">
+    <dgm:fillClrLst meth="repeat">
+      <a:schemeClr val="lt1"/>
+    </dgm:fillClrLst>
+    <dgm:linClrLst>
+      <a:schemeClr val="accent2"/>
+      <a:schemeClr val="accent3"/>
+    </dgm:linClrLst>
+    <dgm:effectClrLst/>
+    <dgm:txLinClrLst/>
+    <dgm:txFillClrLst meth="repeat">
+      <a:schemeClr val="dk1"/>
+    </dgm:txFillClrLst>
+    <dgm:txEffectClrLst/>
+  </dgm:styleLbl>
+  <dgm:styleLbl name="solidAlignAcc1">
+    <dgm:fillClrLst meth="repeat">
+      <a:schemeClr val="lt1"/>
+    </dgm:fillClrLst>
+    <dgm:linClrLst>
+      <a:schemeClr val="accent2"/>
+      <a:schemeClr val="accent3"/>
+    </dgm:linClrLst>
+    <dgm:effectClrLst/>
+    <dgm:txLinClrLst/>
+    <dgm:txFillClrLst meth="repeat">
+      <a:schemeClr val="dk1"/>
+    </dgm:txFillClrLst>
+    <dgm:txEffectClrLst/>
+  </dgm:styleLbl>
+  <dgm:styleLbl name="solidBgAcc1">
+    <dgm:fillClrLst meth="repeat">
+      <a:schemeClr val="lt1"/>
+    </dgm:fillClrLst>
+    <dgm:linClrLst>
+      <a:schemeClr val="accent2"/>
+      <a:schemeClr val="accent3"/>
+    </dgm:linClrLst>
+    <dgm:effectClrLst/>
+    <dgm:txLinClrLst/>
+    <dgm:txFillClrLst meth="repeat">
+      <a:schemeClr val="dk1"/>
+    </dgm:txFillClrLst>
+    <dgm:txEffectClrLst/>
+  </dgm:styleLbl>
+  <dgm:styleLbl name="fgAccFollowNode1">
+    <dgm:fillClrLst>
+      <a:schemeClr val="accent2">
+        <a:tint val="40000"/>
+        <a:alpha val="90000"/>
+      </a:schemeClr>
+      <a:schemeClr val="accent3">
+        <a:tint val="40000"/>
+        <a:alpha val="90000"/>
+      </a:schemeClr>
+    </dgm:fillClrLst>
+    <dgm:linClrLst>
+      <a:schemeClr val="accent2">
+        <a:tint val="40000"/>
+        <a:alpha val="90000"/>
+      </a:schemeClr>
+      <a:schemeClr val="accent3">
+        <a:tint val="40000"/>
+        <a:alpha val="90000"/>
+      </a:schemeClr>
+    </dgm:linClrLst>
+    <dgm:effectClrLst/>
+    <dgm:txLinClrLst/>
+    <dgm:txFillClrLst meth="repeat">
+      <a:schemeClr val="dk1"/>
+    </dgm:txFillClrLst>
+    <dgm:txEffectClrLst/>
+  </dgm:styleLbl>
+  <dgm:styleLbl name="alignAccFollowNode1">
+    <dgm:fillClrLst>
+      <a:schemeClr val="accent2">
+        <a:tint val="40000"/>
+        <a:alpha val="90000"/>
+      </a:schemeClr>
+      <a:schemeClr val="accent3">
+        <a:tint val="40000"/>
+        <a:alpha val="90000"/>
+      </a:schemeClr>
+    </dgm:fillClrLst>
+    <dgm:linClrLst>
+      <a:schemeClr val="accent2">
+        <a:tint val="40000"/>
+        <a:alpha val="90000"/>
+      </a:schemeClr>
+      <a:schemeClr val="accent3">
+        <a:tint val="40000"/>
+        <a:alpha val="90000"/>
+      </a:schemeClr>
+    </dgm:linClrLst>
+    <dgm:effectClrLst/>
+    <dgm:txLinClrLst/>
+    <dgm:txFillClrLst meth="repeat">
+      <a:schemeClr val="dk1"/>
+    </dgm:txFillClrLst>
+    <dgm:txEffectClrLst/>
+  </dgm:styleLbl>
+  <dgm:styleLbl name="bgAccFollowNode1">
+    <dgm:fillClrLst>
+      <a:schemeClr val="accent2">
+        <a:tint val="40000"/>
+        <a:alpha val="90000"/>
+      </a:schemeClr>
+      <a:schemeClr val="accent3">
+        <a:tint val="40000"/>
+        <a:alpha val="90000"/>
+      </a:schemeClr>
+    </dgm:fillClrLst>
+    <dgm:linClrLst>
+      <a:schemeClr val="accent2">
+        <a:tint val="40000"/>
+        <a:alpha val="90000"/>
+      </a:schemeClr>
+      <a:schemeClr val="accent3">
+        <a:tint val="40000"/>
+        <a:alpha val="90000"/>
+      </a:schemeClr>
+    </dgm:linClrLst>
+    <dgm:effectClrLst/>
+    <dgm:txLinClrLst/>
+    <dgm:txFillClrLst meth="repeat">
+      <a:schemeClr val="dk1"/>
+    </dgm:txFillClrLst>
+    <dgm:txEffectClrLst/>
+  </dgm:styleLbl>
+  <dgm:styleLbl name="fgAcc0">
+    <dgm:fillClrLst meth="repeat">
+      <a:schemeClr val="lt1">
+        <a:alpha val="90000"/>
+      </a:schemeClr>
+    </dgm:fillClrLst>
+    <dgm:linClrLst>
+      <a:schemeClr val="accent1"/>
+    </dgm:linClrLst>
+    <dgm:effectClrLst/>
+    <dgm:txLinClrLst/>
+    <dgm:txFillClrLst meth="repeat">
+      <a:schemeClr val="dk1"/>
+    </dgm:txFillClrLst>
+    <dgm:txEffectClrLst/>
+  </dgm:styleLbl>
+  <dgm:styleLbl name="fgAcc2">
+    <dgm:fillClrLst meth="repeat">
+      <a:schemeClr val="lt1">
+        <a:alpha val="90000"/>
+      </a:schemeClr>
+    </dgm:fillClrLst>
+    <dgm:linClrLst>
+      <a:schemeClr val="accent3"/>
+    </dgm:linClrLst>
+    <dgm:effectClrLst/>
+    <dgm:txLinClrLst/>
+    <dgm:txFillClrLst meth="repeat">
+      <a:schemeClr val="dk1"/>
+    </dgm:txFillClrLst>
+    <dgm:txEffectClrLst/>
+  </dgm:styleLbl>
+  <dgm:styleLbl name="fgAcc3">
+    <dgm:fillClrLst meth="repeat">
+      <a:schemeClr val="lt1">
+        <a:alpha val="90000"/>
+      </a:schemeClr>
+    </dgm:fillClrLst>
+    <dgm:linClrLst>
+      <a:schemeClr val="accent4"/>
+    </dgm:linClrLst>
+    <dgm:effectClrLst/>
+    <dgm:txLinClrLst/>
+    <dgm:txFillClrLst meth="repeat">
+      <a:schemeClr val="dk1"/>
+    </dgm:txFillClrLst>
+    <dgm:txEffectClrLst/>
+  </dgm:styleLbl>
+  <dgm:styleLbl name="fgAcc4">
+    <dgm:fillClrLst meth="repeat">
+      <a:schemeClr val="lt1">
+        <a:alpha val="90000"/>
+      </a:schemeClr>
+    </dgm:fillClrLst>
+    <dgm:linClrLst>
+      <a:schemeClr val="accent5"/>
+    </dgm:linClrLst>
+    <dgm:effectClrLst/>
+    <dgm:txLinClrLst/>
+    <dgm:txFillClrLst meth="repeat">
+      <a:schemeClr val="dk1"/>
+    </dgm:txFillClrLst>
+    <dgm:txEffectClrLst/>
+  </dgm:styleLbl>
+  <dgm:styleLbl name="bgShp">
+    <dgm:fillClrLst meth="repeat">
+      <a:schemeClr val="accent2">
+        <a:tint val="40000"/>
+      </a:schemeClr>
+    </dgm:fillClrLst>
+    <dgm:linClrLst meth="repeat">
+      <a:schemeClr val="dk1"/>
+    </dgm:linClrLst>
+    <dgm:effectClrLst/>
+    <dgm:txLinClrLst/>
+    <dgm:txFillClrLst meth="repeat">
+      <a:schemeClr val="dk1"/>
+    </dgm:txFillClrLst>
+    <dgm:txEffectClrLst/>
+  </dgm:styleLbl>
+  <dgm:styleLbl name="dkBgShp">
+    <dgm:fillClrLst meth="repeat">
+      <a:schemeClr val="accent2">
+        <a:shade val="90000"/>
+      </a:schemeClr>
+    </dgm:fillClrLst>
+    <dgm:linClrLst meth="repeat">
+      <a:schemeClr val="dk1"/>
+    </dgm:linClrLst>
+    <dgm:effectClrLst/>
+    <dgm:txLinClrLst/>
+    <dgm:txFillClrLst meth="repeat">
+      <a:schemeClr val="lt1"/>
+    </dgm:txFillClrLst>
+    <dgm:txEffectClrLst/>
+  </dgm:styleLbl>
+  <dgm:styleLbl name="trBgShp">
+    <dgm:fillClrLst meth="repeat">
+      <a:schemeClr val="accent2">
+        <a:tint val="50000"/>
+        <a:alpha val="40000"/>
+      </a:schemeClr>
+    </dgm:fillClrLst>
+    <dgm:linClrLst meth="repeat">
+      <a:schemeClr val="accent2"/>
+    </dgm:linClrLst>
+    <dgm:effectClrLst/>
+    <dgm:txLinClrLst/>
+    <dgm:txFillClrLst meth="repeat">
+      <a:schemeClr val="lt1"/>
+    </dgm:txFillClrLst>
+    <dgm:txEffectClrLst/>
+  </dgm:styleLbl>
+  <dgm:styleLbl name="fgShp">
+    <dgm:fillClrLst meth="repeat">
+      <a:schemeClr val="accent2">
+        <a:tint val="40000"/>
+      </a:schemeClr>
+    </dgm:fillClrLst>
+    <dgm:linClrLst meth="repeat">
+      <a:schemeClr val="lt1"/>
+    </dgm:linClrLst>
+    <dgm:effectClrLst/>
+    <dgm:txLinClrLst/>
+    <dgm:txFillClrLst meth="repeat">
+      <a:schemeClr val="dk1"/>
+    </dgm:txFillClrLst>
+    <dgm:txEffectClrLst/>
+  </dgm:styleLbl>
+  <dgm:styleLbl name="revTx">
+    <dgm:fillClrLst meth="repeat">
+      <a:schemeClr val="lt1">
+        <a:alpha val="0"/>
+      </a:schemeClr>
+    </dgm:fillClrLst>
+    <dgm:linClrLst meth="repeat">
+      <a:schemeClr val="dk1">
+        <a:alpha val="0"/>
+      </a:schemeClr>
+    </dgm:linClrLst>
+    <dgm:effectClrLst/>
+    <dgm:txLinClrLst/>
+    <dgm:txFillClrLst meth="repeat">
+      <a:schemeClr val="tx1"/>
+    </dgm:txFillClrLst>
+    <dgm:txEffectClrLst/>
+  </dgm:styleLbl>
+</dgm:colorsDef>
+</file>
+
+<file path=ppt/diagrams/colors3.xml><?xml version="1.0" encoding="utf-8"?>
+<dgm:colorsDef xmlns:dgm="http://schemas.openxmlformats.org/drawingml/2006/diagram" xmlns:a="http://schemas.openxmlformats.org/drawingml/2006/main" uniqueId="urn:microsoft.com/office/officeart/2005/8/colors/accent1_2">
+  <dgm:title val=""/>
+  <dgm:desc val=""/>
+  <dgm:catLst>
+    <dgm:cat type="accent1" pri="11200"/>
+  </dgm:catLst>
+  <dgm:styleLbl name="node0">
+    <dgm:fillClrLst meth="repeat">
+      <a:schemeClr val="accent1"/>
+    </dgm:fillClrLst>
+    <dgm:linClrLst meth="repeat">
+      <a:schemeClr val="lt1"/>
+    </dgm:linClrLst>
+    <dgm:effectClrLst/>
+    <dgm:txLinClrLst/>
+    <dgm:txFillClrLst/>
+    <dgm:txEffectClrLst/>
+  </dgm:styleLbl>
+  <dgm:styleLbl name="alignNode1">
+    <dgm:fillClrLst meth="repeat">
+      <a:schemeClr val="accent1"/>
+    </dgm:fillClrLst>
+    <dgm:linClrLst meth="repeat">
+      <a:schemeClr val="accent1"/>
+    </dgm:linClrLst>
+    <dgm:effectClrLst/>
+    <dgm:txLinClrLst/>
+    <dgm:txFillClrLst/>
+    <dgm:txEffectClrLst/>
+  </dgm:styleLbl>
+  <dgm:styleLbl name="node1">
+    <dgm:fillClrLst meth="repeat">
+      <a:schemeClr val="accent1"/>
+    </dgm:fillClrLst>
+    <dgm:linClrLst meth="repeat">
+      <a:schemeClr val="lt1"/>
+    </dgm:linClrLst>
+    <dgm:effectClrLst/>
+    <dgm:txLinClrLst/>
+    <dgm:txFillClrLst/>
+    <dgm:txEffectClrLst/>
+  </dgm:styleLbl>
+  <dgm:styleLbl name="lnNode1">
+    <dgm:fillClrLst meth="repeat">
+      <a:schemeClr val="accent1"/>
+    </dgm:fillClrLst>
+    <dgm:linClrLst meth="repeat">
+      <a:schemeClr val="lt1"/>
+    </dgm:linClrLst>
+    <dgm:effectClrLst/>
+    <dgm:txLinClrLst/>
+    <dgm:txFillClrLst/>
+    <dgm:txEffectClrLst/>
+  </dgm:styleLbl>
+  <dgm:styleLbl name="vennNode1">
+    <dgm:fillClrLst meth="repeat">
+      <a:schemeClr val="accent1">
+        <a:alpha val="50000"/>
+      </a:schemeClr>
+    </dgm:fillClrLst>
+    <dgm:linClrLst meth="repeat">
+      <a:schemeClr val="lt1"/>
+    </dgm:linClrLst>
+    <dgm:effectClrLst/>
+    <dgm:txLinClrLst/>
+    <dgm:txFillClrLst/>
+    <dgm:txEffectClrLst/>
+  </dgm:styleLbl>
+  <dgm:styleLbl name="node2">
+    <dgm:fillClrLst meth="repeat">
+      <a:schemeClr val="accent1"/>
+    </dgm:fillClrLst>
+    <dgm:linClrLst meth="repeat">
+      <a:schemeClr val="lt1"/>
+    </dgm:linClrLst>
+    <dgm:effectClrLst/>
+    <dgm:txLinClrLst/>
+    <dgm:txFillClrLst/>
+    <dgm:txEffectClrLst/>
+  </dgm:styleLbl>
+  <dgm:styleLbl name="node3">
+    <dgm:fillClrLst meth="repeat">
+      <a:schemeClr val="accent1"/>
+    </dgm:fillClrLst>
+    <dgm:linClrLst meth="repeat">
+      <a:schemeClr val="lt1"/>
+    </dgm:linClrLst>
+    <dgm:effectClrLst/>
+    <dgm:txLinClrLst/>
+    <dgm:txFillClrLst/>
+    <dgm:txEffectClrLst/>
+  </dgm:styleLbl>
+  <dgm:styleLbl name="node4">
+    <dgm:fillClrLst meth="repeat">
+      <a:schemeClr val="accent1"/>
+    </dgm:fillClrLst>
+    <dgm:linClrLst meth="repeat">
+      <a:schemeClr val="lt1"/>
+    </dgm:linClrLst>
+    <dgm:effectClrLst/>
+    <dgm:txLinClrLst/>
+    <dgm:txFillClrLst/>
+    <dgm:txEffectClrLst/>
+  </dgm:styleLbl>
+  <dgm:styleLbl name="fgImgPlace1">
+    <dgm:fillClrLst meth="repeat">
+      <a:schemeClr val="accent1">
+        <a:tint val="50000"/>
+      </a:schemeClr>
+    </dgm:fillClrLst>
+    <dgm:linClrLst meth="repeat">
+      <a:schemeClr val="lt1"/>
+    </dgm:linClrLst>
+    <dgm:effectClrLst/>
+    <dgm:txLinClrLst/>
+    <dgm:txFillClrLst meth="repeat">
+      <a:schemeClr val="lt1"/>
+    </dgm:txFillClrLst>
+    <dgm:txEffectClrLst/>
+  </dgm:styleLbl>
+  <dgm:styleLbl name="alignImgPlace1">
+    <dgm:fillClrLst meth="repeat">
+      <a:schemeClr val="accent1">
+        <a:tint val="50000"/>
+      </a:schemeClr>
+    </dgm:fillClrLst>
+    <dgm:linClrLst meth="repeat">
+      <a:schemeClr val="lt1"/>
+    </dgm:linClrLst>
+    <dgm:effectClrLst/>
+    <dgm:txLinClrLst/>
+    <dgm:txFillClrLst meth="repeat">
+      <a:schemeClr val="lt1"/>
+    </dgm:txFillClrLst>
+    <dgm:txEffectClrLst/>
+  </dgm:styleLbl>
+  <dgm:styleLbl name="bgImgPlace1">
+    <dgm:fillClrLst meth="repeat">
+      <a:schemeClr val="accent1">
+        <a:tint val="50000"/>
+      </a:schemeClr>
+    </dgm:fillClrLst>
+    <dgm:linClrLst meth="repeat">
+      <a:schemeClr val="lt1"/>
+    </dgm:linClrLst>
+    <dgm:effectClrLst/>
+    <dgm:txLinClrLst/>
+    <dgm:txFillClrLst meth="repeat">
+      <a:schemeClr val="lt1"/>
+    </dgm:txFillClrLst>
+    <dgm:txEffectClrLst/>
+  </dgm:styleLbl>
+  <dgm:styleLbl name="sibTrans2D1">
+    <dgm:fillClrLst meth="repeat">
+      <a:schemeClr val="accent1">
+        <a:tint val="60000"/>
+      </a:schemeClr>
+    </dgm:fillClrLst>
+    <dgm:linClrLst meth="repeat">
+      <a:schemeClr val="accent1">
+        <a:tint val="60000"/>
+      </a:schemeClr>
+    </dgm:linClrLst>
+    <dgm:effectClrLst/>
+    <dgm:txLinClrLst/>
+    <dgm:txFillClrLst/>
+    <dgm:txEffectClrLst/>
+  </dgm:styleLbl>
+  <dgm:styleLbl name="fgSibTrans2D1">
+    <dgm:fillClrLst meth="repeat">
+      <a:schemeClr val="accent1">
+        <a:tint val="60000"/>
+      </a:schemeClr>
+    </dgm:fillClrLst>
+    <dgm:linClrLst meth="repeat">
+      <a:schemeClr val="accent1">
+        <a:tint val="60000"/>
+      </a:schemeClr>
+    </dgm:linClrLst>
+    <dgm:effectClrLst/>
+    <dgm:txLinClrLst/>
+    <dgm:txFillClrLst/>
+    <dgm:txEffectClrLst/>
+  </dgm:styleLbl>
+  <dgm:styleLbl name="bgSibTrans2D1">
+    <dgm:fillClrLst meth="repeat">
+      <a:schemeClr val="accent1">
+        <a:tint val="60000"/>
+      </a:schemeClr>
+    </dgm:fillClrLst>
+    <dgm:linClrLst meth="repeat">
+      <a:schemeClr val="accent1">
+        <a:tint val="60000"/>
+      </a:schemeClr>
+    </dgm:linClrLst>
+    <dgm:effectClrLst/>
+    <dgm:txLinClrLst/>
+    <dgm:txFillClrLst/>
+    <dgm:txEffectClrLst/>
+  </dgm:styleLbl>
+  <dgm:styleLbl name="sibTrans1D1">
+    <dgm:fillClrLst meth="repeat">
+      <a:schemeClr val="accent1"/>
+    </dgm:fillClrLst>
+    <dgm:linClrLst meth="repeat">
+      <a:schemeClr val="accent1"/>
+    </dgm:linClrLst>
+    <dgm:effectClrLst/>
+    <dgm:txLinClrLst/>
+    <dgm:txFillClrLst meth="repeat">
+      <a:schemeClr val="tx1"/>
+    </dgm:txFillClrLst>
+    <dgm:txEffectClrLst/>
+  </dgm:styleLbl>
+  <dgm:styleLbl name="callout">
+    <dgm:fillClrLst meth="repeat">
+      <a:schemeClr val="accent1"/>
+    </dgm:fillClrLst>
+    <dgm:linClrLst meth="repeat">
+      <a:schemeClr val="accent1">
+        <a:tint val="50000"/>
+      </a:schemeClr>
+    </dgm:linClrLst>
+    <dgm:effectClrLst/>
+    <dgm:txLinClrLst/>
+    <dgm:txFillClrLst meth="repeat">
+      <a:schemeClr val="tx1"/>
+    </dgm:txFillClrLst>
+    <dgm:txEffectClrLst/>
+  </dgm:styleLbl>
+  <dgm:styleLbl name="asst0">
+    <dgm:fillClrLst meth="repeat">
+      <a:schemeClr val="accent1"/>
+    </dgm:fillClrLst>
+    <dgm:linClrLst meth="repeat">
+      <a:schemeClr val="lt1"/>
+    </dgm:linClrLst>
+    <dgm:effectClrLst/>
+    <dgm:txLinClrLst/>
+    <dgm:txFillClrLst/>
+    <dgm:txEffectClrLst/>
+  </dgm:styleLbl>
+  <dgm:styleLbl name="asst1">
+    <dgm:fillClrLst meth="repeat">
+      <a:schemeClr val="accent1"/>
+    </dgm:fillClrLst>
+    <dgm:linClrLst meth="repeat">
+      <a:schemeClr val="lt1"/>
+    </dgm:linClrLst>
+    <dgm:effectClrLst/>
+    <dgm:txLinClrLst/>
+    <dgm:txFillClrLst/>
+    <dgm:txEffectClrLst/>
+  </dgm:styleLbl>
+  <dgm:styleLbl name="asst2">
+    <dgm:fillClrLst meth="repeat">
+      <a:schemeClr val="accent1"/>
+    </dgm:fillClrLst>
+    <dgm:linClrLst meth="repeat">
+      <a:schemeClr val="lt1"/>
+    </dgm:linClrLst>
+    <dgm:effectClrLst/>
+    <dgm:txLinClrLst/>
+    <dgm:txFillClrLst/>
+    <dgm:txEffectClrLst/>
+  </dgm:styleLbl>
+  <dgm:styleLbl name="asst3">
+    <dgm:fillClrLst meth="repeat">
+      <a:schemeClr val="accent1"/>
+    </dgm:fillClrLst>
+    <dgm:linClrLst meth="repeat">
+      <a:schemeClr val="lt1"/>
+    </dgm:linClrLst>
+    <dgm:effectClrLst/>
+    <dgm:txLinClrLst/>
+    <dgm:txFillClrLst/>
+    <dgm:txEffectClrLst/>
+  </dgm:styleLbl>
+  <dgm:styleLbl name="asst4">
+    <dgm:fillClrLst meth="repeat">
+      <a:schemeClr val="accent1"/>
+    </dgm:fillClrLst>
+    <dgm:linClrLst meth="repeat">
+      <a:schemeClr val="lt1"/>
+    </dgm:linClrLst>
+    <dgm:effectClrLst/>
+    <dgm:txLinClrLst/>
+    <dgm:txFillClrLst/>
+    <dgm:txEffectClrLst/>
+  </dgm:styleLbl>
+  <dgm:styleLbl name="parChTrans2D1">
+    <dgm:fillClrLst meth="repeat">
+      <a:schemeClr val="accent1">
+        <a:tint val="60000"/>
+      </a:schemeClr>
+    </dgm:fillClrLst>
+    <dgm:linClrLst meth="repeat">
+      <a:schemeClr val="accent1">
+        <a:tint val="60000"/>
+      </a:schemeClr>
+    </dgm:linClrLst>
+    <dgm:effectClrLst/>
+    <dgm:txLinClrLst/>
+    <dgm:txFillClrLst meth="repeat">
+      <a:schemeClr val="lt1"/>
+    </dgm:txFillClrLst>
+    <dgm:txEffectClrLst/>
+  </dgm:styleLbl>
+  <dgm:styleLbl name="parChTrans2D2">
+    <dgm:fillClrLst meth="repeat">
+      <a:schemeClr val="accent1"/>
+    </dgm:fillClrLst>
+    <dgm:linClrLst meth="repeat">
+      <a:schemeClr val="accent1"/>
+    </dgm:linClrLst>
+    <dgm:effectClrLst/>
+    <dgm:txLinClrLst/>
+    <dgm:txFillClrLst meth="repeat">
+      <a:schemeClr val="lt1"/>
+    </dgm:txFillClrLst>
+    <dgm:txEffectClrLst/>
+  </dgm:styleLbl>
+  <dgm:styleLbl name="parChTrans2D3">
+    <dgm:fillClrLst meth="repeat">
+      <a:schemeClr val="accent1"/>
+    </dgm:fillClrLst>
+    <dgm:linClrLst meth="repeat">
+      <a:schemeClr val="accent1"/>
+    </dgm:linClrLst>
+    <dgm:effectClrLst/>
+    <dgm:txLinClrLst/>
+    <dgm:txFillClrLst meth="repeat">
+      <a:schemeClr val="lt1"/>
+    </dgm:txFillClrLst>
+    <dgm:txEffectClrLst/>
+  </dgm:styleLbl>
+  <dgm:styleLbl name="parChTrans2D4">
+    <dgm:fillClrLst meth="repeat">
+      <a:schemeClr val="accent1"/>
+    </dgm:fillClrLst>
+    <dgm:linClrLst meth="repeat">
+      <a:schemeClr val="accent1"/>
+    </dgm:linClrLst>
+    <dgm:effectClrLst/>
+    <dgm:txLinClrLst/>
+    <dgm:txFillClrLst meth="repeat">
+      <a:schemeClr val="lt1"/>
+    </dgm:txFillClrLst>
+    <dgm:txEffectClrLst/>
+  </dgm:styleLbl>
+  <dgm:styleLbl name="parChTrans1D1">
+    <dgm:fillClrLst meth="repeat">
+      <a:schemeClr val="accent1"/>
+    </dgm:fillClrLst>
+    <dgm:linClrLst meth="repeat">
+      <a:schemeClr val="accent1">
+        <a:shade val="60000"/>
+      </a:schemeClr>
+    </dgm:linClrLst>
+    <dgm:effectClrLst/>
+    <dgm:txLinClrLst/>
+    <dgm:txFillClrLst meth="repeat">
+      <a:schemeClr val="tx1"/>
+    </dgm:txFillClrLst>
+    <dgm:txEffectClrLst/>
+  </dgm:styleLbl>
+  <dgm:styleLbl name="parChTrans1D2">
+    <dgm:fillClrLst meth="repeat">
+      <a:schemeClr val="accent1"/>
+    </dgm:fillClrLst>
+    <dgm:linClrLst meth="repeat">
+      <a:schemeClr val="accent1">
+        <a:shade val="60000"/>
+      </a:schemeClr>
+    </dgm:linClrLst>
+    <dgm:effectClrLst/>
+    <dgm:txLinClrLst/>
+    <dgm:txFillClrLst meth="repeat">
+      <a:schemeClr val="tx1"/>
+    </dgm:txFillClrLst>
+    <dgm:txEffectClrLst/>
+  </dgm:styleLbl>
+  <dgm:styleLbl name="parChTrans1D3">
+    <dgm:fillClrLst meth="repeat">
+      <a:schemeClr val="accent1"/>
+    </dgm:fillClrLst>
+    <dgm:linClrLst meth="repeat">
+      <a:schemeClr val="accent1">
+        <a:shade val="80000"/>
+      </a:schemeClr>
+    </dgm:linClrLst>
+    <dgm:effectClrLst/>
+    <dgm:txLinClrLst/>
+    <dgm:txFillClrLst meth="repeat">
+      <a:schemeClr val="tx1"/>
+    </dgm:txFillClrLst>
+    <dgm:txEffectClrLst/>
+  </dgm:styleLbl>
+  <dgm:styleLbl name="parChTrans1D4">
+    <dgm:fillClrLst meth="repeat">
+      <a:schemeClr val="accent1"/>
+    </dgm:fillClrLst>
+    <dgm:linClrLst meth="repeat">
+      <a:schemeClr val="accent1">
+        <a:shade val="80000"/>
+      </a:schemeClr>
+    </dgm:linClrLst>
+    <dgm:effectClrLst/>
+    <dgm:txLinClrLst/>
+    <dgm:txFillClrLst meth="repeat">
+      <a:schemeClr val="tx1"/>
+    </dgm:txFillClrLst>
+    <dgm:txEffectClrLst/>
+  </dgm:styleLbl>
+  <dgm:styleLbl name="fgAcc1">
+    <dgm:fillClrLst meth="repeat">
+      <a:schemeClr val="lt1">
+        <a:alpha val="90000"/>
+      </a:schemeClr>
+    </dgm:fillClrLst>
+    <dgm:linClrLst meth="repeat">
+      <a:schemeClr val="accent1"/>
+    </dgm:linClrLst>
+    <dgm:effectClrLst/>
+    <dgm:txLinClrLst/>
+    <dgm:txFillClrLst meth="repeat">
+      <a:schemeClr val="dk1"/>
+    </dgm:txFillClrLst>
+    <dgm:txEffectClrLst/>
+  </dgm:styleLbl>
+  <dgm:styleLbl name="conFgAcc1">
+    <dgm:fillClrLst meth="repeat">
+      <a:schemeClr val="lt1">
+        <a:alpha val="90000"/>
+      </a:schemeClr>
+    </dgm:fillClrLst>
+    <dgm:linClrLst meth="repeat">
+      <a:schemeClr val="accent1"/>
+    </dgm:linClrLst>
+    <dgm:effectClrLst/>
+    <dgm:txLinClrLst/>
+    <dgm:txFillClrLst meth="repeat">
+      <a:schemeClr val="dk1"/>
+    </dgm:txFillClrLst>
+    <dgm:txEffectClrLst/>
+  </dgm:styleLbl>
+  <dgm:styleLbl name="alignAcc1">
+    <dgm:fillClrLst meth="repeat">
+      <a:schemeClr val="lt1">
+        <a:alpha val="90000"/>
+      </a:schemeClr>
+    </dgm:fillClrLst>
+    <dgm:linClrLst meth="repeat">
+      <a:schemeClr val="accent1"/>
+    </dgm:linClrLst>
+    <dgm:effectClrLst/>
+    <dgm:txLinClrLst/>
+    <dgm:txFillClrLst meth="repeat">
+      <a:schemeClr val="dk1"/>
+    </dgm:txFillClrLst>
+    <dgm:txEffectClrLst/>
+  </dgm:styleLbl>
+  <dgm:styleLbl name="trAlignAcc1">
+    <dgm:fillClrLst meth="repeat">
+      <a:schemeClr val="lt1">
+        <a:alpha val="40000"/>
+      </a:schemeClr>
+    </dgm:fillClrLst>
+    <dgm:linClrLst meth="repeat">
+      <a:schemeClr val="accent1"/>
+    </dgm:linClrLst>
+    <dgm:effectClrLst/>
+    <dgm:txLinClrLst/>
+    <dgm:txFillClrLst meth="repeat">
+      <a:schemeClr val="dk1"/>
+    </dgm:txFillClrLst>
+    <dgm:txEffectClrLst/>
+  </dgm:styleLbl>
+  <dgm:styleLbl name="bgAcc1">
+    <dgm:fillClrLst meth="repeat">
+      <a:schemeClr val="lt1">
+        <a:alpha val="90000"/>
+      </a:schemeClr>
+    </dgm:fillClrLst>
+    <dgm:linClrLst meth="repeat">
+      <a:schemeClr val="accent1"/>
+    </dgm:linClrLst>
+    <dgm:effectClrLst/>
+    <dgm:txLinClrLst/>
+    <dgm:txFillClrLst meth="repeat">
+      <a:schemeClr val="dk1"/>
+    </dgm:txFillClrLst>
+    <dgm:txEffectClrLst/>
+  </dgm:styleLbl>
+  <dgm:styleLbl name="solidFgAcc1">
+    <dgm:fillClrLst meth="repeat">
+      <a:schemeClr val="lt1"/>
+    </dgm:fillClrLst>
+    <dgm:linClrLst meth="repeat">
+      <a:schemeClr val="accent1"/>
+    </dgm:linClrLst>
+    <dgm:effectClrLst/>
+    <dgm:txLinClrLst/>
+    <dgm:txFillClrLst meth="repeat">
+      <a:schemeClr val="dk1"/>
+    </dgm:txFillClrLst>
+    <dgm:txEffectClrLst/>
+  </dgm:styleLbl>
+  <dgm:styleLbl name="solidAlignAcc1">
+    <dgm:fillClrLst meth="repeat">
+      <a:schemeClr val="lt1"/>
+    </dgm:fillClrLst>
+    <dgm:linClrLst meth="repeat">
+      <a:schemeClr val="accent1"/>
+    </dgm:linClrLst>
+    <dgm:effectClrLst/>
+    <dgm:txLinClrLst/>
+    <dgm:txFillClrLst meth="repeat">
+      <a:schemeClr val="dk1"/>
+    </dgm:txFillClrLst>
+    <dgm:txEffectClrLst/>
+  </dgm:styleLbl>
+  <dgm:styleLbl name="solidBgAcc1">
+    <dgm:fillClrLst meth="repeat">
+      <a:schemeClr val="lt1"/>
+    </dgm:fillClrLst>
+    <dgm:linClrLst meth="repeat">
+      <a:schemeClr val="accent1"/>
+    </dgm:linClrLst>
+    <dgm:effectClrLst/>
+    <dgm:txLinClrLst/>
+    <dgm:txFillClrLst meth="repeat">
+      <a:schemeClr val="dk1"/>
+    </dgm:txFillClrLst>
+    <dgm:txEffectClrLst/>
+  </dgm:styleLbl>
+  <dgm:styleLbl name="fgAccFollowNode1">
+    <dgm:fillClrLst meth="repeat">
+      <a:schemeClr val="accent1">
+        <a:alpha val="90000"/>
+        <a:tint val="40000"/>
+      </a:schemeClr>
+    </dgm:fillClrLst>
+    <dgm:linClrLst meth="repeat">
+      <a:schemeClr val="accent1">
+        <a:alpha val="90000"/>
+        <a:tint val="40000"/>
+      </a:schemeClr>
+    </dgm:linClrLst>
+    <dgm:effectClrLst/>
+    <dgm:txLinClrLst/>
+    <dgm:txFillClrLst meth="repeat">
+      <a:schemeClr val="dk1"/>
+    </dgm:txFillClrLst>
+    <dgm:txEffectClrLst/>
+  </dgm:styleLbl>
+  <dgm:styleLbl name="alignAccFollowNode1">
+    <dgm:fillClrLst meth="repeat">
+      <a:schemeClr val="accent1">
+        <a:alpha val="90000"/>
+        <a:tint val="40000"/>
+      </a:schemeClr>
+    </dgm:fillClrLst>
+    <dgm:linClrLst meth="repeat">
+      <a:schemeClr val="accent1">
+        <a:alpha val="90000"/>
+        <a:tint val="40000"/>
+      </a:schemeClr>
+    </dgm:linClrLst>
+    <dgm:effectClrLst/>
+    <dgm:txLinClrLst/>
+    <dgm:txFillClrLst meth="repeat">
+      <a:schemeClr val="dk1"/>
+    </dgm:txFillClrLst>
+    <dgm:txEffectClrLst/>
+  </dgm:styleLbl>
+  <dgm:styleLbl name="bgAccFollowNode1">
+    <dgm:fillClrLst meth="repeat">
+      <a:schemeClr val="accent1">
+        <a:alpha val="90000"/>
+        <a:tint val="40000"/>
+      </a:schemeClr>
+    </dgm:fillClrLst>
+    <dgm:linClrLst meth="repeat">
+      <a:schemeClr val="accent1">
+        <a:alpha val="90000"/>
+        <a:tint val="40000"/>
+      </a:schemeClr>
+    </dgm:linClrLst>
+    <dgm:effectClrLst/>
+    <dgm:txLinClrLst/>
+    <dgm:txFillClrLst meth="repeat">
+      <a:schemeClr val="dk1"/>
+    </dgm:txFillClrLst>
+    <dgm:txEffectClrLst/>
+  </dgm:styleLbl>
+  <dgm:styleLbl name="fgAcc0">
+    <dgm:fillClrLst meth="repeat">
+      <a:schemeClr val="lt1">
+        <a:alpha val="90000"/>
+      </a:schemeClr>
+    </dgm:fillClrLst>
+    <dgm:linClrLst meth="repeat">
+      <a:schemeClr val="accent1"/>
+    </dgm:linClrLst>
+    <dgm:effectClrLst/>
+    <dgm:txLinClrLst/>
+    <dgm:txFillClrLst meth="repeat">
+      <a:schemeClr val="dk1"/>
+    </dgm:txFillClrLst>
+    <dgm:txEffectClrLst/>
+  </dgm:styleLbl>
+  <dgm:styleLbl name="fgAcc2">
+    <dgm:fillClrLst meth="repeat">
+      <a:schemeClr val="lt1">
+        <a:alpha val="90000"/>
+      </a:schemeClr>
+    </dgm:fillClrLst>
+    <dgm:linClrLst meth="repeat">
+      <a:schemeClr val="accent1"/>
+    </dgm:linClrLst>
+    <dgm:effectClrLst/>
+    <dgm:txLinClrLst/>
+    <dgm:txFillClrLst meth="repeat">
+      <a:schemeClr val="dk1"/>
+    </dgm:txFillClrLst>
+    <dgm:txEffectClrLst/>
+  </dgm:styleLbl>
+  <dgm:styleLbl name="fgAcc3">
+    <dgm:fillClrLst meth="repeat">
+      <a:schemeClr val="lt1">
+        <a:alpha val="90000"/>
+      </a:schemeClr>
+    </dgm:fillClrLst>
+    <dgm:linClrLst meth="repeat">
+      <a:schemeClr val="accent1"/>
+    </dgm:linClrLst>
+    <dgm:effectClrLst/>
+    <dgm:txLinClrLst/>
+    <dgm:txFillClrLst meth="repeat">
+      <a:schemeClr val="dk1"/>
+    </dgm:txFillClrLst>
+    <dgm:txEffectClrLst/>
+  </dgm:styleLbl>
+  <dgm:styleLbl name="fgAcc4">
+    <dgm:fillClrLst meth="repeat">
+      <a:schemeClr val="lt1">
+        <a:alpha val="90000"/>
+      </a:schemeClr>
+    </dgm:fillClrLst>
+    <dgm:linClrLst meth="repeat">
+      <a:schemeClr val="accent1"/>
+    </dgm:linClrLst>
+    <dgm:effectClrLst/>
+    <dgm:txLinClrLst/>
+    <dgm:txFillClrLst meth="repeat">
+      <a:schemeClr val="dk1"/>
+    </dgm:txFillClrLst>
+    <dgm:txEffectClrLst/>
+  </dgm:styleLbl>
+  <dgm:styleLbl name="bgShp">
+    <dgm:fillClrLst meth="repeat">
+      <a:schemeClr val="accent1">
+        <a:tint val="40000"/>
+      </a:schemeClr>
+    </dgm:fillClrLst>
+    <dgm:linClrLst meth="repeat">
+      <a:schemeClr val="accent1"/>
+    </dgm:linClrLst>
+    <dgm:effectClrLst/>
+    <dgm:txLinClrLst/>
+    <dgm:txFillClrLst meth="repeat">
+      <a:schemeClr val="dk1"/>
+    </dgm:txFillClrLst>
+    <dgm:txEffectClrLst/>
+  </dgm:styleLbl>
+  <dgm:styleLbl name="dkBgShp">
+    <dgm:fillClrLst meth="repeat">
+      <a:schemeClr val="accent1">
+        <a:shade val="80000"/>
+      </a:schemeClr>
+    </dgm:fillClrLst>
+    <dgm:linClrLst meth="repeat">
+      <a:schemeClr val="accent1"/>
+    </dgm:linClrLst>
+    <dgm:effectClrLst/>
+    <dgm:txLinClrLst/>
+    <dgm:txFillClrLst meth="repeat">
+      <a:schemeClr val="lt1"/>
+    </dgm:txFillClrLst>
+    <dgm:txEffectClrLst/>
+  </dgm:styleLbl>
+  <dgm:styleLbl name="trBgShp">
+    <dgm:fillClrLst meth="repeat">
+      <a:schemeClr val="accent1">
+        <a:tint val="50000"/>
+        <a:alpha val="40000"/>
+      </a:schemeClr>
+    </dgm:fillClrLst>
+    <dgm:linClrLst meth="repeat">
+      <a:schemeClr val="accent1"/>
+    </dgm:linClrLst>
+    <dgm:effectClrLst/>
+    <dgm:txLinClrLst/>
+    <dgm:txFillClrLst meth="repeat">
+      <a:schemeClr val="lt1"/>
+    </dgm:txFillClrLst>
+    <dgm:txEffectClrLst/>
+  </dgm:styleLbl>
+  <dgm:styleLbl name="fgShp">
+    <dgm:fillClrLst meth="repeat">
+      <a:schemeClr val="accent1">
+        <a:tint val="60000"/>
+      </a:schemeClr>
+    </dgm:fillClrLst>
+    <dgm:linClrLst meth="repeat">
+      <a:schemeClr val="lt1"/>
+    </dgm:linClrLst>
+    <dgm:effectClrLst/>
+    <dgm:txLinClrLst/>
+    <dgm:txFillClrLst meth="repeat">
+      <a:schemeClr val="dk1"/>
+    </dgm:txFillClrLst>
+    <dgm:txEffectClrLst/>
+  </dgm:styleLbl>
+  <dgm:styleLbl name="revTx">
+    <dgm:fillClrLst meth="repeat">
+      <a:schemeClr val="lt1">
+        <a:alpha val="0"/>
+      </a:schemeClr>
+    </dgm:fillClrLst>
+    <dgm:linClrLst meth="repeat">
+      <a:schemeClr val="dk1">
+        <a:alpha val="0"/>
+      </a:schemeClr>
+    </dgm:linClrLst>
+    <dgm:effectClrLst/>
+    <dgm:txLinClrLst/>
+    <dgm:txFillClrLst meth="repeat">
+      <a:schemeClr val="tx1"/>
+    </dgm:txFillClrLst>
+    <dgm:txEffectClrLst/>
+  </dgm:styleLbl>
+</dgm:colorsDef>
+</file>
+
 <file path=ppt/diagrams/data1.xml><?xml version="1.0" encoding="utf-8"?>
 <dgm:dataModel xmlns:dgm="http://schemas.openxmlformats.org/drawingml/2006/diagram" xmlns:a="http://schemas.openxmlformats.org/drawingml/2006/main">
   <dgm:ptLst>
@@ -1147,10 +2678,22 @@
         <a:lstStyle/>
         <a:p>
           <a:r>
-            <a:rPr lang="fr-FR"/>
-            <a:t>Une modification de ces paramètres VA entrainer un changement de comportement du logiciel, et donc l’apparition de bugs.</a:t>
+            <a:rPr lang="fr-FR" dirty="0"/>
+            <a:t>Une modification de ces paramètres </a:t>
           </a:r>
-          <a:endParaRPr lang="en-US"/>
+          <a:r>
+            <a:rPr lang="fr-FR" dirty="0">
+              <a:solidFill>
+                <a:srgbClr val="FF0000"/>
+              </a:solidFill>
+            </a:rPr>
+            <a:t>VA</a:t>
+          </a:r>
+          <a:r>
+            <a:rPr lang="fr-FR" dirty="0"/>
+            <a:t> entrainer un changement de comportement du logiciel, et donc l’apparition de bugs.</a:t>
+          </a:r>
+          <a:endParaRPr lang="en-US" dirty="0"/>
         </a:p>
       </dgm:t>
     </dgm:pt>
@@ -1366,6 +2909,421 @@
     <dgm:cxn modelId="{BCC7D61C-BEC3-4CA6-9B59-F4A994E6D3D1}" type="presParOf" srcId="{08884553-CB4F-4AF3-A9D1-28C39D6D205B}" destId="{181280D3-B943-4DDD-B1CD-1F46CE2DBF41}" srcOrd="1" destOrd="0" presId="urn:microsoft.com/office/officeart/2018/2/layout/IconVerticalSolidList"/>
     <dgm:cxn modelId="{65D2503E-F499-4623-812D-003FB4A6E3D2}" type="presParOf" srcId="{08884553-CB4F-4AF3-A9D1-28C39D6D205B}" destId="{BA0849A5-5FBC-43FA-97E5-63A2880AE9BF}" srcOrd="2" destOrd="0" presId="urn:microsoft.com/office/officeart/2018/2/layout/IconVerticalSolidList"/>
     <dgm:cxn modelId="{A433FC88-35AE-4850-A6EB-AEB37F11B471}" type="presParOf" srcId="{08884553-CB4F-4AF3-A9D1-28C39D6D205B}" destId="{F7E862B5-D327-4C00-B129-58CDFECAE37C}" srcOrd="3" destOrd="0" presId="urn:microsoft.com/office/officeart/2018/2/layout/IconVerticalSolidList"/>
+  </dgm:cxnLst>
+  <dgm:bg/>
+  <dgm:whole/>
+  <dgm:extLst>
+    <a:ext uri="http://schemas.microsoft.com/office/drawing/2008/diagram">
+      <dsp:dataModelExt xmlns:dsp="http://schemas.microsoft.com/office/drawing/2008/diagram" relId="rId6" minVer="http://schemas.openxmlformats.org/drawingml/2006/diagram"/>
+    </a:ext>
+  </dgm:extLst>
+</dgm:dataModel>
+</file>
+
+<file path=ppt/diagrams/data2.xml><?xml version="1.0" encoding="utf-8"?>
+<dgm:dataModel xmlns:dgm="http://schemas.openxmlformats.org/drawingml/2006/diagram" xmlns:a="http://schemas.openxmlformats.org/drawingml/2006/main">
+  <dgm:ptLst>
+    <dgm:pt modelId="{F8041D05-0AE3-4299-B9AF-378B5958BE91}" type="doc">
+      <dgm:prSet loTypeId="urn:microsoft.com/office/officeart/2005/8/layout/hierarchy1" loCatId="hierarchy" qsTypeId="urn:microsoft.com/office/officeart/2005/8/quickstyle/simple1" qsCatId="simple" csTypeId="urn:microsoft.com/office/officeart/2005/8/colors/colorful2" csCatId="colorful"/>
+      <dgm:spPr/>
+      <dgm:t>
+        <a:bodyPr/>
+        <a:lstStyle/>
+        <a:p>
+          <a:endParaRPr lang="en-US"/>
+        </a:p>
+      </dgm:t>
+    </dgm:pt>
+    <dgm:pt modelId="{B73221E7-0943-4CB3-B5E7-A0121EE2255E}">
+      <dgm:prSet/>
+      <dgm:spPr/>
+      <dgm:t>
+        <a:bodyPr/>
+        <a:lstStyle/>
+        <a:p>
+          <a:r>
+            <a:rPr lang="fr-FR"/>
+            <a:t>Le panneau mission permet de configurer le pas de temps de la simulation. Il est important de rentrer un pas de temps cohérent par rapport à la durée de la mission (attention dans le code, la durée de la mission est en seconde !). Il va impacter le temps de calcul ainsi que la finesse des trajectoires des satellites.</a:t>
+          </a:r>
+          <a:endParaRPr lang="en-US"/>
+        </a:p>
+      </dgm:t>
+    </dgm:pt>
+    <dgm:pt modelId="{31AB0338-4A58-4171-A4E4-882FCA2FD361}" type="parTrans" cxnId="{01A64004-0DE2-40F3-8C52-0DAB1C12F1EF}">
+      <dgm:prSet/>
+      <dgm:spPr/>
+      <dgm:t>
+        <a:bodyPr/>
+        <a:lstStyle/>
+        <a:p>
+          <a:endParaRPr lang="en-US"/>
+        </a:p>
+      </dgm:t>
+    </dgm:pt>
+    <dgm:pt modelId="{27F70F1C-559C-4230-A257-3C2601332F2C}" type="sibTrans" cxnId="{01A64004-0DE2-40F3-8C52-0DAB1C12F1EF}">
+      <dgm:prSet/>
+      <dgm:spPr/>
+      <dgm:t>
+        <a:bodyPr/>
+        <a:lstStyle/>
+        <a:p>
+          <a:endParaRPr lang="en-US"/>
+        </a:p>
+      </dgm:t>
+    </dgm:pt>
+    <dgm:pt modelId="{B1FEADBF-CC61-40F3-A477-455856EF131A}">
+      <dgm:prSet/>
+      <dgm:spPr/>
+      <dgm:t>
+        <a:bodyPr/>
+        <a:lstStyle/>
+        <a:p>
+          <a:r>
+            <a:rPr lang="fr-FR"/>
+            <a:t>Pour une mission de 1 jour (86400s), un pas de temps de 100 est amplement suffisant. Il est donc recommandé que le pas de temps soit égal au (nombre de jour * 100).</a:t>
+          </a:r>
+          <a:endParaRPr lang="en-US"/>
+        </a:p>
+      </dgm:t>
+    </dgm:pt>
+    <dgm:pt modelId="{B25BB033-C03D-43AD-89F4-C82FB1C3D547}" type="parTrans" cxnId="{F63282F8-694A-428D-8053-E97DB4FA6777}">
+      <dgm:prSet/>
+      <dgm:spPr/>
+      <dgm:t>
+        <a:bodyPr/>
+        <a:lstStyle/>
+        <a:p>
+          <a:endParaRPr lang="en-US"/>
+        </a:p>
+      </dgm:t>
+    </dgm:pt>
+    <dgm:pt modelId="{A77FD4AC-E85B-4F18-9A22-9A4E75885B1F}" type="sibTrans" cxnId="{F63282F8-694A-428D-8053-E97DB4FA6777}">
+      <dgm:prSet/>
+      <dgm:spPr/>
+      <dgm:t>
+        <a:bodyPr/>
+        <a:lstStyle/>
+        <a:p>
+          <a:endParaRPr lang="en-US"/>
+        </a:p>
+      </dgm:t>
+    </dgm:pt>
+    <dgm:pt modelId="{C5ED86D9-1A76-49B1-A27B-A4D8AC21CB32}" type="pres">
+      <dgm:prSet presAssocID="{F8041D05-0AE3-4299-B9AF-378B5958BE91}" presName="hierChild1" presStyleCnt="0">
+        <dgm:presLayoutVars>
+          <dgm:chPref val="1"/>
+          <dgm:dir/>
+          <dgm:animOne val="branch"/>
+          <dgm:animLvl val="lvl"/>
+          <dgm:resizeHandles/>
+        </dgm:presLayoutVars>
+      </dgm:prSet>
+      <dgm:spPr/>
+    </dgm:pt>
+    <dgm:pt modelId="{DE5498A5-E015-48C6-AA23-61135BB83460}" type="pres">
+      <dgm:prSet presAssocID="{B73221E7-0943-4CB3-B5E7-A0121EE2255E}" presName="hierRoot1" presStyleCnt="0"/>
+      <dgm:spPr/>
+    </dgm:pt>
+    <dgm:pt modelId="{B9545F4D-1CA4-4560-B157-033875739B46}" type="pres">
+      <dgm:prSet presAssocID="{B73221E7-0943-4CB3-B5E7-A0121EE2255E}" presName="composite" presStyleCnt="0"/>
+      <dgm:spPr/>
+    </dgm:pt>
+    <dgm:pt modelId="{DF3C1C58-71C3-4247-A315-C3FF03FE32CB}" type="pres">
+      <dgm:prSet presAssocID="{B73221E7-0943-4CB3-B5E7-A0121EE2255E}" presName="background" presStyleLbl="node0" presStyleIdx="0" presStyleCnt="2"/>
+      <dgm:spPr/>
+    </dgm:pt>
+    <dgm:pt modelId="{60E251C9-A343-4277-BE74-0A1EA9B84C61}" type="pres">
+      <dgm:prSet presAssocID="{B73221E7-0943-4CB3-B5E7-A0121EE2255E}" presName="text" presStyleLbl="fgAcc0" presStyleIdx="0" presStyleCnt="2">
+        <dgm:presLayoutVars>
+          <dgm:chPref val="3"/>
+        </dgm:presLayoutVars>
+      </dgm:prSet>
+      <dgm:spPr/>
+    </dgm:pt>
+    <dgm:pt modelId="{E06DC179-2FB2-4001-AD99-F46E0E962F21}" type="pres">
+      <dgm:prSet presAssocID="{B73221E7-0943-4CB3-B5E7-A0121EE2255E}" presName="hierChild2" presStyleCnt="0"/>
+      <dgm:spPr/>
+    </dgm:pt>
+    <dgm:pt modelId="{4D108E98-73B4-4CC9-90F6-84A0999B9A36}" type="pres">
+      <dgm:prSet presAssocID="{B1FEADBF-CC61-40F3-A477-455856EF131A}" presName="hierRoot1" presStyleCnt="0"/>
+      <dgm:spPr/>
+    </dgm:pt>
+    <dgm:pt modelId="{F59CF101-1837-41C4-A652-F578FA9094A5}" type="pres">
+      <dgm:prSet presAssocID="{B1FEADBF-CC61-40F3-A477-455856EF131A}" presName="composite" presStyleCnt="0"/>
+      <dgm:spPr/>
+    </dgm:pt>
+    <dgm:pt modelId="{D50EC9CC-43A8-4F83-874E-D857B42F8154}" type="pres">
+      <dgm:prSet presAssocID="{B1FEADBF-CC61-40F3-A477-455856EF131A}" presName="background" presStyleLbl="node0" presStyleIdx="1" presStyleCnt="2"/>
+      <dgm:spPr/>
+    </dgm:pt>
+    <dgm:pt modelId="{7190C3CE-77E7-4D50-846D-CB3EF03588C5}" type="pres">
+      <dgm:prSet presAssocID="{B1FEADBF-CC61-40F3-A477-455856EF131A}" presName="text" presStyleLbl="fgAcc0" presStyleIdx="1" presStyleCnt="2">
+        <dgm:presLayoutVars>
+          <dgm:chPref val="3"/>
+        </dgm:presLayoutVars>
+      </dgm:prSet>
+      <dgm:spPr/>
+    </dgm:pt>
+    <dgm:pt modelId="{E2729609-C5EE-41CA-9869-B321E0105167}" type="pres">
+      <dgm:prSet presAssocID="{B1FEADBF-CC61-40F3-A477-455856EF131A}" presName="hierChild2" presStyleCnt="0"/>
+      <dgm:spPr/>
+    </dgm:pt>
+  </dgm:ptLst>
+  <dgm:cxnLst>
+    <dgm:cxn modelId="{01A64004-0DE2-40F3-8C52-0DAB1C12F1EF}" srcId="{F8041D05-0AE3-4299-B9AF-378B5958BE91}" destId="{B73221E7-0943-4CB3-B5E7-A0121EE2255E}" srcOrd="0" destOrd="0" parTransId="{31AB0338-4A58-4171-A4E4-882FCA2FD361}" sibTransId="{27F70F1C-559C-4230-A257-3C2601332F2C}"/>
+    <dgm:cxn modelId="{46669534-DFFD-4FB6-9012-AD46B5571AC1}" type="presOf" srcId="{F8041D05-0AE3-4299-B9AF-378B5958BE91}" destId="{C5ED86D9-1A76-49B1-A27B-A4D8AC21CB32}" srcOrd="0" destOrd="0" presId="urn:microsoft.com/office/officeart/2005/8/layout/hierarchy1"/>
+    <dgm:cxn modelId="{F4FC0A8A-8AF5-4703-BD39-8B5CDBFD1FF4}" type="presOf" srcId="{B1FEADBF-CC61-40F3-A477-455856EF131A}" destId="{7190C3CE-77E7-4D50-846D-CB3EF03588C5}" srcOrd="0" destOrd="0" presId="urn:microsoft.com/office/officeart/2005/8/layout/hierarchy1"/>
+    <dgm:cxn modelId="{EFB455A2-CD8A-42E4-83A7-0DBBA1AFB62D}" type="presOf" srcId="{B73221E7-0943-4CB3-B5E7-A0121EE2255E}" destId="{60E251C9-A343-4277-BE74-0A1EA9B84C61}" srcOrd="0" destOrd="0" presId="urn:microsoft.com/office/officeart/2005/8/layout/hierarchy1"/>
+    <dgm:cxn modelId="{F63282F8-694A-428D-8053-E97DB4FA6777}" srcId="{F8041D05-0AE3-4299-B9AF-378B5958BE91}" destId="{B1FEADBF-CC61-40F3-A477-455856EF131A}" srcOrd="1" destOrd="0" parTransId="{B25BB033-C03D-43AD-89F4-C82FB1C3D547}" sibTransId="{A77FD4AC-E85B-4F18-9A22-9A4E75885B1F}"/>
+    <dgm:cxn modelId="{851EDD58-BC26-4FE3-A4A8-6747E81FEDEB}" type="presParOf" srcId="{C5ED86D9-1A76-49B1-A27B-A4D8AC21CB32}" destId="{DE5498A5-E015-48C6-AA23-61135BB83460}" srcOrd="0" destOrd="0" presId="urn:microsoft.com/office/officeart/2005/8/layout/hierarchy1"/>
+    <dgm:cxn modelId="{1E4A09A3-BCBC-475A-97C3-7F9777D8926E}" type="presParOf" srcId="{DE5498A5-E015-48C6-AA23-61135BB83460}" destId="{B9545F4D-1CA4-4560-B157-033875739B46}" srcOrd="0" destOrd="0" presId="urn:microsoft.com/office/officeart/2005/8/layout/hierarchy1"/>
+    <dgm:cxn modelId="{354F0704-73E3-4EF4-AC6C-D831D65A82FC}" type="presParOf" srcId="{B9545F4D-1CA4-4560-B157-033875739B46}" destId="{DF3C1C58-71C3-4247-A315-C3FF03FE32CB}" srcOrd="0" destOrd="0" presId="urn:microsoft.com/office/officeart/2005/8/layout/hierarchy1"/>
+    <dgm:cxn modelId="{D3246F01-5759-48AB-BCE6-C4631F60DC74}" type="presParOf" srcId="{B9545F4D-1CA4-4560-B157-033875739B46}" destId="{60E251C9-A343-4277-BE74-0A1EA9B84C61}" srcOrd="1" destOrd="0" presId="urn:microsoft.com/office/officeart/2005/8/layout/hierarchy1"/>
+    <dgm:cxn modelId="{A667CDBB-B60F-4A42-8614-9C2787B583EF}" type="presParOf" srcId="{DE5498A5-E015-48C6-AA23-61135BB83460}" destId="{E06DC179-2FB2-4001-AD99-F46E0E962F21}" srcOrd="1" destOrd="0" presId="urn:microsoft.com/office/officeart/2005/8/layout/hierarchy1"/>
+    <dgm:cxn modelId="{D7F105CC-9451-426D-A8CF-E45041D69DFE}" type="presParOf" srcId="{C5ED86D9-1A76-49B1-A27B-A4D8AC21CB32}" destId="{4D108E98-73B4-4CC9-90F6-84A0999B9A36}" srcOrd="1" destOrd="0" presId="urn:microsoft.com/office/officeart/2005/8/layout/hierarchy1"/>
+    <dgm:cxn modelId="{C2AB44A4-6314-4E7B-ABC1-8969A6B60F5E}" type="presParOf" srcId="{4D108E98-73B4-4CC9-90F6-84A0999B9A36}" destId="{F59CF101-1837-41C4-A652-F578FA9094A5}" srcOrd="0" destOrd="0" presId="urn:microsoft.com/office/officeart/2005/8/layout/hierarchy1"/>
+    <dgm:cxn modelId="{8EA60265-730F-4426-90D9-75FB77760C70}" type="presParOf" srcId="{F59CF101-1837-41C4-A652-F578FA9094A5}" destId="{D50EC9CC-43A8-4F83-874E-D857B42F8154}" srcOrd="0" destOrd="0" presId="urn:microsoft.com/office/officeart/2005/8/layout/hierarchy1"/>
+    <dgm:cxn modelId="{03713E12-9232-4FE7-8FB6-2C948F87EAD0}" type="presParOf" srcId="{F59CF101-1837-41C4-A652-F578FA9094A5}" destId="{7190C3CE-77E7-4D50-846D-CB3EF03588C5}" srcOrd="1" destOrd="0" presId="urn:microsoft.com/office/officeart/2005/8/layout/hierarchy1"/>
+    <dgm:cxn modelId="{27A01EC0-75C6-4EF9-ACD5-37769CDD819C}" type="presParOf" srcId="{4D108E98-73B4-4CC9-90F6-84A0999B9A36}" destId="{E2729609-C5EE-41CA-9869-B321E0105167}" srcOrd="1" destOrd="0" presId="urn:microsoft.com/office/officeart/2005/8/layout/hierarchy1"/>
+  </dgm:cxnLst>
+  <dgm:bg/>
+  <dgm:whole/>
+  <dgm:extLst>
+    <a:ext uri="http://schemas.microsoft.com/office/drawing/2008/diagram">
+      <dsp:dataModelExt xmlns:dsp="http://schemas.microsoft.com/office/drawing/2008/diagram" relId="rId6" minVer="http://schemas.openxmlformats.org/drawingml/2006/diagram"/>
+    </a:ext>
+  </dgm:extLst>
+</dgm:dataModel>
+</file>
+
+<file path=ppt/diagrams/data3.xml><?xml version="1.0" encoding="utf-8"?>
+<dgm:dataModel xmlns:dgm="http://schemas.openxmlformats.org/drawingml/2006/diagram" xmlns:a="http://schemas.openxmlformats.org/drawingml/2006/main">
+  <dgm:ptLst>
+    <dgm:pt modelId="{5611C063-8721-4542-A146-449B96E7FF0C}" type="doc">
+      <dgm:prSet loTypeId="urn:microsoft.com/office/officeart/2018/2/layout/IconVerticalSolidList" loCatId="icon" qsTypeId="urn:microsoft.com/office/officeart/2005/8/quickstyle/simple1" qsCatId="simple" csTypeId="urn:microsoft.com/office/officeart/2005/8/colors/accent1_2" csCatId="accent1" phldr="1"/>
+      <dgm:spPr/>
+      <dgm:t>
+        <a:bodyPr/>
+        <a:lstStyle/>
+        <a:p>
+          <a:endParaRPr lang="en-US"/>
+        </a:p>
+      </dgm:t>
+    </dgm:pt>
+    <dgm:pt modelId="{C600EB56-ACC8-41DF-ABA9-C58576D039B6}">
+      <dgm:prSet/>
+      <dgm:spPr/>
+      <dgm:t>
+        <a:bodyPr/>
+        <a:lstStyle/>
+        <a:p>
+          <a:pPr>
+            <a:lnSpc>
+              <a:spcPct val="100000"/>
+            </a:lnSpc>
+          </a:pPr>
+          <a:r>
+            <a:rPr lang="fr-FR"/>
+            <a:t>Le logiciel est doté d’un nommage des satellites automatique. Lors de la création du satellite, l’utilisateur ne rentre que la base du nom, le logiciel s’occupe de la différentiation des satellites de la constellation.</a:t>
+          </a:r>
+          <a:endParaRPr lang="en-US"/>
+        </a:p>
+      </dgm:t>
+    </dgm:pt>
+    <dgm:pt modelId="{1A442048-553F-4B78-822C-9158514A8978}" type="parTrans" cxnId="{8AC36B7F-07AF-4930-8451-704891DA8111}">
+      <dgm:prSet/>
+      <dgm:spPr/>
+      <dgm:t>
+        <a:bodyPr/>
+        <a:lstStyle/>
+        <a:p>
+          <a:endParaRPr lang="en-US"/>
+        </a:p>
+      </dgm:t>
+    </dgm:pt>
+    <dgm:pt modelId="{BC634C61-CEBF-4917-B915-7DB6BE472E23}" type="sibTrans" cxnId="{8AC36B7F-07AF-4930-8451-704891DA8111}">
+      <dgm:prSet/>
+      <dgm:spPr/>
+      <dgm:t>
+        <a:bodyPr/>
+        <a:lstStyle/>
+        <a:p>
+          <a:endParaRPr lang="en-US"/>
+        </a:p>
+      </dgm:t>
+    </dgm:pt>
+    <dgm:pt modelId="{B1E69073-F724-4200-B032-2F957A185B71}">
+      <dgm:prSet/>
+      <dgm:spPr/>
+      <dgm:t>
+        <a:bodyPr/>
+        <a:lstStyle/>
+        <a:p>
+          <a:pPr>
+            <a:lnSpc>
+              <a:spcPct val="100000"/>
+            </a:lnSpc>
+          </a:pPr>
+          <a:r>
+            <a:rPr lang="fr-FR"/>
+            <a:t>Le nommage est le suivant: </a:t>
+          </a:r>
+          <a:br>
+            <a:rPr lang="fr-FR"/>
+          </a:br>
+          <a:r>
+            <a:rPr lang="fr-FR"/>
+            <a:t>Nom du satellite – Numéro du satellite dans le plan – Numéro du plan</a:t>
+          </a:r>
+          <a:endParaRPr lang="en-US"/>
+        </a:p>
+      </dgm:t>
+    </dgm:pt>
+    <dgm:pt modelId="{B196E493-7CC3-49C8-A4EF-4ABEA7A4DFDF}" type="parTrans" cxnId="{270D7073-65CA-48D2-9EBF-CA4DAF0AE4DE}">
+      <dgm:prSet/>
+      <dgm:spPr/>
+      <dgm:t>
+        <a:bodyPr/>
+        <a:lstStyle/>
+        <a:p>
+          <a:endParaRPr lang="en-US"/>
+        </a:p>
+      </dgm:t>
+    </dgm:pt>
+    <dgm:pt modelId="{571B0D87-4B83-4802-839F-A8D439F7C872}" type="sibTrans" cxnId="{270D7073-65CA-48D2-9EBF-CA4DAF0AE4DE}">
+      <dgm:prSet/>
+      <dgm:spPr/>
+      <dgm:t>
+        <a:bodyPr/>
+        <a:lstStyle/>
+        <a:p>
+          <a:endParaRPr lang="en-US"/>
+        </a:p>
+      </dgm:t>
+    </dgm:pt>
+    <dgm:pt modelId="{E65B9886-8917-4053-B1C2-58C8C0CB3614}" type="pres">
+      <dgm:prSet presAssocID="{5611C063-8721-4542-A146-449B96E7FF0C}" presName="root" presStyleCnt="0">
+        <dgm:presLayoutVars>
+          <dgm:dir/>
+          <dgm:resizeHandles val="exact"/>
+        </dgm:presLayoutVars>
+      </dgm:prSet>
+      <dgm:spPr/>
+    </dgm:pt>
+    <dgm:pt modelId="{3D6496A2-25E5-41DC-82D0-0E022FCE8C40}" type="pres">
+      <dgm:prSet presAssocID="{C600EB56-ACC8-41DF-ABA9-C58576D039B6}" presName="compNode" presStyleCnt="0"/>
+      <dgm:spPr/>
+    </dgm:pt>
+    <dgm:pt modelId="{18A3013F-8AEC-4775-B262-17BD7E3E1412}" type="pres">
+      <dgm:prSet presAssocID="{C600EB56-ACC8-41DF-ABA9-C58576D039B6}" presName="bgRect" presStyleLbl="bgShp" presStyleIdx="0" presStyleCnt="2"/>
+      <dgm:spPr/>
+    </dgm:pt>
+    <dgm:pt modelId="{E330BD73-0305-4E8D-BCB9-584A18C481E6}" type="pres">
+      <dgm:prSet presAssocID="{C600EB56-ACC8-41DF-ABA9-C58576D039B6}" presName="iconRect" presStyleLbl="node1" presStyleIdx="0" presStyleCnt="2"/>
+      <dgm:spPr>
+        <a:blipFill>
+          <a:blip xmlns:r="http://schemas.openxmlformats.org/officeDocument/2006/relationships" r:embed="rId1">
+            <a:extLst>
+              <a:ext uri="{28A0092B-C50C-407E-A947-70E740481C1C}">
+                <a14:useLocalDpi xmlns:a14="http://schemas.microsoft.com/office/drawing/2010/main" val="0"/>
+              </a:ext>
+              <a:ext uri="{96DAC541-7B7A-43D3-8B79-37D633B846F1}">
+                <asvg:svgBlip xmlns:asvg="http://schemas.microsoft.com/office/drawing/2016/SVG/main" r:embed="rId2"/>
+              </a:ext>
+            </a:extLst>
+          </a:blip>
+          <a:stretch>
+            <a:fillRect/>
+          </a:stretch>
+        </a:blipFill>
+      </dgm:spPr>
+      <dgm:extLst>
+        <a:ext uri="{E40237B7-FDA0-4F09-8148-C483321AD2D9}">
+          <dgm14:cNvPr xmlns:dgm14="http://schemas.microsoft.com/office/drawing/2010/diagram" id="0" name="" descr="Satellite"/>
+        </a:ext>
+      </dgm:extLst>
+    </dgm:pt>
+    <dgm:pt modelId="{3BE61ED3-CEA8-438F-993D-51C1CAB306E6}" type="pres">
+      <dgm:prSet presAssocID="{C600EB56-ACC8-41DF-ABA9-C58576D039B6}" presName="spaceRect" presStyleCnt="0"/>
+      <dgm:spPr/>
+    </dgm:pt>
+    <dgm:pt modelId="{C3074A0B-4222-4004-B8AC-FE87F70C9020}" type="pres">
+      <dgm:prSet presAssocID="{C600EB56-ACC8-41DF-ABA9-C58576D039B6}" presName="parTx" presStyleLbl="revTx" presStyleIdx="0" presStyleCnt="2">
+        <dgm:presLayoutVars>
+          <dgm:chMax val="0"/>
+          <dgm:chPref val="0"/>
+        </dgm:presLayoutVars>
+      </dgm:prSet>
+      <dgm:spPr/>
+    </dgm:pt>
+    <dgm:pt modelId="{7739BC93-F094-4EC4-A79F-6CF34D662B50}" type="pres">
+      <dgm:prSet presAssocID="{BC634C61-CEBF-4917-B915-7DB6BE472E23}" presName="sibTrans" presStyleCnt="0"/>
+      <dgm:spPr/>
+    </dgm:pt>
+    <dgm:pt modelId="{90D1E0A6-0BB7-4E25-A235-67E99BB4D88F}" type="pres">
+      <dgm:prSet presAssocID="{B1E69073-F724-4200-B032-2F957A185B71}" presName="compNode" presStyleCnt="0"/>
+      <dgm:spPr/>
+    </dgm:pt>
+    <dgm:pt modelId="{EA295815-157C-451F-9A05-B98C39B4D76F}" type="pres">
+      <dgm:prSet presAssocID="{B1E69073-F724-4200-B032-2F957A185B71}" presName="bgRect" presStyleLbl="bgShp" presStyleIdx="1" presStyleCnt="2"/>
+      <dgm:spPr/>
+    </dgm:pt>
+    <dgm:pt modelId="{CAF79B9B-7C73-49A8-BC4B-5E0101F7FB2F}" type="pres">
+      <dgm:prSet presAssocID="{B1E69073-F724-4200-B032-2F957A185B71}" presName="iconRect" presStyleLbl="node1" presStyleIdx="1" presStyleCnt="2"/>
+      <dgm:spPr>
+        <a:blipFill>
+          <a:blip xmlns:r="http://schemas.openxmlformats.org/officeDocument/2006/relationships" r:embed="rId3">
+            <a:extLst>
+              <a:ext uri="{28A0092B-C50C-407E-A947-70E740481C1C}">
+                <a14:useLocalDpi xmlns:a14="http://schemas.microsoft.com/office/drawing/2010/main" val="0"/>
+              </a:ext>
+              <a:ext uri="{96DAC541-7B7A-43D3-8B79-37D633B846F1}">
+                <asvg:svgBlip xmlns:asvg="http://schemas.microsoft.com/office/drawing/2016/SVG/main" r:embed="rId4"/>
+              </a:ext>
+            </a:extLst>
+          </a:blip>
+          <a:stretch>
+            <a:fillRect/>
+          </a:stretch>
+        </a:blipFill>
+      </dgm:spPr>
+      <dgm:extLst>
+        <a:ext uri="{E40237B7-FDA0-4F09-8148-C483321AD2D9}">
+          <dgm14:cNvPr xmlns:dgm14="http://schemas.microsoft.com/office/drawing/2010/diagram" id="0" name="" descr="Satellite dish"/>
+        </a:ext>
+      </dgm:extLst>
+    </dgm:pt>
+    <dgm:pt modelId="{DE2AE626-736B-4970-B269-E04626D29582}" type="pres">
+      <dgm:prSet presAssocID="{B1E69073-F724-4200-B032-2F957A185B71}" presName="spaceRect" presStyleCnt="0"/>
+      <dgm:spPr/>
+    </dgm:pt>
+    <dgm:pt modelId="{98EC6214-7B1B-4CB1-9326-EDD27BB07294}" type="pres">
+      <dgm:prSet presAssocID="{B1E69073-F724-4200-B032-2F957A185B71}" presName="parTx" presStyleLbl="revTx" presStyleIdx="1" presStyleCnt="2">
+        <dgm:presLayoutVars>
+          <dgm:chMax val="0"/>
+          <dgm:chPref val="0"/>
+        </dgm:presLayoutVars>
+      </dgm:prSet>
+      <dgm:spPr/>
+    </dgm:pt>
+  </dgm:ptLst>
+  <dgm:cxnLst>
+    <dgm:cxn modelId="{D1849203-4357-42A7-8BD4-A3FF128722E0}" type="presOf" srcId="{5611C063-8721-4542-A146-449B96E7FF0C}" destId="{E65B9886-8917-4053-B1C2-58C8C0CB3614}" srcOrd="0" destOrd="0" presId="urn:microsoft.com/office/officeart/2018/2/layout/IconVerticalSolidList"/>
+    <dgm:cxn modelId="{270D7073-65CA-48D2-9EBF-CA4DAF0AE4DE}" srcId="{5611C063-8721-4542-A146-449B96E7FF0C}" destId="{B1E69073-F724-4200-B032-2F957A185B71}" srcOrd="1" destOrd="0" parTransId="{B196E493-7CC3-49C8-A4EF-4ABEA7A4DFDF}" sibTransId="{571B0D87-4B83-4802-839F-A8D439F7C872}"/>
+    <dgm:cxn modelId="{8AC36B7F-07AF-4930-8451-704891DA8111}" srcId="{5611C063-8721-4542-A146-449B96E7FF0C}" destId="{C600EB56-ACC8-41DF-ABA9-C58576D039B6}" srcOrd="0" destOrd="0" parTransId="{1A442048-553F-4B78-822C-9158514A8978}" sibTransId="{BC634C61-CEBF-4917-B915-7DB6BE472E23}"/>
+    <dgm:cxn modelId="{1ECD4DD8-FCB8-49D5-953B-6A7A237F899D}" type="presOf" srcId="{C600EB56-ACC8-41DF-ABA9-C58576D039B6}" destId="{C3074A0B-4222-4004-B8AC-FE87F70C9020}" srcOrd="0" destOrd="0" presId="urn:microsoft.com/office/officeart/2018/2/layout/IconVerticalSolidList"/>
+    <dgm:cxn modelId="{55163AF3-07F7-4DC0-8295-59BF5742C59B}" type="presOf" srcId="{B1E69073-F724-4200-B032-2F957A185B71}" destId="{98EC6214-7B1B-4CB1-9326-EDD27BB07294}" srcOrd="0" destOrd="0" presId="urn:microsoft.com/office/officeart/2018/2/layout/IconVerticalSolidList"/>
+    <dgm:cxn modelId="{A823EC8D-8262-41AD-9CB2-CD52DA5EE88D}" type="presParOf" srcId="{E65B9886-8917-4053-B1C2-58C8C0CB3614}" destId="{3D6496A2-25E5-41DC-82D0-0E022FCE8C40}" srcOrd="0" destOrd="0" presId="urn:microsoft.com/office/officeart/2018/2/layout/IconVerticalSolidList"/>
+    <dgm:cxn modelId="{59774DEB-4B0C-4ED2-B99A-3300700124D7}" type="presParOf" srcId="{3D6496A2-25E5-41DC-82D0-0E022FCE8C40}" destId="{18A3013F-8AEC-4775-B262-17BD7E3E1412}" srcOrd="0" destOrd="0" presId="urn:microsoft.com/office/officeart/2018/2/layout/IconVerticalSolidList"/>
+    <dgm:cxn modelId="{DFA46DFC-C658-49F3-AB23-5E1F46730B2F}" type="presParOf" srcId="{3D6496A2-25E5-41DC-82D0-0E022FCE8C40}" destId="{E330BD73-0305-4E8D-BCB9-584A18C481E6}" srcOrd="1" destOrd="0" presId="urn:microsoft.com/office/officeart/2018/2/layout/IconVerticalSolidList"/>
+    <dgm:cxn modelId="{49DAAEF5-32B7-41B7-8EEF-BD196CD79D05}" type="presParOf" srcId="{3D6496A2-25E5-41DC-82D0-0E022FCE8C40}" destId="{3BE61ED3-CEA8-438F-993D-51C1CAB306E6}" srcOrd="2" destOrd="0" presId="urn:microsoft.com/office/officeart/2018/2/layout/IconVerticalSolidList"/>
+    <dgm:cxn modelId="{C21532BF-1E05-4CDF-8744-1171F73391D6}" type="presParOf" srcId="{3D6496A2-25E5-41DC-82D0-0E022FCE8C40}" destId="{C3074A0B-4222-4004-B8AC-FE87F70C9020}" srcOrd="3" destOrd="0" presId="urn:microsoft.com/office/officeart/2018/2/layout/IconVerticalSolidList"/>
+    <dgm:cxn modelId="{5BD85855-1DD1-49EA-B471-66441A1A8DB2}" type="presParOf" srcId="{E65B9886-8917-4053-B1C2-58C8C0CB3614}" destId="{7739BC93-F094-4EC4-A79F-6CF34D662B50}" srcOrd="1" destOrd="0" presId="urn:microsoft.com/office/officeart/2018/2/layout/IconVerticalSolidList"/>
+    <dgm:cxn modelId="{00CEDE85-DBA1-4702-8EB0-8CC621FB2A8D}" type="presParOf" srcId="{E65B9886-8917-4053-B1C2-58C8C0CB3614}" destId="{90D1E0A6-0BB7-4E25-A235-67E99BB4D88F}" srcOrd="2" destOrd="0" presId="urn:microsoft.com/office/officeart/2018/2/layout/IconVerticalSolidList"/>
+    <dgm:cxn modelId="{83718FC0-BA84-40E0-ADEB-2F5A615FEF1C}" type="presParOf" srcId="{90D1E0A6-0BB7-4E25-A235-67E99BB4D88F}" destId="{EA295815-157C-451F-9A05-B98C39B4D76F}" srcOrd="0" destOrd="0" presId="urn:microsoft.com/office/officeart/2018/2/layout/IconVerticalSolidList"/>
+    <dgm:cxn modelId="{A62B22CA-179D-46FE-A569-A12A6771F06D}" type="presParOf" srcId="{90D1E0A6-0BB7-4E25-A235-67E99BB4D88F}" destId="{CAF79B9B-7C73-49A8-BC4B-5E0101F7FB2F}" srcOrd="1" destOrd="0" presId="urn:microsoft.com/office/officeart/2018/2/layout/IconVerticalSolidList"/>
+    <dgm:cxn modelId="{D8882942-C520-4EF5-B62A-40B15A3FD4B0}" type="presParOf" srcId="{90D1E0A6-0BB7-4E25-A235-67E99BB4D88F}" destId="{DE2AE626-736B-4970-B269-E04626D29582}" srcOrd="2" destOrd="0" presId="urn:microsoft.com/office/officeart/2018/2/layout/IconVerticalSolidList"/>
+    <dgm:cxn modelId="{4270E55A-9C79-4250-9EDB-2A29461F54EE}" type="presParOf" srcId="{90D1E0A6-0BB7-4E25-A235-67E99BB4D88F}" destId="{98EC6214-7B1B-4CB1-9326-EDD27BB07294}" srcOrd="3" destOrd="0" presId="urn:microsoft.com/office/officeart/2018/2/layout/IconVerticalSolidList"/>
   </dgm:cxnLst>
   <dgm:bg/>
   <dgm:whole/>
@@ -1830,10 +3788,22 @@
             <a:buNone/>
           </a:pPr>
           <a:r>
-            <a:rPr lang="fr-FR" sz="1800" kern="1200"/>
-            <a:t>Une modification de ces paramètres VA entrainer un changement de comportement du logiciel, et donc l’apparition de bugs.</a:t>
+            <a:rPr lang="fr-FR" sz="1800" kern="1200" dirty="0"/>
+            <a:t>Une modification de ces paramètres </a:t>
           </a:r>
-          <a:endParaRPr lang="en-US" sz="1800" kern="1200"/>
+          <a:r>
+            <a:rPr lang="fr-FR" sz="1800" kern="1200" dirty="0">
+              <a:solidFill>
+                <a:srgbClr val="FF0000"/>
+              </a:solidFill>
+            </a:rPr>
+            <a:t>VA</a:t>
+          </a:r>
+          <a:r>
+            <a:rPr lang="fr-FR" sz="1800" kern="1200" dirty="0"/>
+            <a:t> entrainer un changement de comportement du logiciel, et donc l’apparition de bugs.</a:t>
+          </a:r>
+          <a:endParaRPr lang="en-US" sz="1800" kern="1200" dirty="0"/>
         </a:p>
       </dsp:txBody>
       <dsp:txXfrm>
@@ -1845,7 +3815,1479 @@
 </dsp:drawing>
 </file>
 
+<file path=ppt/diagrams/drawing2.xml><?xml version="1.0" encoding="utf-8"?>
+<dsp:drawing xmlns:dgm="http://schemas.openxmlformats.org/drawingml/2006/diagram" xmlns:dsp="http://schemas.microsoft.com/office/drawing/2008/diagram" xmlns:a="http://schemas.openxmlformats.org/drawingml/2006/main">
+  <dsp:spTree>
+    <dsp:nvGrpSpPr>
+      <dsp:cNvPr id="0" name=""/>
+      <dsp:cNvGrpSpPr/>
+    </dsp:nvGrpSpPr>
+    <dsp:grpSpPr/>
+    <dsp:sp modelId="{DF3C1C58-71C3-4247-A315-C3FF03FE32CB}">
+      <dsp:nvSpPr>
+        <dsp:cNvPr id="0" name=""/>
+        <dsp:cNvSpPr/>
+      </dsp:nvSpPr>
+      <dsp:spPr>
+        <a:xfrm>
+          <a:off x="134291" y="612"/>
+          <a:ext cx="4332795" cy="2751325"/>
+        </a:xfrm>
+        <a:prstGeom prst="roundRect">
+          <a:avLst>
+            <a:gd name="adj" fmla="val 10000"/>
+          </a:avLst>
+        </a:prstGeom>
+        <a:solidFill>
+          <a:schemeClr val="accent1">
+            <a:hueOff val="0"/>
+            <a:satOff val="0"/>
+            <a:lumOff val="0"/>
+            <a:alphaOff val="0"/>
+          </a:schemeClr>
+        </a:solidFill>
+        <a:ln w="19050" cap="flat" cmpd="sng" algn="ctr">
+          <a:solidFill>
+            <a:schemeClr val="lt1">
+              <a:hueOff val="0"/>
+              <a:satOff val="0"/>
+              <a:lumOff val="0"/>
+              <a:alphaOff val="0"/>
+            </a:schemeClr>
+          </a:solidFill>
+          <a:prstDash val="solid"/>
+          <a:miter lim="800000"/>
+        </a:ln>
+        <a:effectLst/>
+      </dsp:spPr>
+      <dsp:style>
+        <a:lnRef idx="2">
+          <a:scrgbClr r="0" g="0" b="0"/>
+        </a:lnRef>
+        <a:fillRef idx="1">
+          <a:scrgbClr r="0" g="0" b="0"/>
+        </a:fillRef>
+        <a:effectRef idx="0">
+          <a:scrgbClr r="0" g="0" b="0"/>
+        </a:effectRef>
+        <a:fontRef idx="minor">
+          <a:schemeClr val="lt1"/>
+        </a:fontRef>
+      </dsp:style>
+    </dsp:sp>
+    <dsp:sp modelId="{60E251C9-A343-4277-BE74-0A1EA9B84C61}">
+      <dsp:nvSpPr>
+        <dsp:cNvPr id="0" name=""/>
+        <dsp:cNvSpPr/>
+      </dsp:nvSpPr>
+      <dsp:spPr>
+        <a:xfrm>
+          <a:off x="615713" y="457963"/>
+          <a:ext cx="4332795" cy="2751325"/>
+        </a:xfrm>
+        <a:prstGeom prst="roundRect">
+          <a:avLst>
+            <a:gd name="adj" fmla="val 10000"/>
+          </a:avLst>
+        </a:prstGeom>
+        <a:solidFill>
+          <a:schemeClr val="lt1">
+            <a:alpha val="90000"/>
+            <a:hueOff val="0"/>
+            <a:satOff val="0"/>
+            <a:lumOff val="0"/>
+            <a:alphaOff val="0"/>
+          </a:schemeClr>
+        </a:solidFill>
+        <a:ln w="19050" cap="flat" cmpd="sng" algn="ctr">
+          <a:solidFill>
+            <a:schemeClr val="accent1">
+              <a:hueOff val="0"/>
+              <a:satOff val="0"/>
+              <a:lumOff val="0"/>
+              <a:alphaOff val="0"/>
+            </a:schemeClr>
+          </a:solidFill>
+          <a:prstDash val="solid"/>
+          <a:miter lim="800000"/>
+        </a:ln>
+        <a:effectLst/>
+      </dsp:spPr>
+      <dsp:style>
+        <a:lnRef idx="2">
+          <a:scrgbClr r="0" g="0" b="0"/>
+        </a:lnRef>
+        <a:fillRef idx="1">
+          <a:scrgbClr r="0" g="0" b="0"/>
+        </a:fillRef>
+        <a:effectRef idx="0">
+          <a:scrgbClr r="0" g="0" b="0"/>
+        </a:effectRef>
+        <a:fontRef idx="minor"/>
+      </dsp:style>
+      <dsp:txBody>
+        <a:bodyPr spcFirstLastPara="0" vert="horz" wrap="square" lIns="72390" tIns="72390" rIns="72390" bIns="72390" numCol="1" spcCol="1270" anchor="ctr" anchorCtr="0">
+          <a:noAutofit/>
+        </a:bodyPr>
+        <a:lstStyle/>
+        <a:p>
+          <a:pPr marL="0" lvl="0" indent="0" algn="ctr" defTabSz="844550">
+            <a:lnSpc>
+              <a:spcPct val="90000"/>
+            </a:lnSpc>
+            <a:spcBef>
+              <a:spcPct val="0"/>
+            </a:spcBef>
+            <a:spcAft>
+              <a:spcPct val="35000"/>
+            </a:spcAft>
+            <a:buNone/>
+          </a:pPr>
+          <a:r>
+            <a:rPr lang="fr-FR" sz="1900" kern="1200"/>
+            <a:t>Le panneau mission permet de configurer le pas de temps de la simulation. Il est important de rentrer un pas de temps cohérent par rapport à la durée de la mission (attention dans le code, la durée de la mission est en seconde !). Il va impacter le temps de calcul ainsi que la finesse des trajectoires des satellites.</a:t>
+          </a:r>
+          <a:endParaRPr lang="en-US" sz="1900" kern="1200"/>
+        </a:p>
+      </dsp:txBody>
+      <dsp:txXfrm>
+        <a:off x="696297" y="538547"/>
+        <a:ext cx="4171627" cy="2590157"/>
+      </dsp:txXfrm>
+    </dsp:sp>
+    <dsp:sp modelId="{D50EC9CC-43A8-4F83-874E-D857B42F8154}">
+      <dsp:nvSpPr>
+        <dsp:cNvPr id="0" name=""/>
+        <dsp:cNvSpPr/>
+      </dsp:nvSpPr>
+      <dsp:spPr>
+        <a:xfrm>
+          <a:off x="5429930" y="612"/>
+          <a:ext cx="4332795" cy="2751325"/>
+        </a:xfrm>
+        <a:prstGeom prst="roundRect">
+          <a:avLst>
+            <a:gd name="adj" fmla="val 10000"/>
+          </a:avLst>
+        </a:prstGeom>
+        <a:solidFill>
+          <a:schemeClr val="accent1">
+            <a:hueOff val="0"/>
+            <a:satOff val="0"/>
+            <a:lumOff val="0"/>
+            <a:alphaOff val="0"/>
+          </a:schemeClr>
+        </a:solidFill>
+        <a:ln w="19050" cap="flat" cmpd="sng" algn="ctr">
+          <a:solidFill>
+            <a:schemeClr val="lt1">
+              <a:hueOff val="0"/>
+              <a:satOff val="0"/>
+              <a:lumOff val="0"/>
+              <a:alphaOff val="0"/>
+            </a:schemeClr>
+          </a:solidFill>
+          <a:prstDash val="solid"/>
+          <a:miter lim="800000"/>
+        </a:ln>
+        <a:effectLst/>
+      </dsp:spPr>
+      <dsp:style>
+        <a:lnRef idx="2">
+          <a:scrgbClr r="0" g="0" b="0"/>
+        </a:lnRef>
+        <a:fillRef idx="1">
+          <a:scrgbClr r="0" g="0" b="0"/>
+        </a:fillRef>
+        <a:effectRef idx="0">
+          <a:scrgbClr r="0" g="0" b="0"/>
+        </a:effectRef>
+        <a:fontRef idx="minor">
+          <a:schemeClr val="lt1"/>
+        </a:fontRef>
+      </dsp:style>
+    </dsp:sp>
+    <dsp:sp modelId="{7190C3CE-77E7-4D50-846D-CB3EF03588C5}">
+      <dsp:nvSpPr>
+        <dsp:cNvPr id="0" name=""/>
+        <dsp:cNvSpPr/>
+      </dsp:nvSpPr>
+      <dsp:spPr>
+        <a:xfrm>
+          <a:off x="5911352" y="457963"/>
+          <a:ext cx="4332795" cy="2751325"/>
+        </a:xfrm>
+        <a:prstGeom prst="roundRect">
+          <a:avLst>
+            <a:gd name="adj" fmla="val 10000"/>
+          </a:avLst>
+        </a:prstGeom>
+        <a:solidFill>
+          <a:schemeClr val="lt1">
+            <a:alpha val="90000"/>
+            <a:hueOff val="0"/>
+            <a:satOff val="0"/>
+            <a:lumOff val="0"/>
+            <a:alphaOff val="0"/>
+          </a:schemeClr>
+        </a:solidFill>
+        <a:ln w="19050" cap="flat" cmpd="sng" algn="ctr">
+          <a:solidFill>
+            <a:schemeClr val="accent1">
+              <a:hueOff val="0"/>
+              <a:satOff val="0"/>
+              <a:lumOff val="0"/>
+              <a:alphaOff val="0"/>
+            </a:schemeClr>
+          </a:solidFill>
+          <a:prstDash val="solid"/>
+          <a:miter lim="800000"/>
+        </a:ln>
+        <a:effectLst/>
+      </dsp:spPr>
+      <dsp:style>
+        <a:lnRef idx="2">
+          <a:scrgbClr r="0" g="0" b="0"/>
+        </a:lnRef>
+        <a:fillRef idx="1">
+          <a:scrgbClr r="0" g="0" b="0"/>
+        </a:fillRef>
+        <a:effectRef idx="0">
+          <a:scrgbClr r="0" g="0" b="0"/>
+        </a:effectRef>
+        <a:fontRef idx="minor"/>
+      </dsp:style>
+      <dsp:txBody>
+        <a:bodyPr spcFirstLastPara="0" vert="horz" wrap="square" lIns="72390" tIns="72390" rIns="72390" bIns="72390" numCol="1" spcCol="1270" anchor="ctr" anchorCtr="0">
+          <a:noAutofit/>
+        </a:bodyPr>
+        <a:lstStyle/>
+        <a:p>
+          <a:pPr marL="0" lvl="0" indent="0" algn="ctr" defTabSz="844550">
+            <a:lnSpc>
+              <a:spcPct val="90000"/>
+            </a:lnSpc>
+            <a:spcBef>
+              <a:spcPct val="0"/>
+            </a:spcBef>
+            <a:spcAft>
+              <a:spcPct val="35000"/>
+            </a:spcAft>
+            <a:buNone/>
+          </a:pPr>
+          <a:r>
+            <a:rPr lang="fr-FR" sz="1900" kern="1200"/>
+            <a:t>Pour une mission de 1 jour (86400s), un pas de temps de 100 est amplement suffisant. Il est donc recommandé que le pas de temps soit égal au (nombre de jour * 100).</a:t>
+          </a:r>
+          <a:endParaRPr lang="en-US" sz="1900" kern="1200"/>
+        </a:p>
+      </dsp:txBody>
+      <dsp:txXfrm>
+        <a:off x="5991936" y="538547"/>
+        <a:ext cx="4171627" cy="2590157"/>
+      </dsp:txXfrm>
+    </dsp:sp>
+  </dsp:spTree>
+</dsp:drawing>
+</file>
+
+<file path=ppt/diagrams/drawing3.xml><?xml version="1.0" encoding="utf-8"?>
+<dsp:drawing xmlns:dgm="http://schemas.openxmlformats.org/drawingml/2006/diagram" xmlns:dsp="http://schemas.microsoft.com/office/drawing/2008/diagram" xmlns:a="http://schemas.openxmlformats.org/drawingml/2006/main">
+  <dsp:spTree>
+    <dsp:nvGrpSpPr>
+      <dsp:cNvPr id="0" name=""/>
+      <dsp:cNvGrpSpPr/>
+    </dsp:nvGrpSpPr>
+    <dsp:grpSpPr/>
+    <dsp:sp modelId="{18A3013F-8AEC-4775-B262-17BD7E3E1412}">
+      <dsp:nvSpPr>
+        <dsp:cNvPr id="0" name=""/>
+        <dsp:cNvSpPr/>
+      </dsp:nvSpPr>
+      <dsp:spPr>
+        <a:xfrm>
+          <a:off x="0" y="707092"/>
+          <a:ext cx="10515600" cy="1305401"/>
+        </a:xfrm>
+        <a:prstGeom prst="roundRect">
+          <a:avLst>
+            <a:gd name="adj" fmla="val 10000"/>
+          </a:avLst>
+        </a:prstGeom>
+        <a:solidFill>
+          <a:schemeClr val="accent1">
+            <a:tint val="40000"/>
+            <a:hueOff val="0"/>
+            <a:satOff val="0"/>
+            <a:lumOff val="0"/>
+            <a:alphaOff val="0"/>
+          </a:schemeClr>
+        </a:solidFill>
+        <a:ln>
+          <a:noFill/>
+        </a:ln>
+        <a:effectLst/>
+      </dsp:spPr>
+      <dsp:style>
+        <a:lnRef idx="0">
+          <a:scrgbClr r="0" g="0" b="0"/>
+        </a:lnRef>
+        <a:fillRef idx="1">
+          <a:scrgbClr r="0" g="0" b="0"/>
+        </a:fillRef>
+        <a:effectRef idx="0">
+          <a:scrgbClr r="0" g="0" b="0"/>
+        </a:effectRef>
+        <a:fontRef idx="minor"/>
+      </dsp:style>
+    </dsp:sp>
+    <dsp:sp modelId="{E330BD73-0305-4E8D-BCB9-584A18C481E6}">
+      <dsp:nvSpPr>
+        <dsp:cNvPr id="0" name=""/>
+        <dsp:cNvSpPr/>
+      </dsp:nvSpPr>
+      <dsp:spPr>
+        <a:xfrm>
+          <a:off x="394883" y="1000807"/>
+          <a:ext cx="717970" cy="717970"/>
+        </a:xfrm>
+        <a:prstGeom prst="rect">
+          <a:avLst/>
+        </a:prstGeom>
+        <a:blipFill>
+          <a:blip xmlns:r="http://schemas.openxmlformats.org/officeDocument/2006/relationships" r:embed="rId1">
+            <a:extLst>
+              <a:ext uri="{28A0092B-C50C-407E-A947-70E740481C1C}">
+                <a14:useLocalDpi xmlns:a14="http://schemas.microsoft.com/office/drawing/2010/main" val="0"/>
+              </a:ext>
+              <a:ext uri="{96DAC541-7B7A-43D3-8B79-37D633B846F1}">
+                <asvg:svgBlip xmlns:asvg="http://schemas.microsoft.com/office/drawing/2016/SVG/main" r:embed="rId2"/>
+              </a:ext>
+            </a:extLst>
+          </a:blip>
+          <a:stretch>
+            <a:fillRect/>
+          </a:stretch>
+        </a:blipFill>
+        <a:ln w="19050" cap="flat" cmpd="sng" algn="ctr">
+          <a:solidFill>
+            <a:schemeClr val="lt1">
+              <a:hueOff val="0"/>
+              <a:satOff val="0"/>
+              <a:lumOff val="0"/>
+              <a:alphaOff val="0"/>
+            </a:schemeClr>
+          </a:solidFill>
+          <a:prstDash val="solid"/>
+          <a:miter lim="800000"/>
+        </a:ln>
+        <a:effectLst/>
+      </dsp:spPr>
+      <dsp:style>
+        <a:lnRef idx="2">
+          <a:scrgbClr r="0" g="0" b="0"/>
+        </a:lnRef>
+        <a:fillRef idx="1">
+          <a:scrgbClr r="0" g="0" b="0"/>
+        </a:fillRef>
+        <a:effectRef idx="0">
+          <a:scrgbClr r="0" g="0" b="0"/>
+        </a:effectRef>
+        <a:fontRef idx="minor">
+          <a:schemeClr val="lt1"/>
+        </a:fontRef>
+      </dsp:style>
+    </dsp:sp>
+    <dsp:sp modelId="{C3074A0B-4222-4004-B8AC-FE87F70C9020}">
+      <dsp:nvSpPr>
+        <dsp:cNvPr id="0" name=""/>
+        <dsp:cNvSpPr/>
+      </dsp:nvSpPr>
+      <dsp:spPr>
+        <a:xfrm>
+          <a:off x="1507738" y="707092"/>
+          <a:ext cx="9007861" cy="1305401"/>
+        </a:xfrm>
+        <a:prstGeom prst="rect">
+          <a:avLst/>
+        </a:prstGeom>
+        <a:noFill/>
+        <a:ln>
+          <a:noFill/>
+        </a:ln>
+        <a:effectLst/>
+      </dsp:spPr>
+      <dsp:style>
+        <a:lnRef idx="0">
+          <a:scrgbClr r="0" g="0" b="0"/>
+        </a:lnRef>
+        <a:fillRef idx="0">
+          <a:scrgbClr r="0" g="0" b="0"/>
+        </a:fillRef>
+        <a:effectRef idx="0">
+          <a:scrgbClr r="0" g="0" b="0"/>
+        </a:effectRef>
+        <a:fontRef idx="minor"/>
+      </dsp:style>
+      <dsp:txBody>
+        <a:bodyPr spcFirstLastPara="0" vert="horz" wrap="square" lIns="138155" tIns="138155" rIns="138155" bIns="138155" numCol="1" spcCol="1270" anchor="ctr" anchorCtr="0">
+          <a:noAutofit/>
+        </a:bodyPr>
+        <a:lstStyle/>
+        <a:p>
+          <a:pPr marL="0" lvl="0" indent="0" algn="l" defTabSz="977900">
+            <a:lnSpc>
+              <a:spcPct val="100000"/>
+            </a:lnSpc>
+            <a:spcBef>
+              <a:spcPct val="0"/>
+            </a:spcBef>
+            <a:spcAft>
+              <a:spcPct val="35000"/>
+            </a:spcAft>
+            <a:buNone/>
+          </a:pPr>
+          <a:r>
+            <a:rPr lang="fr-FR" sz="2200" kern="1200"/>
+            <a:t>Le logiciel est doté d’un nommage des satellites automatique. Lors de la création du satellite, l’utilisateur ne rentre que la base du nom, le logiciel s’occupe de la différentiation des satellites de la constellation.</a:t>
+          </a:r>
+          <a:endParaRPr lang="en-US" sz="2200" kern="1200"/>
+        </a:p>
+      </dsp:txBody>
+      <dsp:txXfrm>
+        <a:off x="1507738" y="707092"/>
+        <a:ext cx="9007861" cy="1305401"/>
+      </dsp:txXfrm>
+    </dsp:sp>
+    <dsp:sp modelId="{EA295815-157C-451F-9A05-B98C39B4D76F}">
+      <dsp:nvSpPr>
+        <dsp:cNvPr id="0" name=""/>
+        <dsp:cNvSpPr/>
+      </dsp:nvSpPr>
+      <dsp:spPr>
+        <a:xfrm>
+          <a:off x="0" y="2338844"/>
+          <a:ext cx="10515600" cy="1305401"/>
+        </a:xfrm>
+        <a:prstGeom prst="roundRect">
+          <a:avLst>
+            <a:gd name="adj" fmla="val 10000"/>
+          </a:avLst>
+        </a:prstGeom>
+        <a:solidFill>
+          <a:schemeClr val="accent1">
+            <a:tint val="40000"/>
+            <a:hueOff val="0"/>
+            <a:satOff val="0"/>
+            <a:lumOff val="0"/>
+            <a:alphaOff val="0"/>
+          </a:schemeClr>
+        </a:solidFill>
+        <a:ln>
+          <a:noFill/>
+        </a:ln>
+        <a:effectLst/>
+      </dsp:spPr>
+      <dsp:style>
+        <a:lnRef idx="0">
+          <a:scrgbClr r="0" g="0" b="0"/>
+        </a:lnRef>
+        <a:fillRef idx="1">
+          <a:scrgbClr r="0" g="0" b="0"/>
+        </a:fillRef>
+        <a:effectRef idx="0">
+          <a:scrgbClr r="0" g="0" b="0"/>
+        </a:effectRef>
+        <a:fontRef idx="minor"/>
+      </dsp:style>
+    </dsp:sp>
+    <dsp:sp modelId="{CAF79B9B-7C73-49A8-BC4B-5E0101F7FB2F}">
+      <dsp:nvSpPr>
+        <dsp:cNvPr id="0" name=""/>
+        <dsp:cNvSpPr/>
+      </dsp:nvSpPr>
+      <dsp:spPr>
+        <a:xfrm>
+          <a:off x="394883" y="2632559"/>
+          <a:ext cx="717970" cy="717970"/>
+        </a:xfrm>
+        <a:prstGeom prst="rect">
+          <a:avLst/>
+        </a:prstGeom>
+        <a:blipFill>
+          <a:blip xmlns:r="http://schemas.openxmlformats.org/officeDocument/2006/relationships" r:embed="rId3">
+            <a:extLst>
+              <a:ext uri="{28A0092B-C50C-407E-A947-70E740481C1C}">
+                <a14:useLocalDpi xmlns:a14="http://schemas.microsoft.com/office/drawing/2010/main" val="0"/>
+              </a:ext>
+              <a:ext uri="{96DAC541-7B7A-43D3-8B79-37D633B846F1}">
+                <asvg:svgBlip xmlns:asvg="http://schemas.microsoft.com/office/drawing/2016/SVG/main" r:embed="rId4"/>
+              </a:ext>
+            </a:extLst>
+          </a:blip>
+          <a:stretch>
+            <a:fillRect/>
+          </a:stretch>
+        </a:blipFill>
+        <a:ln w="19050" cap="flat" cmpd="sng" algn="ctr">
+          <a:solidFill>
+            <a:schemeClr val="lt1">
+              <a:hueOff val="0"/>
+              <a:satOff val="0"/>
+              <a:lumOff val="0"/>
+              <a:alphaOff val="0"/>
+            </a:schemeClr>
+          </a:solidFill>
+          <a:prstDash val="solid"/>
+          <a:miter lim="800000"/>
+        </a:ln>
+        <a:effectLst/>
+      </dsp:spPr>
+      <dsp:style>
+        <a:lnRef idx="2">
+          <a:scrgbClr r="0" g="0" b="0"/>
+        </a:lnRef>
+        <a:fillRef idx="1">
+          <a:scrgbClr r="0" g="0" b="0"/>
+        </a:fillRef>
+        <a:effectRef idx="0">
+          <a:scrgbClr r="0" g="0" b="0"/>
+        </a:effectRef>
+        <a:fontRef idx="minor">
+          <a:schemeClr val="lt1"/>
+        </a:fontRef>
+      </dsp:style>
+    </dsp:sp>
+    <dsp:sp modelId="{98EC6214-7B1B-4CB1-9326-EDD27BB07294}">
+      <dsp:nvSpPr>
+        <dsp:cNvPr id="0" name=""/>
+        <dsp:cNvSpPr/>
+      </dsp:nvSpPr>
+      <dsp:spPr>
+        <a:xfrm>
+          <a:off x="1507738" y="2338844"/>
+          <a:ext cx="9007861" cy="1305401"/>
+        </a:xfrm>
+        <a:prstGeom prst="rect">
+          <a:avLst/>
+        </a:prstGeom>
+        <a:noFill/>
+        <a:ln>
+          <a:noFill/>
+        </a:ln>
+        <a:effectLst/>
+      </dsp:spPr>
+      <dsp:style>
+        <a:lnRef idx="0">
+          <a:scrgbClr r="0" g="0" b="0"/>
+        </a:lnRef>
+        <a:fillRef idx="0">
+          <a:scrgbClr r="0" g="0" b="0"/>
+        </a:fillRef>
+        <a:effectRef idx="0">
+          <a:scrgbClr r="0" g="0" b="0"/>
+        </a:effectRef>
+        <a:fontRef idx="minor"/>
+      </dsp:style>
+      <dsp:txBody>
+        <a:bodyPr spcFirstLastPara="0" vert="horz" wrap="square" lIns="138155" tIns="138155" rIns="138155" bIns="138155" numCol="1" spcCol="1270" anchor="ctr" anchorCtr="0">
+          <a:noAutofit/>
+        </a:bodyPr>
+        <a:lstStyle/>
+        <a:p>
+          <a:pPr marL="0" lvl="0" indent="0" algn="l" defTabSz="977900">
+            <a:lnSpc>
+              <a:spcPct val="100000"/>
+            </a:lnSpc>
+            <a:spcBef>
+              <a:spcPct val="0"/>
+            </a:spcBef>
+            <a:spcAft>
+              <a:spcPct val="35000"/>
+            </a:spcAft>
+            <a:buNone/>
+          </a:pPr>
+          <a:r>
+            <a:rPr lang="fr-FR" sz="2200" kern="1200"/>
+            <a:t>Le nommage est le suivant: </a:t>
+          </a:r>
+          <a:br>
+            <a:rPr lang="fr-FR" sz="2200" kern="1200"/>
+          </a:br>
+          <a:r>
+            <a:rPr lang="fr-FR" sz="2200" kern="1200"/>
+            <a:t>Nom du satellite – Numéro du satellite dans le plan – Numéro du plan</a:t>
+          </a:r>
+          <a:endParaRPr lang="en-US" sz="2200" kern="1200"/>
+        </a:p>
+      </dsp:txBody>
+      <dsp:txXfrm>
+        <a:off x="1507738" y="2338844"/>
+        <a:ext cx="9007861" cy="1305401"/>
+      </dsp:txXfrm>
+    </dsp:sp>
+  </dsp:spTree>
+</dsp:drawing>
+</file>
+
 <file path=ppt/diagrams/layout1.xml><?xml version="1.0" encoding="utf-8"?>
+<dgm:layoutDef xmlns:dgm="http://schemas.openxmlformats.org/drawingml/2006/diagram" xmlns:a="http://schemas.openxmlformats.org/drawingml/2006/main" uniqueId="urn:microsoft.com/office/officeart/2018/2/layout/IconVerticalSolidList">
+  <dgm:title val="Icon Vertical Solid List"/>
+  <dgm:desc val="Use to show a series of visuals from top to bottom with Level 1 or Level 1 and Level 2 text grouped in a shape. Works best with icons or small pictures with lengthier descriptions."/>
+  <dgm:catLst>
+    <dgm:cat type="icon" pri="500"/>
+  </dgm:catLst>
+  <dgm:sampData useDef="1">
+    <dgm:dataModel>
+      <dgm:ptLst/>
+      <dgm:bg/>
+      <dgm:whole/>
+    </dgm:dataModel>
+  </dgm:sampData>
+  <dgm:styleData useDef="1">
+    <dgm:dataModel>
+      <dgm:ptLst/>
+      <dgm:bg/>
+      <dgm:whole/>
+    </dgm:dataModel>
+  </dgm:styleData>
+  <dgm:clrData useDef="1">
+    <dgm:dataModel>
+      <dgm:ptLst/>
+      <dgm:bg/>
+      <dgm:whole/>
+    </dgm:dataModel>
+  </dgm:clrData>
+  <dgm:layoutNode name="root">
+    <dgm:varLst>
+      <dgm:dir/>
+      <dgm:resizeHandles val="exact"/>
+    </dgm:varLst>
+    <dgm:choose name="Name0">
+      <dgm:if name="Name1" axis="self" func="var" arg="dir" op="equ" val="norm">
+        <dgm:alg type="lin">
+          <dgm:param type="linDir" val="fromT"/>
+          <dgm:param type="nodeHorzAlign" val="l"/>
+        </dgm:alg>
+      </dgm:if>
+      <dgm:else name="Name2">
+        <dgm:alg type="lin">
+          <dgm:param type="linDir" val="fromT"/>
+          <dgm:param type="nodeHorzAlign" val="r"/>
+        </dgm:alg>
+      </dgm:else>
+    </dgm:choose>
+    <dgm:shape xmlns:r="http://schemas.openxmlformats.org/officeDocument/2006/relationships" r:blip="">
+      <dgm:adjLst/>
+    </dgm:shape>
+    <dgm:presOf/>
+    <dgm:choose name="Name3">
+      <dgm:if name="Name4" axis="ch" ptType="node" func="cnt" op="lte" val="3">
+        <dgm:constrLst>
+          <dgm:constr type="h" for="ch" forName="compNode" refType="h" fact="0.3"/>
+          <dgm:constr type="w" for="ch" forName="compNode" refType="w"/>
+          <dgm:constr type="h" for="ch" forName="sibTrans" refType="h" refFor="ch" refForName="compNode" fact="0.25"/>
+          <dgm:constr type="primFontSz" for="des" forName="parTx" val="25"/>
+          <dgm:constr type="primFontSz" for="des" forName="desTx" refType="primFontSz" refFor="des" refForName="parTx" op="lte" fact="0.75"/>
+          <dgm:constr type="h" for="des" forName="compNode" op="equ"/>
+          <dgm:constr type="h" for="des" forName="bgRect" op="equ"/>
+          <dgm:constr type="h" for="des" forName="iconRect" op="equ"/>
+          <dgm:constr type="w" for="des" forName="iconRect" op="equ"/>
+          <dgm:constr type="h" for="des" forName="spaceRect" op="equ"/>
+          <dgm:constr type="h" for="des" forName="parTx" op="equ"/>
+          <dgm:constr type="h" for="des" forName="desTx" op="equ"/>
+        </dgm:constrLst>
+      </dgm:if>
+      <dgm:if name="Name5" axis="ch" ptType="node" func="cnt" op="lte" val="4">
+        <dgm:constrLst>
+          <dgm:constr type="h" for="ch" forName="compNode" refType="h" fact="0.3"/>
+          <dgm:constr type="w" for="ch" forName="compNode" refType="w"/>
+          <dgm:constr type="h" for="ch" forName="sibTrans" refType="h" refFor="ch" refForName="compNode" fact="0.25"/>
+          <dgm:constr type="primFontSz" for="des" forName="parTx" val="22"/>
+          <dgm:constr type="primFontSz" for="des" forName="desTx" refType="primFontSz" refFor="des" refForName="parTx" op="lte" fact="0.75"/>
+          <dgm:constr type="h" for="des" forName="compNode" op="equ"/>
+          <dgm:constr type="h" for="des" forName="bgRect" op="equ"/>
+          <dgm:constr type="h" for="des" forName="iconRect" op="equ"/>
+          <dgm:constr type="w" for="des" forName="iconRect" op="equ"/>
+          <dgm:constr type="h" for="des" forName="spaceRect" op="equ"/>
+          <dgm:constr type="h" for="des" forName="parTx" op="equ"/>
+          <dgm:constr type="h" for="des" forName="desTx" op="equ"/>
+        </dgm:constrLst>
+      </dgm:if>
+      <dgm:if name="Name6" axis="ch" ptType="node" func="cnt" op="lte" val="6">
+        <dgm:constrLst>
+          <dgm:constr type="h" for="ch" forName="compNode" refType="h" fact="0.3"/>
+          <dgm:constr type="w" for="ch" forName="compNode" refType="w"/>
+          <dgm:constr type="h" for="ch" forName="sibTrans" refType="h" refFor="ch" refForName="compNode" fact="0.25"/>
+          <dgm:constr type="primFontSz" for="des" forName="parTx" val="19"/>
+          <dgm:constr type="primFontSz" for="des" forName="desTx" refType="primFontSz" refFor="des" refForName="parTx" op="lte" fact="0.75"/>
+          <dgm:constr type="h" for="des" forName="compNode" op="equ"/>
+          <dgm:constr type="h" for="des" forName="bgRect" op="equ"/>
+          <dgm:constr type="h" for="des" forName="iconRect" op="equ"/>
+          <dgm:constr type="w" for="des" forName="iconRect" op="equ"/>
+          <dgm:constr type="h" for="des" forName="spaceRect" op="equ"/>
+          <dgm:constr type="h" for="des" forName="parTx" op="equ"/>
+          <dgm:constr type="h" for="des" forName="desTx" op="equ"/>
+        </dgm:constrLst>
+      </dgm:if>
+      <dgm:else name="Name7">
+        <dgm:constrLst>
+          <dgm:constr type="h" for="ch" forName="compNode" refType="h" fact="0.3"/>
+          <dgm:constr type="w" for="ch" forName="compNode" refType="w"/>
+          <dgm:constr type="h" for="ch" forName="sibTrans" refType="h" refFor="ch" refForName="compNode" fact="0.25"/>
+          <dgm:constr type="primFontSz" for="des" forName="parTx" val="16"/>
+          <dgm:constr type="primFontSz" for="des" forName="desTx" refType="primFontSz" refFor="des" refForName="parTx" op="lte" fact="0.75"/>
+          <dgm:constr type="h" for="des" forName="compNode" op="equ"/>
+          <dgm:constr type="h" for="des" forName="bgRect" op="equ"/>
+          <dgm:constr type="h" for="des" forName="iconRect" op="equ"/>
+          <dgm:constr type="w" for="des" forName="iconRect" op="equ"/>
+          <dgm:constr type="h" for="des" forName="spaceRect" op="equ"/>
+          <dgm:constr type="h" for="des" forName="parTx" op="equ"/>
+          <dgm:constr type="h" for="des" forName="desTx" op="equ"/>
+        </dgm:constrLst>
+      </dgm:else>
+    </dgm:choose>
+    <dgm:ruleLst>
+      <dgm:rule type="h" for="ch" forName="compNode" val="0" fact="NaN" max="NaN"/>
+    </dgm:ruleLst>
+    <dgm:forEach name="Name8" axis="ch" ptType="node">
+      <dgm:layoutNode name="compNode">
+        <dgm:alg type="composite"/>
+        <dgm:shape xmlns:r="http://schemas.openxmlformats.org/officeDocument/2006/relationships" r:blip="">
+          <dgm:adjLst/>
+        </dgm:shape>
+        <dgm:presOf axis="self"/>
+        <dgm:choose name="Name9">
+          <dgm:if name="Name10" axis="ch" ptType="node" func="cnt" op="gte" val="1">
+            <dgm:constrLst>
+              <dgm:constr type="w" for="ch" forName="bgRect" refType="w"/>
+              <dgm:constr type="h" for="ch" forName="bgRect" refType="h"/>
+              <dgm:constr type="l" for="ch" forName="bgRect"/>
+              <dgm:constr type="t" for="ch" forName="bgRect"/>
+              <dgm:constr type="h" for="ch" forName="iconRect" refType="h" fact="0.55"/>
+              <dgm:constr type="w" for="ch" forName="iconRect" refType="h" refFor="ch" refForName="iconRect"/>
+              <dgm:constr type="l" for="ch" forName="iconRect" refType="h" refFor="ch" refForName="iconRect" fact="0.55"/>
+              <dgm:constr type="ctrY" for="ch" forName="iconRect" refType="ctrY" refFor="ch" refForName="bgRect"/>
+              <dgm:constr type="w" for="ch" forName="spaceRect" refType="l" refFor="ch" refForName="iconRect"/>
+              <dgm:constr type="h" for="ch" forName="spaceRect" refType="h"/>
+              <dgm:constr type="l" for="ch" forName="spaceRect" refType="r" refFor="ch" refForName="iconRect"/>
+              <dgm:constr type="t" for="ch" forName="spaceRect"/>
+              <dgm:constr type="w" for="ch" forName="parTx" refType="w" fact="0.45"/>
+              <dgm:constr type="h" for="ch" forName="parTx" refType="h"/>
+              <dgm:constr type="l" for="ch" forName="parTx" refType="r" refFor="ch" refForName="spaceRect"/>
+              <dgm:constr type="t" for="ch" forName="parTx"/>
+              <dgm:constr type="h" for="ch" forName="desTx" refType="h"/>
+              <dgm:constr type="l" for="ch" forName="desTx" refType="r" refFor="ch" refForName="parTx"/>
+              <dgm:constr type="t" for="ch" forName="desTx"/>
+            </dgm:constrLst>
+          </dgm:if>
+          <dgm:else name="Name11">
+            <dgm:constrLst>
+              <dgm:constr type="w" for="ch" forName="bgRect" refType="w"/>
+              <dgm:constr type="h" for="ch" forName="bgRect" refType="h"/>
+              <dgm:constr type="l" for="ch" forName="bgRect"/>
+              <dgm:constr type="t" for="ch" forName="bgRect"/>
+              <dgm:constr type="h" for="ch" forName="iconRect" refType="h" fact="0.55"/>
+              <dgm:constr type="w" for="ch" forName="iconRect" refType="h" refFor="ch" refForName="iconRect"/>
+              <dgm:constr type="l" for="ch" forName="iconRect" refType="h" refFor="ch" refForName="iconRect" fact="0.55"/>
+              <dgm:constr type="ctrY" for="ch" forName="iconRect" refType="ctrY" refFor="ch" refForName="bgRect"/>
+              <dgm:constr type="w" for="ch" forName="spaceRect" refType="l" refFor="ch" refForName="iconRect"/>
+              <dgm:constr type="h" for="ch" forName="spaceRect" refType="h"/>
+              <dgm:constr type="l" for="ch" forName="spaceRect" refType="r" refFor="ch" refForName="iconRect"/>
+              <dgm:constr type="t" for="ch" forName="spaceRect"/>
+              <dgm:constr type="h" for="ch" forName="parTx" refType="h"/>
+              <dgm:constr type="l" for="ch" forName="parTx" refType="r" refFor="ch" refForName="spaceRect"/>
+              <dgm:constr type="t" for="ch" forName="parTx"/>
+            </dgm:constrLst>
+          </dgm:else>
+        </dgm:choose>
+        <dgm:ruleLst>
+          <dgm:rule type="h" val="INF" fact="NaN" max="NaN"/>
+        </dgm:ruleLst>
+        <dgm:layoutNode name="bgRect" styleLbl="bgShp">
+          <dgm:alg type="sp"/>
+          <dgm:shape xmlns:r="http://schemas.openxmlformats.org/officeDocument/2006/relationships" type="roundRect" r:blip="">
+            <dgm:adjLst>
+              <dgm:adj idx="1" val="0.1"/>
+            </dgm:adjLst>
+          </dgm:shape>
+          <dgm:presOf/>
+          <dgm:constrLst/>
+          <dgm:ruleLst/>
+        </dgm:layoutNode>
+        <dgm:layoutNode name="iconRect" styleLbl="node1">
+          <dgm:alg type="sp"/>
+          <dgm:shape xmlns:r="http://schemas.openxmlformats.org/officeDocument/2006/relationships" type="rect" r:blip="" blipPhldr="1">
+            <dgm:adjLst/>
+          </dgm:shape>
+          <dgm:presOf/>
+          <dgm:constrLst/>
+          <dgm:ruleLst/>
+        </dgm:layoutNode>
+        <dgm:layoutNode name="spaceRect">
+          <dgm:alg type="sp"/>
+          <dgm:shape xmlns:r="http://schemas.openxmlformats.org/officeDocument/2006/relationships" r:blip="">
+            <dgm:adjLst/>
+          </dgm:shape>
+          <dgm:presOf/>
+          <dgm:constrLst/>
+          <dgm:ruleLst/>
+        </dgm:layoutNode>
+        <dgm:layoutNode name="parTx" styleLbl="revTx">
+          <dgm:varLst>
+            <dgm:chMax val="0"/>
+            <dgm:chPref val="0"/>
+          </dgm:varLst>
+          <dgm:alg type="tx">
+            <dgm:param type="txAnchorVert" val="mid"/>
+            <dgm:param type="parTxLTRAlign" val="l"/>
+            <dgm:param type="shpTxLTRAlignCh" val="l"/>
+            <dgm:param type="parTxRTLAlign" val="r"/>
+            <dgm:param type="shpTxRTLAlignCh" val="r"/>
+          </dgm:alg>
+          <dgm:shape xmlns:r="http://schemas.openxmlformats.org/officeDocument/2006/relationships" type="rect" r:blip="">
+            <dgm:adjLst/>
+          </dgm:shape>
+          <dgm:presOf axis="self" ptType="node"/>
+          <dgm:constrLst>
+            <dgm:constr type="lMarg" refType="h" fact="0.3"/>
+            <dgm:constr type="rMarg" refType="h" fact="0.3"/>
+            <dgm:constr type="tMarg" refType="h" fact="0.3"/>
+            <dgm:constr type="bMarg" refType="h" fact="0.3"/>
+          </dgm:constrLst>
+          <dgm:ruleLst>
+            <dgm:rule type="primFontSz" val="14" fact="NaN" max="NaN"/>
+            <dgm:rule type="h" val="INF" fact="NaN" max="NaN"/>
+          </dgm:ruleLst>
+        </dgm:layoutNode>
+        <dgm:choose name="Name12">
+          <dgm:if name="Name13" axis="ch" ptType="node" func="cnt" op="gte" val="1">
+            <dgm:layoutNode name="desTx" styleLbl="revTx">
+              <dgm:varLst/>
+              <dgm:alg type="tx">
+                <dgm:param type="txAnchorVertCh" val="mid"/>
+                <dgm:param type="parTxLTRAlign" val="l"/>
+                <dgm:param type="shpTxLTRAlignCh" val="l"/>
+                <dgm:param type="parTxRTLAlign" val="r"/>
+                <dgm:param type="shpTxRTLAlignCh" val="r"/>
+                <dgm:param type="stBulletLvl" val="0"/>
+              </dgm:alg>
+              <dgm:shape xmlns:r="http://schemas.openxmlformats.org/officeDocument/2006/relationships" type="rect" r:blip="">
+                <dgm:adjLst/>
+              </dgm:shape>
+              <dgm:presOf axis="des" ptType="node"/>
+              <dgm:constrLst>
+                <dgm:constr type="primFontSz" val="18"/>
+                <dgm:constr type="secFontSz" refType="primFontSz"/>
+                <dgm:constr type="lMarg" refType="h" fact="0.3"/>
+                <dgm:constr type="rMarg" refType="h" fact="0.3"/>
+                <dgm:constr type="tMarg" refType="h" fact="0.3"/>
+                <dgm:constr type="bMarg" refType="h" fact="0.3"/>
+              </dgm:constrLst>
+              <dgm:ruleLst>
+                <dgm:rule type="primFontSz" val="11" fact="NaN" max="NaN"/>
+              </dgm:ruleLst>
+            </dgm:layoutNode>
+          </dgm:if>
+          <dgm:else name="Name14"/>
+        </dgm:choose>
+      </dgm:layoutNode>
+      <dgm:forEach name="Name15" axis="followSib" ptType="sibTrans" cnt="1">
+        <dgm:layoutNode name="sibTrans">
+          <dgm:alg type="sp"/>
+          <dgm:shape xmlns:r="http://schemas.openxmlformats.org/officeDocument/2006/relationships" r:blip="">
+            <dgm:adjLst/>
+          </dgm:shape>
+          <dgm:presOf axis="self"/>
+          <dgm:constrLst/>
+          <dgm:ruleLst/>
+        </dgm:layoutNode>
+      </dgm:forEach>
+    </dgm:forEach>
+  </dgm:layoutNode>
+  <dgm:extLst>
+    <a:ext uri="{68A01E43-0DF5-4B5B-8FA6-DAF915123BFB}">
+      <dgm1612:lstStyle xmlns:dgm1612="http://schemas.microsoft.com/office/drawing/2016/12/diagram">
+        <a:lvl1pPr>
+          <a:lnSpc>
+            <a:spcPct val="100000"/>
+          </a:lnSpc>
+        </a:lvl1pPr>
+        <a:lvl2pPr>
+          <a:lnSpc>
+            <a:spcPct val="100000"/>
+          </a:lnSpc>
+        </a:lvl2pPr>
+      </dgm1612:lstStyle>
+    </a:ext>
+  </dgm:extLst>
+</dgm:layoutDef>
+</file>
+
+<file path=ppt/diagrams/layout2.xml><?xml version="1.0" encoding="utf-8"?>
+<dgm:layoutDef xmlns:dgm="http://schemas.openxmlformats.org/drawingml/2006/diagram" xmlns:a="http://schemas.openxmlformats.org/drawingml/2006/main" uniqueId="urn:microsoft.com/office/officeart/2005/8/layout/hierarchy1">
+  <dgm:title val=""/>
+  <dgm:desc val=""/>
+  <dgm:catLst>
+    <dgm:cat type="hierarchy" pri="2000"/>
+  </dgm:catLst>
+  <dgm:sampData>
+    <dgm:dataModel>
+      <dgm:ptLst>
+        <dgm:pt modelId="0" type="doc"/>
+        <dgm:pt modelId="1">
+          <dgm:prSet phldr="1"/>
+        </dgm:pt>
+        <dgm:pt modelId="2">
+          <dgm:prSet phldr="1"/>
+        </dgm:pt>
+        <dgm:pt modelId="21">
+          <dgm:prSet phldr="1"/>
+        </dgm:pt>
+        <dgm:pt modelId="22">
+          <dgm:prSet phldr="1"/>
+        </dgm:pt>
+        <dgm:pt modelId="3">
+          <dgm:prSet phldr="1"/>
+        </dgm:pt>
+        <dgm:pt modelId="31">
+          <dgm:prSet phldr="1"/>
+        </dgm:pt>
+      </dgm:ptLst>
+      <dgm:cxnLst>
+        <dgm:cxn modelId="4" srcId="0" destId="1" srcOrd="0" destOrd="0"/>
+        <dgm:cxn modelId="5" srcId="1" destId="2" srcOrd="0" destOrd="0"/>
+        <dgm:cxn modelId="6" srcId="1" destId="3" srcOrd="1" destOrd="0"/>
+        <dgm:cxn modelId="23" srcId="2" destId="21" srcOrd="0" destOrd="0"/>
+        <dgm:cxn modelId="24" srcId="2" destId="22" srcOrd="1" destOrd="0"/>
+        <dgm:cxn modelId="33" srcId="3" destId="31" srcOrd="0" destOrd="0"/>
+      </dgm:cxnLst>
+      <dgm:bg/>
+      <dgm:whole/>
+    </dgm:dataModel>
+  </dgm:sampData>
+  <dgm:styleData>
+    <dgm:dataModel>
+      <dgm:ptLst>
+        <dgm:pt modelId="0" type="doc"/>
+        <dgm:pt modelId="1"/>
+        <dgm:pt modelId="11"/>
+        <dgm:pt modelId="12"/>
+      </dgm:ptLst>
+      <dgm:cxnLst>
+        <dgm:cxn modelId="2" srcId="0" destId="1" srcOrd="0" destOrd="0"/>
+        <dgm:cxn modelId="13" srcId="1" destId="11" srcOrd="0" destOrd="0"/>
+        <dgm:cxn modelId="14" srcId="1" destId="12" srcOrd="1" destOrd="0"/>
+      </dgm:cxnLst>
+      <dgm:bg/>
+      <dgm:whole/>
+    </dgm:dataModel>
+  </dgm:styleData>
+  <dgm:clrData>
+    <dgm:dataModel>
+      <dgm:ptLst>
+        <dgm:pt modelId="0" type="doc"/>
+        <dgm:pt modelId="1"/>
+        <dgm:pt modelId="2"/>
+        <dgm:pt modelId="21"/>
+        <dgm:pt modelId="211"/>
+        <dgm:pt modelId="3"/>
+        <dgm:pt modelId="31"/>
+        <dgm:pt modelId="311"/>
+      </dgm:ptLst>
+      <dgm:cxnLst>
+        <dgm:cxn modelId="4" srcId="0" destId="1" srcOrd="0" destOrd="0"/>
+        <dgm:cxn modelId="5" srcId="1" destId="2" srcOrd="0" destOrd="0"/>
+        <dgm:cxn modelId="6" srcId="1" destId="3" srcOrd="1" destOrd="0"/>
+        <dgm:cxn modelId="23" srcId="2" destId="21" srcOrd="0" destOrd="0"/>
+        <dgm:cxn modelId="24" srcId="21" destId="211" srcOrd="0" destOrd="0"/>
+        <dgm:cxn modelId="33" srcId="3" destId="31" srcOrd="0" destOrd="0"/>
+        <dgm:cxn modelId="34" srcId="31" destId="311" srcOrd="0" destOrd="0"/>
+      </dgm:cxnLst>
+      <dgm:bg/>
+      <dgm:whole/>
+    </dgm:dataModel>
+  </dgm:clrData>
+  <dgm:layoutNode name="hierChild1">
+    <dgm:varLst>
+      <dgm:chPref val="1"/>
+      <dgm:dir/>
+      <dgm:animOne val="branch"/>
+      <dgm:animLvl val="lvl"/>
+      <dgm:resizeHandles/>
+    </dgm:varLst>
+    <dgm:choose name="Name0">
+      <dgm:if name="Name1" func="var" arg="dir" op="equ" val="norm">
+        <dgm:alg type="hierChild">
+          <dgm:param type="linDir" val="fromL"/>
+        </dgm:alg>
+      </dgm:if>
+      <dgm:else name="Name2">
+        <dgm:alg type="hierChild">
+          <dgm:param type="linDir" val="fromR"/>
+        </dgm:alg>
+      </dgm:else>
+    </dgm:choose>
+    <dgm:shape xmlns:r="http://schemas.openxmlformats.org/officeDocument/2006/relationships" r:blip="">
+      <dgm:adjLst/>
+    </dgm:shape>
+    <dgm:presOf/>
+    <dgm:constrLst>
+      <dgm:constr type="primFontSz" for="des" ptType="node" op="equ" val="65"/>
+      <dgm:constr type="w" for="des" forName="composite" refType="w"/>
+      <dgm:constr type="h" for="des" forName="composite" refType="w" refFor="des" refForName="composite" fact="0.667"/>
+      <dgm:constr type="w" for="des" forName="composite2" refType="w" refFor="des" refForName="composite"/>
+      <dgm:constr type="h" for="des" forName="composite2" refType="h" refFor="des" refForName="composite"/>
+      <dgm:constr type="w" for="des" forName="composite3" refType="w" refFor="des" refForName="composite"/>
+      <dgm:constr type="h" for="des" forName="composite3" refType="h" refFor="des" refForName="composite"/>
+      <dgm:constr type="w" for="des" forName="composite4" refType="w" refFor="des" refForName="composite"/>
+      <dgm:constr type="h" for="des" forName="composite4" refType="h" refFor="des" refForName="composite"/>
+      <dgm:constr type="w" for="des" forName="composite5" refType="w" refFor="des" refForName="composite"/>
+      <dgm:constr type="h" for="des" forName="composite5" refType="h" refFor="des" refForName="composite"/>
+      <dgm:constr type="sibSp" refType="w" refFor="des" refForName="composite" fact="0.1"/>
+      <dgm:constr type="sibSp" for="des" forName="hierChild2" refType="sibSp"/>
+      <dgm:constr type="sibSp" for="des" forName="hierChild3" refType="sibSp"/>
+      <dgm:constr type="sibSp" for="des" forName="hierChild4" refType="sibSp"/>
+      <dgm:constr type="sibSp" for="des" forName="hierChild5" refType="sibSp"/>
+      <dgm:constr type="sibSp" for="des" forName="hierChild6" refType="sibSp"/>
+      <dgm:constr type="sp" for="des" forName="hierRoot1" refType="h" refFor="des" refForName="composite" fact="0.25"/>
+      <dgm:constr type="sp" for="des" forName="hierRoot2" refType="sp" refFor="des" refForName="hierRoot1"/>
+      <dgm:constr type="sp" for="des" forName="hierRoot3" refType="sp" refFor="des" refForName="hierRoot1"/>
+      <dgm:constr type="sp" for="des" forName="hierRoot4" refType="sp" refFor="des" refForName="hierRoot1"/>
+      <dgm:constr type="sp" for="des" forName="hierRoot5" refType="sp" refFor="des" refForName="hierRoot1"/>
+    </dgm:constrLst>
+    <dgm:ruleLst/>
+    <dgm:forEach name="Name3" axis="ch">
+      <dgm:forEach name="Name4" axis="self" ptType="node">
+        <dgm:layoutNode name="hierRoot1">
+          <dgm:alg type="hierRoot"/>
+          <dgm:shape xmlns:r="http://schemas.openxmlformats.org/officeDocument/2006/relationships" r:blip="">
+            <dgm:adjLst/>
+          </dgm:shape>
+          <dgm:presOf/>
+          <dgm:constrLst>
+            <dgm:constr type="bendDist" for="des" ptType="parTrans" refType="sp" fact="0.5"/>
+          </dgm:constrLst>
+          <dgm:ruleLst/>
+          <dgm:layoutNode name="composite">
+            <dgm:alg type="composite"/>
+            <dgm:shape xmlns:r="http://schemas.openxmlformats.org/officeDocument/2006/relationships" r:blip="">
+              <dgm:adjLst/>
+            </dgm:shape>
+            <dgm:presOf/>
+            <dgm:constrLst>
+              <dgm:constr type="w" for="ch" forName="background" refType="w" fact="0.9"/>
+              <dgm:constr type="h" for="ch" forName="background" refType="w" refFor="ch" refForName="background" fact="0.635"/>
+              <dgm:constr type="t" for="ch" forName="background"/>
+              <dgm:constr type="l" for="ch" forName="background"/>
+              <dgm:constr type="w" for="ch" forName="text" refType="w" fact="0.9"/>
+              <dgm:constr type="h" for="ch" forName="text" refType="w" refFor="ch" refForName="text" fact="0.635"/>
+              <dgm:constr type="t" for="ch" forName="text" refType="w" fact="0.095"/>
+              <dgm:constr type="l" for="ch" forName="text" refType="w" fact="0.1"/>
+            </dgm:constrLst>
+            <dgm:ruleLst/>
+            <dgm:layoutNode name="background" styleLbl="node0" moveWith="text">
+              <dgm:alg type="sp"/>
+              <dgm:shape xmlns:r="http://schemas.openxmlformats.org/officeDocument/2006/relationships" type="roundRect" r:blip="">
+                <dgm:adjLst>
+                  <dgm:adj idx="1" val="0.1"/>
+                </dgm:adjLst>
+              </dgm:shape>
+              <dgm:presOf/>
+              <dgm:constrLst/>
+              <dgm:ruleLst/>
+            </dgm:layoutNode>
+            <dgm:layoutNode name="text" styleLbl="fgAcc0">
+              <dgm:varLst>
+                <dgm:chPref val="3"/>
+              </dgm:varLst>
+              <dgm:alg type="tx"/>
+              <dgm:shape xmlns:r="http://schemas.openxmlformats.org/officeDocument/2006/relationships" type="roundRect" r:blip="">
+                <dgm:adjLst>
+                  <dgm:adj idx="1" val="0.1"/>
+                </dgm:adjLst>
+              </dgm:shape>
+              <dgm:presOf axis="self"/>
+              <dgm:constrLst>
+                <dgm:constr type="tMarg" refType="primFontSz" fact="0.3"/>
+                <dgm:constr type="bMarg" refType="primFontSz" fact="0.3"/>
+                <dgm:constr type="lMarg" refType="primFontSz" fact="0.3"/>
+                <dgm:constr type="rMarg" refType="primFontSz" fact="0.3"/>
+              </dgm:constrLst>
+              <dgm:ruleLst>
+                <dgm:rule type="primFontSz" val="5" fact="NaN" max="NaN"/>
+              </dgm:ruleLst>
+            </dgm:layoutNode>
+          </dgm:layoutNode>
+          <dgm:layoutNode name="hierChild2">
+            <dgm:choose name="Name5">
+              <dgm:if name="Name6" func="var" arg="dir" op="equ" val="norm">
+                <dgm:alg type="hierChild">
+                  <dgm:param type="linDir" val="fromL"/>
+                </dgm:alg>
+              </dgm:if>
+              <dgm:else name="Name7">
+                <dgm:alg type="hierChild">
+                  <dgm:param type="linDir" val="fromR"/>
+                </dgm:alg>
+              </dgm:else>
+            </dgm:choose>
+            <dgm:shape xmlns:r="http://schemas.openxmlformats.org/officeDocument/2006/relationships" r:blip="">
+              <dgm:adjLst/>
+            </dgm:shape>
+            <dgm:presOf/>
+            <dgm:constrLst/>
+            <dgm:ruleLst/>
+            <dgm:forEach name="Name8" axis="ch">
+              <dgm:forEach name="Name9" axis="self" ptType="parTrans" cnt="1">
+                <dgm:layoutNode name="Name10">
+                  <dgm:alg type="conn">
+                    <dgm:param type="dim" val="1D"/>
+                    <dgm:param type="endSty" val="noArr"/>
+                    <dgm:param type="connRout" val="bend"/>
+                    <dgm:param type="bendPt" val="end"/>
+                    <dgm:param type="begPts" val="bCtr"/>
+                    <dgm:param type="endPts" val="tCtr"/>
+                    <dgm:param type="srcNode" val="background"/>
+                    <dgm:param type="dstNode" val="background2"/>
+                  </dgm:alg>
+                  <dgm:shape xmlns:r="http://schemas.openxmlformats.org/officeDocument/2006/relationships" type="conn" r:blip="" zOrderOff="-999">
+                    <dgm:adjLst/>
+                  </dgm:shape>
+                  <dgm:presOf axis="self"/>
+                  <dgm:constrLst>
+                    <dgm:constr type="begPad"/>
+                    <dgm:constr type="endPad"/>
+                  </dgm:constrLst>
+                  <dgm:ruleLst/>
+                </dgm:layoutNode>
+              </dgm:forEach>
+              <dgm:forEach name="Name11" axis="self" ptType="node">
+                <dgm:layoutNode name="hierRoot2">
+                  <dgm:alg type="hierRoot"/>
+                  <dgm:shape xmlns:r="http://schemas.openxmlformats.org/officeDocument/2006/relationships" r:blip="">
+                    <dgm:adjLst/>
+                  </dgm:shape>
+                  <dgm:presOf/>
+                  <dgm:constrLst>
+                    <dgm:constr type="bendDist" for="des" ptType="parTrans" refType="sp" fact="0.5"/>
+                  </dgm:constrLst>
+                  <dgm:ruleLst/>
+                  <dgm:layoutNode name="composite2">
+                    <dgm:alg type="composite"/>
+                    <dgm:shape xmlns:r="http://schemas.openxmlformats.org/officeDocument/2006/relationships" r:blip="">
+                      <dgm:adjLst/>
+                    </dgm:shape>
+                    <dgm:presOf/>
+                    <dgm:constrLst>
+                      <dgm:constr type="w" for="ch" forName="background2" refType="w" fact="0.9"/>
+                      <dgm:constr type="h" for="ch" forName="background2" refType="w" refFor="ch" refForName="background2" fact="0.635"/>
+                      <dgm:constr type="t" for="ch" forName="background2"/>
+                      <dgm:constr type="l" for="ch" forName="background2"/>
+                      <dgm:constr type="w" for="ch" forName="text2" refType="w" fact="0.9"/>
+                      <dgm:constr type="h" for="ch" forName="text2" refType="w" refFor="ch" refForName="text2" fact="0.635"/>
+                      <dgm:constr type="t" for="ch" forName="text2" refType="w" fact="0.095"/>
+                      <dgm:constr type="l" for="ch" forName="text2" refType="w" fact="0.1"/>
+                    </dgm:constrLst>
+                    <dgm:ruleLst/>
+                    <dgm:layoutNode name="background2" moveWith="text2">
+                      <dgm:alg type="sp"/>
+                      <dgm:shape xmlns:r="http://schemas.openxmlformats.org/officeDocument/2006/relationships" type="roundRect" r:blip="">
+                        <dgm:adjLst>
+                          <dgm:adj idx="1" val="0.1"/>
+                        </dgm:adjLst>
+                      </dgm:shape>
+                      <dgm:presOf/>
+                      <dgm:constrLst/>
+                      <dgm:ruleLst/>
+                    </dgm:layoutNode>
+                    <dgm:layoutNode name="text2" styleLbl="fgAcc2">
+                      <dgm:varLst>
+                        <dgm:chPref val="3"/>
+                      </dgm:varLst>
+                      <dgm:alg type="tx"/>
+                      <dgm:shape xmlns:r="http://schemas.openxmlformats.org/officeDocument/2006/relationships" type="roundRect" r:blip="">
+                        <dgm:adjLst>
+                          <dgm:adj idx="1" val="0.1"/>
+                        </dgm:adjLst>
+                      </dgm:shape>
+                      <dgm:presOf axis="self"/>
+                      <dgm:constrLst>
+                        <dgm:constr type="tMarg" refType="primFontSz" fact="0.3"/>
+                        <dgm:constr type="bMarg" refType="primFontSz" fact="0.3"/>
+                        <dgm:constr type="lMarg" refType="primFontSz" fact="0.3"/>
+                        <dgm:constr type="rMarg" refType="primFontSz" fact="0.3"/>
+                      </dgm:constrLst>
+                      <dgm:ruleLst>
+                        <dgm:rule type="primFontSz" val="5" fact="NaN" max="NaN"/>
+                      </dgm:ruleLst>
+                    </dgm:layoutNode>
+                  </dgm:layoutNode>
+                  <dgm:layoutNode name="hierChild3">
+                    <dgm:choose name="Name12">
+                      <dgm:if name="Name13" func="var" arg="dir" op="equ" val="norm">
+                        <dgm:alg type="hierChild">
+                          <dgm:param type="linDir" val="fromL"/>
+                        </dgm:alg>
+                      </dgm:if>
+                      <dgm:else name="Name14">
+                        <dgm:alg type="hierChild">
+                          <dgm:param type="linDir" val="fromR"/>
+                        </dgm:alg>
+                      </dgm:else>
+                    </dgm:choose>
+                    <dgm:shape xmlns:r="http://schemas.openxmlformats.org/officeDocument/2006/relationships" r:blip="">
+                      <dgm:adjLst/>
+                    </dgm:shape>
+                    <dgm:presOf/>
+                    <dgm:constrLst/>
+                    <dgm:ruleLst/>
+                    <dgm:forEach name="Name15" axis="ch">
+                      <dgm:forEach name="Name16" axis="self" ptType="parTrans" cnt="1">
+                        <dgm:layoutNode name="Name17">
+                          <dgm:alg type="conn">
+                            <dgm:param type="dim" val="1D"/>
+                            <dgm:param type="endSty" val="noArr"/>
+                            <dgm:param type="connRout" val="bend"/>
+                            <dgm:param type="bendPt" val="end"/>
+                            <dgm:param type="begPts" val="bCtr"/>
+                            <dgm:param type="endPts" val="tCtr"/>
+                            <dgm:param type="srcNode" val="background2"/>
+                            <dgm:param type="dstNode" val="background3"/>
+                          </dgm:alg>
+                          <dgm:shape xmlns:r="http://schemas.openxmlformats.org/officeDocument/2006/relationships" type="conn" r:blip="" zOrderOff="-999">
+                            <dgm:adjLst/>
+                          </dgm:shape>
+                          <dgm:presOf axis="self"/>
+                          <dgm:constrLst>
+                            <dgm:constr type="begPad"/>
+                            <dgm:constr type="endPad"/>
+                          </dgm:constrLst>
+                          <dgm:ruleLst/>
+                        </dgm:layoutNode>
+                      </dgm:forEach>
+                      <dgm:forEach name="Name18" axis="self" ptType="node">
+                        <dgm:layoutNode name="hierRoot3">
+                          <dgm:alg type="hierRoot"/>
+                          <dgm:shape xmlns:r="http://schemas.openxmlformats.org/officeDocument/2006/relationships" r:blip="">
+                            <dgm:adjLst/>
+                          </dgm:shape>
+                          <dgm:presOf/>
+                          <dgm:constrLst>
+                            <dgm:constr type="bendDist" for="des" ptType="parTrans" refType="sp" fact="0.5"/>
+                          </dgm:constrLst>
+                          <dgm:ruleLst/>
+                          <dgm:layoutNode name="composite3">
+                            <dgm:alg type="composite"/>
+                            <dgm:shape xmlns:r="http://schemas.openxmlformats.org/officeDocument/2006/relationships" r:blip="">
+                              <dgm:adjLst/>
+                            </dgm:shape>
+                            <dgm:presOf/>
+                            <dgm:constrLst>
+                              <dgm:constr type="w" for="ch" forName="background3" refType="w" fact="0.9"/>
+                              <dgm:constr type="h" for="ch" forName="background3" refType="w" refFor="ch" refForName="background3" fact="0.635"/>
+                              <dgm:constr type="t" for="ch" forName="background3"/>
+                              <dgm:constr type="l" for="ch" forName="background3"/>
+                              <dgm:constr type="w" for="ch" forName="text3" refType="w" fact="0.9"/>
+                              <dgm:constr type="h" for="ch" forName="text3" refType="w" refFor="ch" refForName="text3" fact="0.635"/>
+                              <dgm:constr type="t" for="ch" forName="text3" refType="w" fact="0.095"/>
+                              <dgm:constr type="l" for="ch" forName="text3" refType="w" fact="0.1"/>
+                            </dgm:constrLst>
+                            <dgm:ruleLst/>
+                            <dgm:layoutNode name="background3" moveWith="text3">
+                              <dgm:alg type="sp"/>
+                              <dgm:shape xmlns:r="http://schemas.openxmlformats.org/officeDocument/2006/relationships" type="roundRect" r:blip="">
+                                <dgm:adjLst>
+                                  <dgm:adj idx="1" val="0.1"/>
+                                </dgm:adjLst>
+                              </dgm:shape>
+                              <dgm:presOf/>
+                              <dgm:constrLst/>
+                              <dgm:ruleLst/>
+                            </dgm:layoutNode>
+                            <dgm:layoutNode name="text3" styleLbl="fgAcc3">
+                              <dgm:varLst>
+                                <dgm:chPref val="3"/>
+                              </dgm:varLst>
+                              <dgm:alg type="tx"/>
+                              <dgm:shape xmlns:r="http://schemas.openxmlformats.org/officeDocument/2006/relationships" type="roundRect" r:blip="">
+                                <dgm:adjLst>
+                                  <dgm:adj idx="1" val="0.1"/>
+                                </dgm:adjLst>
+                              </dgm:shape>
+                              <dgm:presOf axis="self"/>
+                              <dgm:constrLst>
+                                <dgm:constr type="tMarg" refType="primFontSz" fact="0.3"/>
+                                <dgm:constr type="bMarg" refType="primFontSz" fact="0.3"/>
+                                <dgm:constr type="lMarg" refType="primFontSz" fact="0.3"/>
+                                <dgm:constr type="rMarg" refType="primFontSz" fact="0.3"/>
+                              </dgm:constrLst>
+                              <dgm:ruleLst>
+                                <dgm:rule type="primFontSz" val="5" fact="NaN" max="NaN"/>
+                              </dgm:ruleLst>
+                            </dgm:layoutNode>
+                          </dgm:layoutNode>
+                          <dgm:layoutNode name="hierChild4">
+                            <dgm:choose name="Name19">
+                              <dgm:if name="Name20" func="var" arg="dir" op="equ" val="norm">
+                                <dgm:alg type="hierChild">
+                                  <dgm:param type="linDir" val="fromL"/>
+                                </dgm:alg>
+                              </dgm:if>
+                              <dgm:else name="Name21">
+                                <dgm:alg type="hierChild">
+                                  <dgm:param type="linDir" val="fromR"/>
+                                </dgm:alg>
+                              </dgm:else>
+                            </dgm:choose>
+                            <dgm:shape xmlns:r="http://schemas.openxmlformats.org/officeDocument/2006/relationships" r:blip="">
+                              <dgm:adjLst/>
+                            </dgm:shape>
+                            <dgm:presOf/>
+                            <dgm:constrLst/>
+                            <dgm:ruleLst/>
+                            <dgm:forEach name="repeat" axis="ch">
+                              <dgm:forEach name="Name22" axis="self" ptType="parTrans" cnt="1">
+                                <dgm:layoutNode name="Name23">
+                                  <dgm:choose name="Name24">
+                                    <dgm:if name="Name25" axis="self" func="depth" op="lte" val="4">
+                                      <dgm:alg type="conn">
+                                        <dgm:param type="dim" val="1D"/>
+                                        <dgm:param type="endSty" val="noArr"/>
+                                        <dgm:param type="connRout" val="bend"/>
+                                        <dgm:param type="bendPt" val="end"/>
+                                        <dgm:param type="begPts" val="bCtr"/>
+                                        <dgm:param type="endPts" val="tCtr"/>
+                                        <dgm:param type="srcNode" val="background3"/>
+                                        <dgm:param type="dstNode" val="background4"/>
+                                      </dgm:alg>
+                                    </dgm:if>
+                                    <dgm:else name="Name26">
+                                      <dgm:alg type="conn">
+                                        <dgm:param type="dim" val="1D"/>
+                                        <dgm:param type="endSty" val="noArr"/>
+                                        <dgm:param type="connRout" val="bend"/>
+                                        <dgm:param type="bendPt" val="end"/>
+                                        <dgm:param type="begPts" val="bCtr"/>
+                                        <dgm:param type="endPts" val="tCtr"/>
+                                        <dgm:param type="srcNode" val="background4"/>
+                                        <dgm:param type="dstNode" val="background4"/>
+                                      </dgm:alg>
+                                    </dgm:else>
+                                  </dgm:choose>
+                                  <dgm:shape xmlns:r="http://schemas.openxmlformats.org/officeDocument/2006/relationships" type="conn" r:blip="" zOrderOff="-999">
+                                    <dgm:adjLst/>
+                                  </dgm:shape>
+                                  <dgm:presOf axis="self"/>
+                                  <dgm:constrLst>
+                                    <dgm:constr type="begPad"/>
+                                    <dgm:constr type="endPad"/>
+                                  </dgm:constrLst>
+                                  <dgm:ruleLst/>
+                                </dgm:layoutNode>
+                              </dgm:forEach>
+                              <dgm:forEach name="Name27" axis="self" ptType="node">
+                                <dgm:layoutNode name="hierRoot4">
+                                  <dgm:alg type="hierRoot"/>
+                                  <dgm:shape xmlns:r="http://schemas.openxmlformats.org/officeDocument/2006/relationships" r:blip="">
+                                    <dgm:adjLst/>
+                                  </dgm:shape>
+                                  <dgm:presOf/>
+                                  <dgm:constrLst>
+                                    <dgm:constr type="bendDist" for="des" ptType="parTrans" refType="sp" fact="0.5"/>
+                                  </dgm:constrLst>
+                                  <dgm:ruleLst/>
+                                  <dgm:layoutNode name="composite4">
+                                    <dgm:alg type="composite"/>
+                                    <dgm:shape xmlns:r="http://schemas.openxmlformats.org/officeDocument/2006/relationships" r:blip="">
+                                      <dgm:adjLst/>
+                                    </dgm:shape>
+                                    <dgm:presOf/>
+                                    <dgm:constrLst>
+                                      <dgm:constr type="w" for="ch" forName="background4" refType="w" fact="0.9"/>
+                                      <dgm:constr type="h" for="ch" forName="background4" refType="w" refFor="ch" refForName="background4" fact="0.635"/>
+                                      <dgm:constr type="t" for="ch" forName="background4"/>
+                                      <dgm:constr type="l" for="ch" forName="background4"/>
+                                      <dgm:constr type="w" for="ch" forName="text4" refType="w" fact="0.9"/>
+                                      <dgm:constr type="h" for="ch" forName="text4" refType="w" refFor="ch" refForName="text4" fact="0.635"/>
+                                      <dgm:constr type="t" for="ch" forName="text4" refType="w" fact="0.095"/>
+                                      <dgm:constr type="l" for="ch" forName="text4" refType="w" fact="0.1"/>
+                                    </dgm:constrLst>
+                                    <dgm:ruleLst/>
+                                    <dgm:layoutNode name="background4" moveWith="text4">
+                                      <dgm:alg type="sp"/>
+                                      <dgm:shape xmlns:r="http://schemas.openxmlformats.org/officeDocument/2006/relationships" type="roundRect" r:blip="">
+                                        <dgm:adjLst>
+                                          <dgm:adj idx="1" val="0.1"/>
+                                        </dgm:adjLst>
+                                      </dgm:shape>
+                                      <dgm:presOf/>
+                                      <dgm:constrLst/>
+                                      <dgm:ruleLst/>
+                                    </dgm:layoutNode>
+                                    <dgm:layoutNode name="text4" styleLbl="fgAcc4">
+                                      <dgm:varLst>
+                                        <dgm:chPref val="3"/>
+                                      </dgm:varLst>
+                                      <dgm:alg type="tx"/>
+                                      <dgm:shape xmlns:r="http://schemas.openxmlformats.org/officeDocument/2006/relationships" type="roundRect" r:blip="">
+                                        <dgm:adjLst>
+                                          <dgm:adj idx="1" val="0.1"/>
+                                        </dgm:adjLst>
+                                      </dgm:shape>
+                                      <dgm:presOf axis="self"/>
+                                      <dgm:constrLst>
+                                        <dgm:constr type="tMarg" refType="primFontSz" fact="0.3"/>
+                                        <dgm:constr type="bMarg" refType="primFontSz" fact="0.3"/>
+                                        <dgm:constr type="lMarg" refType="primFontSz" fact="0.3"/>
+                                        <dgm:constr type="rMarg" refType="primFontSz" fact="0.3"/>
+                                      </dgm:constrLst>
+                                      <dgm:ruleLst>
+                                        <dgm:rule type="primFontSz" val="5" fact="NaN" max="NaN"/>
+                                      </dgm:ruleLst>
+                                    </dgm:layoutNode>
+                                  </dgm:layoutNode>
+                                  <dgm:layoutNode name="hierChild5">
+                                    <dgm:choose name="Name28">
+                                      <dgm:if name="Name29" func="var" arg="dir" op="equ" val="norm">
+                                        <dgm:alg type="hierChild">
+                                          <dgm:param type="linDir" val="fromL"/>
+                                        </dgm:alg>
+                                      </dgm:if>
+                                      <dgm:else name="Name30">
+                                        <dgm:alg type="hierChild">
+                                          <dgm:param type="linDir" val="fromR"/>
+                                        </dgm:alg>
+                                      </dgm:else>
+                                    </dgm:choose>
+                                    <dgm:shape xmlns:r="http://schemas.openxmlformats.org/officeDocument/2006/relationships" r:blip="">
+                                      <dgm:adjLst/>
+                                    </dgm:shape>
+                                    <dgm:presOf/>
+                                    <dgm:constrLst/>
+                                    <dgm:ruleLst/>
+                                    <dgm:forEach name="Name31" ref="repeat"/>
+                                  </dgm:layoutNode>
+                                </dgm:layoutNode>
+                              </dgm:forEach>
+                            </dgm:forEach>
+                          </dgm:layoutNode>
+                        </dgm:layoutNode>
+                      </dgm:forEach>
+                    </dgm:forEach>
+                  </dgm:layoutNode>
+                </dgm:layoutNode>
+              </dgm:forEach>
+            </dgm:forEach>
+          </dgm:layoutNode>
+        </dgm:layoutNode>
+      </dgm:forEach>
+    </dgm:forEach>
+  </dgm:layoutNode>
+</dgm:layoutDef>
+</file>
+
+<file path=ppt/diagrams/layout3.xml><?xml version="1.0" encoding="utf-8"?>
 <dgm:layoutDef xmlns:dgm="http://schemas.openxmlformats.org/drawingml/2006/diagram" xmlns:a="http://schemas.openxmlformats.org/drawingml/2006/main" uniqueId="urn:microsoft.com/office/officeart/2018/2/layout/IconVerticalSolidList">
   <dgm:title val="Icon Vertical Solid List"/>
   <dgm:desc val="Use to show a series of visuals from top to bottom with Level 1 or Level 1 and Level 2 text grouped in a shape. Works best with icons or small pictures with lengthier descriptions."/>
@@ -3173,6 +6615,2074 @@
 </dgm:styleDef>
 </file>
 
+<file path=ppt/diagrams/quickStyle2.xml><?xml version="1.0" encoding="utf-8"?>
+<dgm:styleDef xmlns:dgm="http://schemas.openxmlformats.org/drawingml/2006/diagram" xmlns:a="http://schemas.openxmlformats.org/drawingml/2006/main" uniqueId="urn:microsoft.com/office/officeart/2005/8/quickstyle/simple1">
+  <dgm:title val=""/>
+  <dgm:desc val=""/>
+  <dgm:catLst>
+    <dgm:cat type="simple" pri="10100"/>
+  </dgm:catLst>
+  <dgm:scene3d>
+    <a:camera prst="orthographicFront"/>
+    <a:lightRig rig="threePt" dir="t"/>
+  </dgm:scene3d>
+  <dgm:styleLbl name="node0">
+    <dgm:scene3d>
+      <a:camera prst="orthographicFront"/>
+      <a:lightRig rig="threePt" dir="t"/>
+    </dgm:scene3d>
+    <dgm:sp3d/>
+    <dgm:txPr/>
+    <dgm:style>
+      <a:lnRef idx="2">
+        <a:scrgbClr r="0" g="0" b="0"/>
+      </a:lnRef>
+      <a:fillRef idx="1">
+        <a:scrgbClr r="0" g="0" b="0"/>
+      </a:fillRef>
+      <a:effectRef idx="0">
+        <a:scrgbClr r="0" g="0" b="0"/>
+      </a:effectRef>
+      <a:fontRef idx="minor">
+        <a:schemeClr val="lt1"/>
+      </a:fontRef>
+    </dgm:style>
+  </dgm:styleLbl>
+  <dgm:styleLbl name="lnNode1">
+    <dgm:scene3d>
+      <a:camera prst="orthographicFront"/>
+      <a:lightRig rig="threePt" dir="t"/>
+    </dgm:scene3d>
+    <dgm:sp3d/>
+    <dgm:txPr/>
+    <dgm:style>
+      <a:lnRef idx="2">
+        <a:scrgbClr r="0" g="0" b="0"/>
+      </a:lnRef>
+      <a:fillRef idx="1">
+        <a:scrgbClr r="0" g="0" b="0"/>
+      </a:fillRef>
+      <a:effectRef idx="0">
+        <a:scrgbClr r="0" g="0" b="0"/>
+      </a:effectRef>
+      <a:fontRef idx="minor">
+        <a:schemeClr val="lt1"/>
+      </a:fontRef>
+    </dgm:style>
+  </dgm:styleLbl>
+  <dgm:styleLbl name="vennNode1">
+    <dgm:scene3d>
+      <a:camera prst="orthographicFront"/>
+      <a:lightRig rig="threePt" dir="t"/>
+    </dgm:scene3d>
+    <dgm:sp3d/>
+    <dgm:txPr/>
+    <dgm:style>
+      <a:lnRef idx="2">
+        <a:scrgbClr r="0" g="0" b="0"/>
+      </a:lnRef>
+      <a:fillRef idx="1">
+        <a:scrgbClr r="0" g="0" b="0"/>
+      </a:fillRef>
+      <a:effectRef idx="0">
+        <a:scrgbClr r="0" g="0" b="0"/>
+      </a:effectRef>
+      <a:fontRef idx="minor">
+        <a:schemeClr val="tx1"/>
+      </a:fontRef>
+    </dgm:style>
+  </dgm:styleLbl>
+  <dgm:styleLbl name="alignNode1">
+    <dgm:scene3d>
+      <a:camera prst="orthographicFront"/>
+      <a:lightRig rig="threePt" dir="t"/>
+    </dgm:scene3d>
+    <dgm:sp3d/>
+    <dgm:txPr/>
+    <dgm:style>
+      <a:lnRef idx="2">
+        <a:scrgbClr r="0" g="0" b="0"/>
+      </a:lnRef>
+      <a:fillRef idx="1">
+        <a:scrgbClr r="0" g="0" b="0"/>
+      </a:fillRef>
+      <a:effectRef idx="0">
+        <a:scrgbClr r="0" g="0" b="0"/>
+      </a:effectRef>
+      <a:fontRef idx="minor">
+        <a:schemeClr val="lt1"/>
+      </a:fontRef>
+    </dgm:style>
+  </dgm:styleLbl>
+  <dgm:styleLbl name="node1">
+    <dgm:scene3d>
+      <a:camera prst="orthographicFront"/>
+      <a:lightRig rig="threePt" dir="t"/>
+    </dgm:scene3d>
+    <dgm:sp3d/>
+    <dgm:txPr/>
+    <dgm:style>
+      <a:lnRef idx="2">
+        <a:scrgbClr r="0" g="0" b="0"/>
+      </a:lnRef>
+      <a:fillRef idx="1">
+        <a:scrgbClr r="0" g="0" b="0"/>
+      </a:fillRef>
+      <a:effectRef idx="0">
+        <a:scrgbClr r="0" g="0" b="0"/>
+      </a:effectRef>
+      <a:fontRef idx="minor">
+        <a:schemeClr val="lt1"/>
+      </a:fontRef>
+    </dgm:style>
+  </dgm:styleLbl>
+  <dgm:styleLbl name="node2">
+    <dgm:scene3d>
+      <a:camera prst="orthographicFront"/>
+      <a:lightRig rig="threePt" dir="t"/>
+    </dgm:scene3d>
+    <dgm:sp3d/>
+    <dgm:txPr/>
+    <dgm:style>
+      <a:lnRef idx="2">
+        <a:scrgbClr r="0" g="0" b="0"/>
+      </a:lnRef>
+      <a:fillRef idx="1">
+        <a:scrgbClr r="0" g="0" b="0"/>
+      </a:fillRef>
+      <a:effectRef idx="0">
+        <a:scrgbClr r="0" g="0" b="0"/>
+      </a:effectRef>
+      <a:fontRef idx="minor">
+        <a:schemeClr val="lt1"/>
+      </a:fontRef>
+    </dgm:style>
+  </dgm:styleLbl>
+  <dgm:styleLbl name="node3">
+    <dgm:scene3d>
+      <a:camera prst="orthographicFront"/>
+      <a:lightRig rig="threePt" dir="t"/>
+    </dgm:scene3d>
+    <dgm:sp3d/>
+    <dgm:txPr/>
+    <dgm:style>
+      <a:lnRef idx="2">
+        <a:scrgbClr r="0" g="0" b="0"/>
+      </a:lnRef>
+      <a:fillRef idx="1">
+        <a:scrgbClr r="0" g="0" b="0"/>
+      </a:fillRef>
+      <a:effectRef idx="0">
+        <a:scrgbClr r="0" g="0" b="0"/>
+      </a:effectRef>
+      <a:fontRef idx="minor">
+        <a:schemeClr val="lt1"/>
+      </a:fontRef>
+    </dgm:style>
+  </dgm:styleLbl>
+  <dgm:styleLbl name="node4">
+    <dgm:scene3d>
+      <a:camera prst="orthographicFront"/>
+      <a:lightRig rig="threePt" dir="t"/>
+    </dgm:scene3d>
+    <dgm:sp3d/>
+    <dgm:txPr/>
+    <dgm:style>
+      <a:lnRef idx="2">
+        <a:scrgbClr r="0" g="0" b="0"/>
+      </a:lnRef>
+      <a:fillRef idx="1">
+        <a:scrgbClr r="0" g="0" b="0"/>
+      </a:fillRef>
+      <a:effectRef idx="0">
+        <a:scrgbClr r="0" g="0" b="0"/>
+      </a:effectRef>
+      <a:fontRef idx="minor">
+        <a:schemeClr val="lt1"/>
+      </a:fontRef>
+    </dgm:style>
+  </dgm:styleLbl>
+  <dgm:styleLbl name="fgImgPlace1">
+    <dgm:scene3d>
+      <a:camera prst="orthographicFront"/>
+      <a:lightRig rig="threePt" dir="t"/>
+    </dgm:scene3d>
+    <dgm:sp3d/>
+    <dgm:txPr/>
+    <dgm:style>
+      <a:lnRef idx="2">
+        <a:scrgbClr r="0" g="0" b="0"/>
+      </a:lnRef>
+      <a:fillRef idx="1">
+        <a:scrgbClr r="0" g="0" b="0"/>
+      </a:fillRef>
+      <a:effectRef idx="0">
+        <a:scrgbClr r="0" g="0" b="0"/>
+      </a:effectRef>
+      <a:fontRef idx="minor"/>
+    </dgm:style>
+  </dgm:styleLbl>
+  <dgm:styleLbl name="alignImgPlace1">
+    <dgm:scene3d>
+      <a:camera prst="orthographicFront"/>
+      <a:lightRig rig="threePt" dir="t"/>
+    </dgm:scene3d>
+    <dgm:sp3d/>
+    <dgm:txPr/>
+    <dgm:style>
+      <a:lnRef idx="2">
+        <a:scrgbClr r="0" g="0" b="0"/>
+      </a:lnRef>
+      <a:fillRef idx="1">
+        <a:scrgbClr r="0" g="0" b="0"/>
+      </a:fillRef>
+      <a:effectRef idx="0">
+        <a:scrgbClr r="0" g="0" b="0"/>
+      </a:effectRef>
+      <a:fontRef idx="minor"/>
+    </dgm:style>
+  </dgm:styleLbl>
+  <dgm:styleLbl name="bgImgPlace1">
+    <dgm:scene3d>
+      <a:camera prst="orthographicFront"/>
+      <a:lightRig rig="threePt" dir="t"/>
+    </dgm:scene3d>
+    <dgm:sp3d/>
+    <dgm:txPr/>
+    <dgm:style>
+      <a:lnRef idx="2">
+        <a:scrgbClr r="0" g="0" b="0"/>
+      </a:lnRef>
+      <a:fillRef idx="1">
+        <a:scrgbClr r="0" g="0" b="0"/>
+      </a:fillRef>
+      <a:effectRef idx="0">
+        <a:scrgbClr r="0" g="0" b="0"/>
+      </a:effectRef>
+      <a:fontRef idx="minor"/>
+    </dgm:style>
+  </dgm:styleLbl>
+  <dgm:styleLbl name="sibTrans2D1">
+    <dgm:scene3d>
+      <a:camera prst="orthographicFront"/>
+      <a:lightRig rig="threePt" dir="t"/>
+    </dgm:scene3d>
+    <dgm:sp3d/>
+    <dgm:txPr/>
+    <dgm:style>
+      <a:lnRef idx="0">
+        <a:scrgbClr r="0" g="0" b="0"/>
+      </a:lnRef>
+      <a:fillRef idx="1">
+        <a:scrgbClr r="0" g="0" b="0"/>
+      </a:fillRef>
+      <a:effectRef idx="0">
+        <a:scrgbClr r="0" g="0" b="0"/>
+      </a:effectRef>
+      <a:fontRef idx="minor">
+        <a:schemeClr val="lt1"/>
+      </a:fontRef>
+    </dgm:style>
+  </dgm:styleLbl>
+  <dgm:styleLbl name="fgSibTrans2D1">
+    <dgm:scene3d>
+      <a:camera prst="orthographicFront"/>
+      <a:lightRig rig="threePt" dir="t"/>
+    </dgm:scene3d>
+    <dgm:sp3d/>
+    <dgm:txPr/>
+    <dgm:style>
+      <a:lnRef idx="0">
+        <a:scrgbClr r="0" g="0" b="0"/>
+      </a:lnRef>
+      <a:fillRef idx="1">
+        <a:scrgbClr r="0" g="0" b="0"/>
+      </a:fillRef>
+      <a:effectRef idx="0">
+        <a:scrgbClr r="0" g="0" b="0"/>
+      </a:effectRef>
+      <a:fontRef idx="minor">
+        <a:schemeClr val="lt1"/>
+      </a:fontRef>
+    </dgm:style>
+  </dgm:styleLbl>
+  <dgm:styleLbl name="bgSibTrans2D1">
+    <dgm:scene3d>
+      <a:camera prst="orthographicFront"/>
+      <a:lightRig rig="threePt" dir="t"/>
+    </dgm:scene3d>
+    <dgm:sp3d/>
+    <dgm:txPr/>
+    <dgm:style>
+      <a:lnRef idx="0">
+        <a:scrgbClr r="0" g="0" b="0"/>
+      </a:lnRef>
+      <a:fillRef idx="1">
+        <a:scrgbClr r="0" g="0" b="0"/>
+      </a:fillRef>
+      <a:effectRef idx="0">
+        <a:scrgbClr r="0" g="0" b="0"/>
+      </a:effectRef>
+      <a:fontRef idx="minor">
+        <a:schemeClr val="lt1"/>
+      </a:fontRef>
+    </dgm:style>
+  </dgm:styleLbl>
+  <dgm:styleLbl name="sibTrans1D1">
+    <dgm:scene3d>
+      <a:camera prst="orthographicFront"/>
+      <a:lightRig rig="threePt" dir="t"/>
+    </dgm:scene3d>
+    <dgm:sp3d/>
+    <dgm:txPr/>
+    <dgm:style>
+      <a:lnRef idx="1">
+        <a:scrgbClr r="0" g="0" b="0"/>
+      </a:lnRef>
+      <a:fillRef idx="0">
+        <a:scrgbClr r="0" g="0" b="0"/>
+      </a:fillRef>
+      <a:effectRef idx="0">
+        <a:scrgbClr r="0" g="0" b="0"/>
+      </a:effectRef>
+      <a:fontRef idx="minor"/>
+    </dgm:style>
+  </dgm:styleLbl>
+  <dgm:styleLbl name="callout">
+    <dgm:scene3d>
+      <a:camera prst="orthographicFront"/>
+      <a:lightRig rig="threePt" dir="t"/>
+    </dgm:scene3d>
+    <dgm:sp3d/>
+    <dgm:txPr/>
+    <dgm:style>
+      <a:lnRef idx="2">
+        <a:scrgbClr r="0" g="0" b="0"/>
+      </a:lnRef>
+      <a:fillRef idx="1">
+        <a:scrgbClr r="0" g="0" b="0"/>
+      </a:fillRef>
+      <a:effectRef idx="0">
+        <a:scrgbClr r="0" g="0" b="0"/>
+      </a:effectRef>
+      <a:fontRef idx="minor"/>
+    </dgm:style>
+  </dgm:styleLbl>
+  <dgm:styleLbl name="asst0">
+    <dgm:scene3d>
+      <a:camera prst="orthographicFront"/>
+      <a:lightRig rig="threePt" dir="t"/>
+    </dgm:scene3d>
+    <dgm:sp3d/>
+    <dgm:txPr/>
+    <dgm:style>
+      <a:lnRef idx="2">
+        <a:scrgbClr r="0" g="0" b="0"/>
+      </a:lnRef>
+      <a:fillRef idx="1">
+        <a:scrgbClr r="0" g="0" b="0"/>
+      </a:fillRef>
+      <a:effectRef idx="0">
+        <a:scrgbClr r="0" g="0" b="0"/>
+      </a:effectRef>
+      <a:fontRef idx="minor">
+        <a:schemeClr val="lt1"/>
+      </a:fontRef>
+    </dgm:style>
+  </dgm:styleLbl>
+  <dgm:styleLbl name="asst1">
+    <dgm:scene3d>
+      <a:camera prst="orthographicFront"/>
+      <a:lightRig rig="threePt" dir="t"/>
+    </dgm:scene3d>
+    <dgm:sp3d/>
+    <dgm:txPr/>
+    <dgm:style>
+      <a:lnRef idx="2">
+        <a:scrgbClr r="0" g="0" b="0"/>
+      </a:lnRef>
+      <a:fillRef idx="1">
+        <a:scrgbClr r="0" g="0" b="0"/>
+      </a:fillRef>
+      <a:effectRef idx="0">
+        <a:scrgbClr r="0" g="0" b="0"/>
+      </a:effectRef>
+      <a:fontRef idx="minor">
+        <a:schemeClr val="lt1"/>
+      </a:fontRef>
+    </dgm:style>
+  </dgm:styleLbl>
+  <dgm:styleLbl name="asst2">
+    <dgm:scene3d>
+      <a:camera prst="orthographicFront"/>
+      <a:lightRig rig="threePt" dir="t"/>
+    </dgm:scene3d>
+    <dgm:sp3d/>
+    <dgm:txPr/>
+    <dgm:style>
+      <a:lnRef idx="2">
+        <a:scrgbClr r="0" g="0" b="0"/>
+      </a:lnRef>
+      <a:fillRef idx="1">
+        <a:scrgbClr r="0" g="0" b="0"/>
+      </a:fillRef>
+      <a:effectRef idx="0">
+        <a:scrgbClr r="0" g="0" b="0"/>
+      </a:effectRef>
+      <a:fontRef idx="minor">
+        <a:schemeClr val="lt1"/>
+      </a:fontRef>
+    </dgm:style>
+  </dgm:styleLbl>
+  <dgm:styleLbl name="asst3">
+    <dgm:scene3d>
+      <a:camera prst="orthographicFront"/>
+      <a:lightRig rig="threePt" dir="t"/>
+    </dgm:scene3d>
+    <dgm:sp3d/>
+    <dgm:txPr/>
+    <dgm:style>
+      <a:lnRef idx="2">
+        <a:scrgbClr r="0" g="0" b="0"/>
+      </a:lnRef>
+      <a:fillRef idx="1">
+        <a:scrgbClr r="0" g="0" b="0"/>
+      </a:fillRef>
+      <a:effectRef idx="0">
+        <a:scrgbClr r="0" g="0" b="0"/>
+      </a:effectRef>
+      <a:fontRef idx="minor">
+        <a:schemeClr val="lt1"/>
+      </a:fontRef>
+    </dgm:style>
+  </dgm:styleLbl>
+  <dgm:styleLbl name="asst4">
+    <dgm:scene3d>
+      <a:camera prst="orthographicFront"/>
+      <a:lightRig rig="threePt" dir="t"/>
+    </dgm:scene3d>
+    <dgm:sp3d/>
+    <dgm:txPr/>
+    <dgm:style>
+      <a:lnRef idx="2">
+        <a:scrgbClr r="0" g="0" b="0"/>
+      </a:lnRef>
+      <a:fillRef idx="1">
+        <a:scrgbClr r="0" g="0" b="0"/>
+      </a:fillRef>
+      <a:effectRef idx="0">
+        <a:scrgbClr r="0" g="0" b="0"/>
+      </a:effectRef>
+      <a:fontRef idx="minor">
+        <a:schemeClr val="lt1"/>
+      </a:fontRef>
+    </dgm:style>
+  </dgm:styleLbl>
+  <dgm:styleLbl name="parChTrans2D1">
+    <dgm:scene3d>
+      <a:camera prst="orthographicFront"/>
+      <a:lightRig rig="threePt" dir="t"/>
+    </dgm:scene3d>
+    <dgm:sp3d/>
+    <dgm:txPr/>
+    <dgm:style>
+      <a:lnRef idx="2">
+        <a:scrgbClr r="0" g="0" b="0"/>
+      </a:lnRef>
+      <a:fillRef idx="1">
+        <a:scrgbClr r="0" g="0" b="0"/>
+      </a:fillRef>
+      <a:effectRef idx="0">
+        <a:scrgbClr r="0" g="0" b="0"/>
+      </a:effectRef>
+      <a:fontRef idx="minor">
+        <a:schemeClr val="lt1"/>
+      </a:fontRef>
+    </dgm:style>
+  </dgm:styleLbl>
+  <dgm:styleLbl name="parChTrans2D2">
+    <dgm:scene3d>
+      <a:camera prst="orthographicFront"/>
+      <a:lightRig rig="threePt" dir="t"/>
+    </dgm:scene3d>
+    <dgm:sp3d/>
+    <dgm:txPr/>
+    <dgm:style>
+      <a:lnRef idx="2">
+        <a:scrgbClr r="0" g="0" b="0"/>
+      </a:lnRef>
+      <a:fillRef idx="1">
+        <a:scrgbClr r="0" g="0" b="0"/>
+      </a:fillRef>
+      <a:effectRef idx="0">
+        <a:scrgbClr r="0" g="0" b="0"/>
+      </a:effectRef>
+      <a:fontRef idx="minor">
+        <a:schemeClr val="lt1"/>
+      </a:fontRef>
+    </dgm:style>
+  </dgm:styleLbl>
+  <dgm:styleLbl name="parChTrans2D3">
+    <dgm:scene3d>
+      <a:camera prst="orthographicFront"/>
+      <a:lightRig rig="threePt" dir="t"/>
+    </dgm:scene3d>
+    <dgm:sp3d/>
+    <dgm:txPr/>
+    <dgm:style>
+      <a:lnRef idx="2">
+        <a:scrgbClr r="0" g="0" b="0"/>
+      </a:lnRef>
+      <a:fillRef idx="1">
+        <a:scrgbClr r="0" g="0" b="0"/>
+      </a:fillRef>
+      <a:effectRef idx="0">
+        <a:scrgbClr r="0" g="0" b="0"/>
+      </a:effectRef>
+      <a:fontRef idx="minor">
+        <a:schemeClr val="lt1"/>
+      </a:fontRef>
+    </dgm:style>
+  </dgm:styleLbl>
+  <dgm:styleLbl name="parChTrans2D4">
+    <dgm:scene3d>
+      <a:camera prst="orthographicFront"/>
+      <a:lightRig rig="threePt" dir="t"/>
+    </dgm:scene3d>
+    <dgm:sp3d/>
+    <dgm:txPr/>
+    <dgm:style>
+      <a:lnRef idx="2">
+        <a:scrgbClr r="0" g="0" b="0"/>
+      </a:lnRef>
+      <a:fillRef idx="1">
+        <a:scrgbClr r="0" g="0" b="0"/>
+      </a:fillRef>
+      <a:effectRef idx="0">
+        <a:scrgbClr r="0" g="0" b="0"/>
+      </a:effectRef>
+      <a:fontRef idx="minor">
+        <a:schemeClr val="lt1"/>
+      </a:fontRef>
+    </dgm:style>
+  </dgm:styleLbl>
+  <dgm:styleLbl name="parChTrans1D1">
+    <dgm:scene3d>
+      <a:camera prst="orthographicFront"/>
+      <a:lightRig rig="threePt" dir="t"/>
+    </dgm:scene3d>
+    <dgm:sp3d/>
+    <dgm:txPr/>
+    <dgm:style>
+      <a:lnRef idx="2">
+        <a:scrgbClr r="0" g="0" b="0"/>
+      </a:lnRef>
+      <a:fillRef idx="0">
+        <a:scrgbClr r="0" g="0" b="0"/>
+      </a:fillRef>
+      <a:effectRef idx="0">
+        <a:scrgbClr r="0" g="0" b="0"/>
+      </a:effectRef>
+      <a:fontRef idx="minor"/>
+    </dgm:style>
+  </dgm:styleLbl>
+  <dgm:styleLbl name="parChTrans1D2">
+    <dgm:scene3d>
+      <a:camera prst="orthographicFront"/>
+      <a:lightRig rig="threePt" dir="t"/>
+    </dgm:scene3d>
+    <dgm:sp3d/>
+    <dgm:txPr/>
+    <dgm:style>
+      <a:lnRef idx="2">
+        <a:scrgbClr r="0" g="0" b="0"/>
+      </a:lnRef>
+      <a:fillRef idx="0">
+        <a:scrgbClr r="0" g="0" b="0"/>
+      </a:fillRef>
+      <a:effectRef idx="0">
+        <a:scrgbClr r="0" g="0" b="0"/>
+      </a:effectRef>
+      <a:fontRef idx="minor"/>
+    </dgm:style>
+  </dgm:styleLbl>
+  <dgm:styleLbl name="parChTrans1D3">
+    <dgm:scene3d>
+      <a:camera prst="orthographicFront"/>
+      <a:lightRig rig="threePt" dir="t"/>
+    </dgm:scene3d>
+    <dgm:sp3d/>
+    <dgm:txPr/>
+    <dgm:style>
+      <a:lnRef idx="2">
+        <a:scrgbClr r="0" g="0" b="0"/>
+      </a:lnRef>
+      <a:fillRef idx="0">
+        <a:scrgbClr r="0" g="0" b="0"/>
+      </a:fillRef>
+      <a:effectRef idx="0">
+        <a:scrgbClr r="0" g="0" b="0"/>
+      </a:effectRef>
+      <a:fontRef idx="minor"/>
+    </dgm:style>
+  </dgm:styleLbl>
+  <dgm:styleLbl name="parChTrans1D4">
+    <dgm:scene3d>
+      <a:camera prst="orthographicFront"/>
+      <a:lightRig rig="threePt" dir="t"/>
+    </dgm:scene3d>
+    <dgm:sp3d/>
+    <dgm:txPr/>
+    <dgm:style>
+      <a:lnRef idx="2">
+        <a:scrgbClr r="0" g="0" b="0"/>
+      </a:lnRef>
+      <a:fillRef idx="0">
+        <a:scrgbClr r="0" g="0" b="0"/>
+      </a:fillRef>
+      <a:effectRef idx="0">
+        <a:scrgbClr r="0" g="0" b="0"/>
+      </a:effectRef>
+      <a:fontRef idx="minor"/>
+    </dgm:style>
+  </dgm:styleLbl>
+  <dgm:styleLbl name="fgAcc1">
+    <dgm:scene3d>
+      <a:camera prst="orthographicFront"/>
+      <a:lightRig rig="threePt" dir="t"/>
+    </dgm:scene3d>
+    <dgm:sp3d/>
+    <dgm:txPr/>
+    <dgm:style>
+      <a:lnRef idx="2">
+        <a:scrgbClr r="0" g="0" b="0"/>
+      </a:lnRef>
+      <a:fillRef idx="1">
+        <a:scrgbClr r="0" g="0" b="0"/>
+      </a:fillRef>
+      <a:effectRef idx="0">
+        <a:scrgbClr r="0" g="0" b="0"/>
+      </a:effectRef>
+      <a:fontRef idx="minor"/>
+    </dgm:style>
+  </dgm:styleLbl>
+  <dgm:styleLbl name="conFgAcc1">
+    <dgm:scene3d>
+      <a:camera prst="orthographicFront"/>
+      <a:lightRig rig="threePt" dir="t"/>
+    </dgm:scene3d>
+    <dgm:sp3d/>
+    <dgm:txPr/>
+    <dgm:style>
+      <a:lnRef idx="2">
+        <a:scrgbClr r="0" g="0" b="0"/>
+      </a:lnRef>
+      <a:fillRef idx="1">
+        <a:scrgbClr r="0" g="0" b="0"/>
+      </a:fillRef>
+      <a:effectRef idx="0">
+        <a:scrgbClr r="0" g="0" b="0"/>
+      </a:effectRef>
+      <a:fontRef idx="minor"/>
+    </dgm:style>
+  </dgm:styleLbl>
+  <dgm:styleLbl name="alignAcc1">
+    <dgm:scene3d>
+      <a:camera prst="orthographicFront"/>
+      <a:lightRig rig="threePt" dir="t"/>
+    </dgm:scene3d>
+    <dgm:sp3d/>
+    <dgm:txPr/>
+    <dgm:style>
+      <a:lnRef idx="2">
+        <a:scrgbClr r="0" g="0" b="0"/>
+      </a:lnRef>
+      <a:fillRef idx="1">
+        <a:scrgbClr r="0" g="0" b="0"/>
+      </a:fillRef>
+      <a:effectRef idx="0">
+        <a:scrgbClr r="0" g="0" b="0"/>
+      </a:effectRef>
+      <a:fontRef idx="minor"/>
+    </dgm:style>
+  </dgm:styleLbl>
+  <dgm:styleLbl name="trAlignAcc1">
+    <dgm:scene3d>
+      <a:camera prst="orthographicFront"/>
+      <a:lightRig rig="threePt" dir="t"/>
+    </dgm:scene3d>
+    <dgm:sp3d/>
+    <dgm:txPr/>
+    <dgm:style>
+      <a:lnRef idx="1">
+        <a:scrgbClr r="0" g="0" b="0"/>
+      </a:lnRef>
+      <a:fillRef idx="1">
+        <a:scrgbClr r="0" g="0" b="0"/>
+      </a:fillRef>
+      <a:effectRef idx="0">
+        <a:scrgbClr r="0" g="0" b="0"/>
+      </a:effectRef>
+      <a:fontRef idx="minor"/>
+    </dgm:style>
+  </dgm:styleLbl>
+  <dgm:styleLbl name="bgAcc1">
+    <dgm:scene3d>
+      <a:camera prst="orthographicFront"/>
+      <a:lightRig rig="threePt" dir="t"/>
+    </dgm:scene3d>
+    <dgm:sp3d/>
+    <dgm:txPr/>
+    <dgm:style>
+      <a:lnRef idx="2">
+        <a:scrgbClr r="0" g="0" b="0"/>
+      </a:lnRef>
+      <a:fillRef idx="1">
+        <a:scrgbClr r="0" g="0" b="0"/>
+      </a:fillRef>
+      <a:effectRef idx="0">
+        <a:scrgbClr r="0" g="0" b="0"/>
+      </a:effectRef>
+      <a:fontRef idx="minor"/>
+    </dgm:style>
+  </dgm:styleLbl>
+  <dgm:styleLbl name="solidFgAcc1">
+    <dgm:scene3d>
+      <a:camera prst="orthographicFront"/>
+      <a:lightRig rig="threePt" dir="t"/>
+    </dgm:scene3d>
+    <dgm:sp3d/>
+    <dgm:txPr/>
+    <dgm:style>
+      <a:lnRef idx="2">
+        <a:scrgbClr r="0" g="0" b="0"/>
+      </a:lnRef>
+      <a:fillRef idx="1">
+        <a:scrgbClr r="0" g="0" b="0"/>
+      </a:fillRef>
+      <a:effectRef idx="0">
+        <a:scrgbClr r="0" g="0" b="0"/>
+      </a:effectRef>
+      <a:fontRef idx="minor"/>
+    </dgm:style>
+  </dgm:styleLbl>
+  <dgm:styleLbl name="solidAlignAcc1">
+    <dgm:scene3d>
+      <a:camera prst="orthographicFront"/>
+      <a:lightRig rig="threePt" dir="t"/>
+    </dgm:scene3d>
+    <dgm:sp3d/>
+    <dgm:txPr/>
+    <dgm:style>
+      <a:lnRef idx="2">
+        <a:scrgbClr r="0" g="0" b="0"/>
+      </a:lnRef>
+      <a:fillRef idx="1">
+        <a:scrgbClr r="0" g="0" b="0"/>
+      </a:fillRef>
+      <a:effectRef idx="0">
+        <a:scrgbClr r="0" g="0" b="0"/>
+      </a:effectRef>
+      <a:fontRef idx="minor"/>
+    </dgm:style>
+  </dgm:styleLbl>
+  <dgm:styleLbl name="solidBgAcc1">
+    <dgm:scene3d>
+      <a:camera prst="orthographicFront"/>
+      <a:lightRig rig="threePt" dir="t"/>
+    </dgm:scene3d>
+    <dgm:sp3d/>
+    <dgm:txPr/>
+    <dgm:style>
+      <a:lnRef idx="2">
+        <a:scrgbClr r="0" g="0" b="0"/>
+      </a:lnRef>
+      <a:fillRef idx="1">
+        <a:scrgbClr r="0" g="0" b="0"/>
+      </a:fillRef>
+      <a:effectRef idx="0">
+        <a:scrgbClr r="0" g="0" b="0"/>
+      </a:effectRef>
+      <a:fontRef idx="minor"/>
+    </dgm:style>
+  </dgm:styleLbl>
+  <dgm:styleLbl name="fgAccFollowNode1">
+    <dgm:scene3d>
+      <a:camera prst="orthographicFront"/>
+      <a:lightRig rig="threePt" dir="t"/>
+    </dgm:scene3d>
+    <dgm:sp3d/>
+    <dgm:txPr/>
+    <dgm:style>
+      <a:lnRef idx="2">
+        <a:scrgbClr r="0" g="0" b="0"/>
+      </a:lnRef>
+      <a:fillRef idx="1">
+        <a:scrgbClr r="0" g="0" b="0"/>
+      </a:fillRef>
+      <a:effectRef idx="0">
+        <a:scrgbClr r="0" g="0" b="0"/>
+      </a:effectRef>
+      <a:fontRef idx="minor"/>
+    </dgm:style>
+  </dgm:styleLbl>
+  <dgm:styleLbl name="alignAccFollowNode1">
+    <dgm:scene3d>
+      <a:camera prst="orthographicFront"/>
+      <a:lightRig rig="threePt" dir="t"/>
+    </dgm:scene3d>
+    <dgm:sp3d/>
+    <dgm:txPr/>
+    <dgm:style>
+      <a:lnRef idx="2">
+        <a:scrgbClr r="0" g="0" b="0"/>
+      </a:lnRef>
+      <a:fillRef idx="1">
+        <a:scrgbClr r="0" g="0" b="0"/>
+      </a:fillRef>
+      <a:effectRef idx="0">
+        <a:scrgbClr r="0" g="0" b="0"/>
+      </a:effectRef>
+      <a:fontRef idx="minor"/>
+    </dgm:style>
+  </dgm:styleLbl>
+  <dgm:styleLbl name="bgAccFollowNode1">
+    <dgm:scene3d>
+      <a:camera prst="orthographicFront"/>
+      <a:lightRig rig="threePt" dir="t"/>
+    </dgm:scene3d>
+    <dgm:sp3d/>
+    <dgm:txPr/>
+    <dgm:style>
+      <a:lnRef idx="2">
+        <a:scrgbClr r="0" g="0" b="0"/>
+      </a:lnRef>
+      <a:fillRef idx="1">
+        <a:scrgbClr r="0" g="0" b="0"/>
+      </a:fillRef>
+      <a:effectRef idx="0">
+        <a:scrgbClr r="0" g="0" b="0"/>
+      </a:effectRef>
+      <a:fontRef idx="minor"/>
+    </dgm:style>
+  </dgm:styleLbl>
+  <dgm:styleLbl name="fgAcc0">
+    <dgm:scene3d>
+      <a:camera prst="orthographicFront"/>
+      <a:lightRig rig="threePt" dir="t"/>
+    </dgm:scene3d>
+    <dgm:sp3d/>
+    <dgm:txPr/>
+    <dgm:style>
+      <a:lnRef idx="2">
+        <a:scrgbClr r="0" g="0" b="0"/>
+      </a:lnRef>
+      <a:fillRef idx="1">
+        <a:scrgbClr r="0" g="0" b="0"/>
+      </a:fillRef>
+      <a:effectRef idx="0">
+        <a:scrgbClr r="0" g="0" b="0"/>
+      </a:effectRef>
+      <a:fontRef idx="minor"/>
+    </dgm:style>
+  </dgm:styleLbl>
+  <dgm:styleLbl name="fgAcc2">
+    <dgm:scene3d>
+      <a:camera prst="orthographicFront"/>
+      <a:lightRig rig="threePt" dir="t"/>
+    </dgm:scene3d>
+    <dgm:sp3d/>
+    <dgm:txPr/>
+    <dgm:style>
+      <a:lnRef idx="2">
+        <a:scrgbClr r="0" g="0" b="0"/>
+      </a:lnRef>
+      <a:fillRef idx="1">
+        <a:scrgbClr r="0" g="0" b="0"/>
+      </a:fillRef>
+      <a:effectRef idx="0">
+        <a:scrgbClr r="0" g="0" b="0"/>
+      </a:effectRef>
+      <a:fontRef idx="minor"/>
+    </dgm:style>
+  </dgm:styleLbl>
+  <dgm:styleLbl name="fgAcc3">
+    <dgm:scene3d>
+      <a:camera prst="orthographicFront"/>
+      <a:lightRig rig="threePt" dir="t"/>
+    </dgm:scene3d>
+    <dgm:sp3d/>
+    <dgm:txPr/>
+    <dgm:style>
+      <a:lnRef idx="2">
+        <a:scrgbClr r="0" g="0" b="0"/>
+      </a:lnRef>
+      <a:fillRef idx="1">
+        <a:scrgbClr r="0" g="0" b="0"/>
+      </a:fillRef>
+      <a:effectRef idx="0">
+        <a:scrgbClr r="0" g="0" b="0"/>
+      </a:effectRef>
+      <a:fontRef idx="minor"/>
+    </dgm:style>
+  </dgm:styleLbl>
+  <dgm:styleLbl name="fgAcc4">
+    <dgm:scene3d>
+      <a:camera prst="orthographicFront"/>
+      <a:lightRig rig="threePt" dir="t"/>
+    </dgm:scene3d>
+    <dgm:sp3d/>
+    <dgm:txPr/>
+    <dgm:style>
+      <a:lnRef idx="2">
+        <a:scrgbClr r="0" g="0" b="0"/>
+      </a:lnRef>
+      <a:fillRef idx="1">
+        <a:scrgbClr r="0" g="0" b="0"/>
+      </a:fillRef>
+      <a:effectRef idx="0">
+        <a:scrgbClr r="0" g="0" b="0"/>
+      </a:effectRef>
+      <a:fontRef idx="minor"/>
+    </dgm:style>
+  </dgm:styleLbl>
+  <dgm:styleLbl name="bgShp">
+    <dgm:scene3d>
+      <a:camera prst="orthographicFront"/>
+      <a:lightRig rig="threePt" dir="t"/>
+    </dgm:scene3d>
+    <dgm:sp3d/>
+    <dgm:txPr/>
+    <dgm:style>
+      <a:lnRef idx="0">
+        <a:scrgbClr r="0" g="0" b="0"/>
+      </a:lnRef>
+      <a:fillRef idx="1">
+        <a:scrgbClr r="0" g="0" b="0"/>
+      </a:fillRef>
+      <a:effectRef idx="0">
+        <a:scrgbClr r="0" g="0" b="0"/>
+      </a:effectRef>
+      <a:fontRef idx="minor"/>
+    </dgm:style>
+  </dgm:styleLbl>
+  <dgm:styleLbl name="dkBgShp">
+    <dgm:scene3d>
+      <a:camera prst="orthographicFront"/>
+      <a:lightRig rig="threePt" dir="t"/>
+    </dgm:scene3d>
+    <dgm:sp3d/>
+    <dgm:txPr/>
+    <dgm:style>
+      <a:lnRef idx="0">
+        <a:scrgbClr r="0" g="0" b="0"/>
+      </a:lnRef>
+      <a:fillRef idx="1">
+        <a:scrgbClr r="0" g="0" b="0"/>
+      </a:fillRef>
+      <a:effectRef idx="0">
+        <a:scrgbClr r="0" g="0" b="0"/>
+      </a:effectRef>
+      <a:fontRef idx="minor"/>
+    </dgm:style>
+  </dgm:styleLbl>
+  <dgm:styleLbl name="trBgShp">
+    <dgm:scene3d>
+      <a:camera prst="orthographicFront"/>
+      <a:lightRig rig="threePt" dir="t"/>
+    </dgm:scene3d>
+    <dgm:sp3d/>
+    <dgm:txPr/>
+    <dgm:style>
+      <a:lnRef idx="0">
+        <a:scrgbClr r="0" g="0" b="0"/>
+      </a:lnRef>
+      <a:fillRef idx="1">
+        <a:scrgbClr r="0" g="0" b="0"/>
+      </a:fillRef>
+      <a:effectRef idx="0">
+        <a:scrgbClr r="0" g="0" b="0"/>
+      </a:effectRef>
+      <a:fontRef idx="minor"/>
+    </dgm:style>
+  </dgm:styleLbl>
+  <dgm:styleLbl name="fgShp">
+    <dgm:scene3d>
+      <a:camera prst="orthographicFront"/>
+      <a:lightRig rig="threePt" dir="t"/>
+    </dgm:scene3d>
+    <dgm:sp3d/>
+    <dgm:txPr/>
+    <dgm:style>
+      <a:lnRef idx="2">
+        <a:scrgbClr r="0" g="0" b="0"/>
+      </a:lnRef>
+      <a:fillRef idx="1">
+        <a:scrgbClr r="0" g="0" b="0"/>
+      </a:fillRef>
+      <a:effectRef idx="0">
+        <a:scrgbClr r="0" g="0" b="0"/>
+      </a:effectRef>
+      <a:fontRef idx="minor"/>
+    </dgm:style>
+  </dgm:styleLbl>
+  <dgm:styleLbl name="revTx">
+    <dgm:scene3d>
+      <a:camera prst="orthographicFront"/>
+      <a:lightRig rig="threePt" dir="t"/>
+    </dgm:scene3d>
+    <dgm:sp3d/>
+    <dgm:txPr/>
+    <dgm:style>
+      <a:lnRef idx="0">
+        <a:scrgbClr r="0" g="0" b="0"/>
+      </a:lnRef>
+      <a:fillRef idx="0">
+        <a:scrgbClr r="0" g="0" b="0"/>
+      </a:fillRef>
+      <a:effectRef idx="0">
+        <a:scrgbClr r="0" g="0" b="0"/>
+      </a:effectRef>
+      <a:fontRef idx="minor"/>
+    </dgm:style>
+  </dgm:styleLbl>
+</dgm:styleDef>
+</file>
+
+<file path=ppt/diagrams/quickStyle3.xml><?xml version="1.0" encoding="utf-8"?>
+<dgm:styleDef xmlns:dgm="http://schemas.openxmlformats.org/drawingml/2006/diagram" xmlns:a="http://schemas.openxmlformats.org/drawingml/2006/main" uniqueId="urn:microsoft.com/office/officeart/2005/8/quickstyle/simple1">
+  <dgm:title val=""/>
+  <dgm:desc val=""/>
+  <dgm:catLst>
+    <dgm:cat type="simple" pri="10100"/>
+  </dgm:catLst>
+  <dgm:scene3d>
+    <a:camera prst="orthographicFront"/>
+    <a:lightRig rig="threePt" dir="t"/>
+  </dgm:scene3d>
+  <dgm:styleLbl name="node0">
+    <dgm:scene3d>
+      <a:camera prst="orthographicFront"/>
+      <a:lightRig rig="threePt" dir="t"/>
+    </dgm:scene3d>
+    <dgm:sp3d/>
+    <dgm:txPr/>
+    <dgm:style>
+      <a:lnRef idx="2">
+        <a:scrgbClr r="0" g="0" b="0"/>
+      </a:lnRef>
+      <a:fillRef idx="1">
+        <a:scrgbClr r="0" g="0" b="0"/>
+      </a:fillRef>
+      <a:effectRef idx="0">
+        <a:scrgbClr r="0" g="0" b="0"/>
+      </a:effectRef>
+      <a:fontRef idx="minor">
+        <a:schemeClr val="lt1"/>
+      </a:fontRef>
+    </dgm:style>
+  </dgm:styleLbl>
+  <dgm:styleLbl name="lnNode1">
+    <dgm:scene3d>
+      <a:camera prst="orthographicFront"/>
+      <a:lightRig rig="threePt" dir="t"/>
+    </dgm:scene3d>
+    <dgm:sp3d/>
+    <dgm:txPr/>
+    <dgm:style>
+      <a:lnRef idx="2">
+        <a:scrgbClr r="0" g="0" b="0"/>
+      </a:lnRef>
+      <a:fillRef idx="1">
+        <a:scrgbClr r="0" g="0" b="0"/>
+      </a:fillRef>
+      <a:effectRef idx="0">
+        <a:scrgbClr r="0" g="0" b="0"/>
+      </a:effectRef>
+      <a:fontRef idx="minor">
+        <a:schemeClr val="lt1"/>
+      </a:fontRef>
+    </dgm:style>
+  </dgm:styleLbl>
+  <dgm:styleLbl name="vennNode1">
+    <dgm:scene3d>
+      <a:camera prst="orthographicFront"/>
+      <a:lightRig rig="threePt" dir="t"/>
+    </dgm:scene3d>
+    <dgm:sp3d/>
+    <dgm:txPr/>
+    <dgm:style>
+      <a:lnRef idx="2">
+        <a:scrgbClr r="0" g="0" b="0"/>
+      </a:lnRef>
+      <a:fillRef idx="1">
+        <a:scrgbClr r="0" g="0" b="0"/>
+      </a:fillRef>
+      <a:effectRef idx="0">
+        <a:scrgbClr r="0" g="0" b="0"/>
+      </a:effectRef>
+      <a:fontRef idx="minor">
+        <a:schemeClr val="tx1"/>
+      </a:fontRef>
+    </dgm:style>
+  </dgm:styleLbl>
+  <dgm:styleLbl name="alignNode1">
+    <dgm:scene3d>
+      <a:camera prst="orthographicFront"/>
+      <a:lightRig rig="threePt" dir="t"/>
+    </dgm:scene3d>
+    <dgm:sp3d/>
+    <dgm:txPr/>
+    <dgm:style>
+      <a:lnRef idx="2">
+        <a:scrgbClr r="0" g="0" b="0"/>
+      </a:lnRef>
+      <a:fillRef idx="1">
+        <a:scrgbClr r="0" g="0" b="0"/>
+      </a:fillRef>
+      <a:effectRef idx="0">
+        <a:scrgbClr r="0" g="0" b="0"/>
+      </a:effectRef>
+      <a:fontRef idx="minor">
+        <a:schemeClr val="lt1"/>
+      </a:fontRef>
+    </dgm:style>
+  </dgm:styleLbl>
+  <dgm:styleLbl name="node1">
+    <dgm:scene3d>
+      <a:camera prst="orthographicFront"/>
+      <a:lightRig rig="threePt" dir="t"/>
+    </dgm:scene3d>
+    <dgm:sp3d/>
+    <dgm:txPr/>
+    <dgm:style>
+      <a:lnRef idx="2">
+        <a:scrgbClr r="0" g="0" b="0"/>
+      </a:lnRef>
+      <a:fillRef idx="1">
+        <a:scrgbClr r="0" g="0" b="0"/>
+      </a:fillRef>
+      <a:effectRef idx="0">
+        <a:scrgbClr r="0" g="0" b="0"/>
+      </a:effectRef>
+      <a:fontRef idx="minor">
+        <a:schemeClr val="lt1"/>
+      </a:fontRef>
+    </dgm:style>
+  </dgm:styleLbl>
+  <dgm:styleLbl name="node2">
+    <dgm:scene3d>
+      <a:camera prst="orthographicFront"/>
+      <a:lightRig rig="threePt" dir="t"/>
+    </dgm:scene3d>
+    <dgm:sp3d/>
+    <dgm:txPr/>
+    <dgm:style>
+      <a:lnRef idx="2">
+        <a:scrgbClr r="0" g="0" b="0"/>
+      </a:lnRef>
+      <a:fillRef idx="1">
+        <a:scrgbClr r="0" g="0" b="0"/>
+      </a:fillRef>
+      <a:effectRef idx="0">
+        <a:scrgbClr r="0" g="0" b="0"/>
+      </a:effectRef>
+      <a:fontRef idx="minor">
+        <a:schemeClr val="lt1"/>
+      </a:fontRef>
+    </dgm:style>
+  </dgm:styleLbl>
+  <dgm:styleLbl name="node3">
+    <dgm:scene3d>
+      <a:camera prst="orthographicFront"/>
+      <a:lightRig rig="threePt" dir="t"/>
+    </dgm:scene3d>
+    <dgm:sp3d/>
+    <dgm:txPr/>
+    <dgm:style>
+      <a:lnRef idx="2">
+        <a:scrgbClr r="0" g="0" b="0"/>
+      </a:lnRef>
+      <a:fillRef idx="1">
+        <a:scrgbClr r="0" g="0" b="0"/>
+      </a:fillRef>
+      <a:effectRef idx="0">
+        <a:scrgbClr r="0" g="0" b="0"/>
+      </a:effectRef>
+      <a:fontRef idx="minor">
+        <a:schemeClr val="lt1"/>
+      </a:fontRef>
+    </dgm:style>
+  </dgm:styleLbl>
+  <dgm:styleLbl name="node4">
+    <dgm:scene3d>
+      <a:camera prst="orthographicFront"/>
+      <a:lightRig rig="threePt" dir="t"/>
+    </dgm:scene3d>
+    <dgm:sp3d/>
+    <dgm:txPr/>
+    <dgm:style>
+      <a:lnRef idx="2">
+        <a:scrgbClr r="0" g="0" b="0"/>
+      </a:lnRef>
+      <a:fillRef idx="1">
+        <a:scrgbClr r="0" g="0" b="0"/>
+      </a:fillRef>
+      <a:effectRef idx="0">
+        <a:scrgbClr r="0" g="0" b="0"/>
+      </a:effectRef>
+      <a:fontRef idx="minor">
+        <a:schemeClr val="lt1"/>
+      </a:fontRef>
+    </dgm:style>
+  </dgm:styleLbl>
+  <dgm:styleLbl name="fgImgPlace1">
+    <dgm:scene3d>
+      <a:camera prst="orthographicFront"/>
+      <a:lightRig rig="threePt" dir="t"/>
+    </dgm:scene3d>
+    <dgm:sp3d/>
+    <dgm:txPr/>
+    <dgm:style>
+      <a:lnRef idx="2">
+        <a:scrgbClr r="0" g="0" b="0"/>
+      </a:lnRef>
+      <a:fillRef idx="1">
+        <a:scrgbClr r="0" g="0" b="0"/>
+      </a:fillRef>
+      <a:effectRef idx="0">
+        <a:scrgbClr r="0" g="0" b="0"/>
+      </a:effectRef>
+      <a:fontRef idx="minor"/>
+    </dgm:style>
+  </dgm:styleLbl>
+  <dgm:styleLbl name="alignImgPlace1">
+    <dgm:scene3d>
+      <a:camera prst="orthographicFront"/>
+      <a:lightRig rig="threePt" dir="t"/>
+    </dgm:scene3d>
+    <dgm:sp3d/>
+    <dgm:txPr/>
+    <dgm:style>
+      <a:lnRef idx="2">
+        <a:scrgbClr r="0" g="0" b="0"/>
+      </a:lnRef>
+      <a:fillRef idx="1">
+        <a:scrgbClr r="0" g="0" b="0"/>
+      </a:fillRef>
+      <a:effectRef idx="0">
+        <a:scrgbClr r="0" g="0" b="0"/>
+      </a:effectRef>
+      <a:fontRef idx="minor"/>
+    </dgm:style>
+  </dgm:styleLbl>
+  <dgm:styleLbl name="bgImgPlace1">
+    <dgm:scene3d>
+      <a:camera prst="orthographicFront"/>
+      <a:lightRig rig="threePt" dir="t"/>
+    </dgm:scene3d>
+    <dgm:sp3d/>
+    <dgm:txPr/>
+    <dgm:style>
+      <a:lnRef idx="2">
+        <a:scrgbClr r="0" g="0" b="0"/>
+      </a:lnRef>
+      <a:fillRef idx="1">
+        <a:scrgbClr r="0" g="0" b="0"/>
+      </a:fillRef>
+      <a:effectRef idx="0">
+        <a:scrgbClr r="0" g="0" b="0"/>
+      </a:effectRef>
+      <a:fontRef idx="minor"/>
+    </dgm:style>
+  </dgm:styleLbl>
+  <dgm:styleLbl name="sibTrans2D1">
+    <dgm:scene3d>
+      <a:camera prst="orthographicFront"/>
+      <a:lightRig rig="threePt" dir="t"/>
+    </dgm:scene3d>
+    <dgm:sp3d/>
+    <dgm:txPr/>
+    <dgm:style>
+      <a:lnRef idx="0">
+        <a:scrgbClr r="0" g="0" b="0"/>
+      </a:lnRef>
+      <a:fillRef idx="1">
+        <a:scrgbClr r="0" g="0" b="0"/>
+      </a:fillRef>
+      <a:effectRef idx="0">
+        <a:scrgbClr r="0" g="0" b="0"/>
+      </a:effectRef>
+      <a:fontRef idx="minor">
+        <a:schemeClr val="lt1"/>
+      </a:fontRef>
+    </dgm:style>
+  </dgm:styleLbl>
+  <dgm:styleLbl name="fgSibTrans2D1">
+    <dgm:scene3d>
+      <a:camera prst="orthographicFront"/>
+      <a:lightRig rig="threePt" dir="t"/>
+    </dgm:scene3d>
+    <dgm:sp3d/>
+    <dgm:txPr/>
+    <dgm:style>
+      <a:lnRef idx="0">
+        <a:scrgbClr r="0" g="0" b="0"/>
+      </a:lnRef>
+      <a:fillRef idx="1">
+        <a:scrgbClr r="0" g="0" b="0"/>
+      </a:fillRef>
+      <a:effectRef idx="0">
+        <a:scrgbClr r="0" g="0" b="0"/>
+      </a:effectRef>
+      <a:fontRef idx="minor">
+        <a:schemeClr val="lt1"/>
+      </a:fontRef>
+    </dgm:style>
+  </dgm:styleLbl>
+  <dgm:styleLbl name="bgSibTrans2D1">
+    <dgm:scene3d>
+      <a:camera prst="orthographicFront"/>
+      <a:lightRig rig="threePt" dir="t"/>
+    </dgm:scene3d>
+    <dgm:sp3d/>
+    <dgm:txPr/>
+    <dgm:style>
+      <a:lnRef idx="0">
+        <a:scrgbClr r="0" g="0" b="0"/>
+      </a:lnRef>
+      <a:fillRef idx="1">
+        <a:scrgbClr r="0" g="0" b="0"/>
+      </a:fillRef>
+      <a:effectRef idx="0">
+        <a:scrgbClr r="0" g="0" b="0"/>
+      </a:effectRef>
+      <a:fontRef idx="minor">
+        <a:schemeClr val="lt1"/>
+      </a:fontRef>
+    </dgm:style>
+  </dgm:styleLbl>
+  <dgm:styleLbl name="sibTrans1D1">
+    <dgm:scene3d>
+      <a:camera prst="orthographicFront"/>
+      <a:lightRig rig="threePt" dir="t"/>
+    </dgm:scene3d>
+    <dgm:sp3d/>
+    <dgm:txPr/>
+    <dgm:style>
+      <a:lnRef idx="1">
+        <a:scrgbClr r="0" g="0" b="0"/>
+      </a:lnRef>
+      <a:fillRef idx="0">
+        <a:scrgbClr r="0" g="0" b="0"/>
+      </a:fillRef>
+      <a:effectRef idx="0">
+        <a:scrgbClr r="0" g="0" b="0"/>
+      </a:effectRef>
+      <a:fontRef idx="minor"/>
+    </dgm:style>
+  </dgm:styleLbl>
+  <dgm:styleLbl name="callout">
+    <dgm:scene3d>
+      <a:camera prst="orthographicFront"/>
+      <a:lightRig rig="threePt" dir="t"/>
+    </dgm:scene3d>
+    <dgm:sp3d/>
+    <dgm:txPr/>
+    <dgm:style>
+      <a:lnRef idx="2">
+        <a:scrgbClr r="0" g="0" b="0"/>
+      </a:lnRef>
+      <a:fillRef idx="1">
+        <a:scrgbClr r="0" g="0" b="0"/>
+      </a:fillRef>
+      <a:effectRef idx="0">
+        <a:scrgbClr r="0" g="0" b="0"/>
+      </a:effectRef>
+      <a:fontRef idx="minor"/>
+    </dgm:style>
+  </dgm:styleLbl>
+  <dgm:styleLbl name="asst0">
+    <dgm:scene3d>
+      <a:camera prst="orthographicFront"/>
+      <a:lightRig rig="threePt" dir="t"/>
+    </dgm:scene3d>
+    <dgm:sp3d/>
+    <dgm:txPr/>
+    <dgm:style>
+      <a:lnRef idx="2">
+        <a:scrgbClr r="0" g="0" b="0"/>
+      </a:lnRef>
+      <a:fillRef idx="1">
+        <a:scrgbClr r="0" g="0" b="0"/>
+      </a:fillRef>
+      <a:effectRef idx="0">
+        <a:scrgbClr r="0" g="0" b="0"/>
+      </a:effectRef>
+      <a:fontRef idx="minor">
+        <a:schemeClr val="lt1"/>
+      </a:fontRef>
+    </dgm:style>
+  </dgm:styleLbl>
+  <dgm:styleLbl name="asst1">
+    <dgm:scene3d>
+      <a:camera prst="orthographicFront"/>
+      <a:lightRig rig="threePt" dir="t"/>
+    </dgm:scene3d>
+    <dgm:sp3d/>
+    <dgm:txPr/>
+    <dgm:style>
+      <a:lnRef idx="2">
+        <a:scrgbClr r="0" g="0" b="0"/>
+      </a:lnRef>
+      <a:fillRef idx="1">
+        <a:scrgbClr r="0" g="0" b="0"/>
+      </a:fillRef>
+      <a:effectRef idx="0">
+        <a:scrgbClr r="0" g="0" b="0"/>
+      </a:effectRef>
+      <a:fontRef idx="minor">
+        <a:schemeClr val="lt1"/>
+      </a:fontRef>
+    </dgm:style>
+  </dgm:styleLbl>
+  <dgm:styleLbl name="asst2">
+    <dgm:scene3d>
+      <a:camera prst="orthographicFront"/>
+      <a:lightRig rig="threePt" dir="t"/>
+    </dgm:scene3d>
+    <dgm:sp3d/>
+    <dgm:txPr/>
+    <dgm:style>
+      <a:lnRef idx="2">
+        <a:scrgbClr r="0" g="0" b="0"/>
+      </a:lnRef>
+      <a:fillRef idx="1">
+        <a:scrgbClr r="0" g="0" b="0"/>
+      </a:fillRef>
+      <a:effectRef idx="0">
+        <a:scrgbClr r="0" g="0" b="0"/>
+      </a:effectRef>
+      <a:fontRef idx="minor">
+        <a:schemeClr val="lt1"/>
+      </a:fontRef>
+    </dgm:style>
+  </dgm:styleLbl>
+  <dgm:styleLbl name="asst3">
+    <dgm:scene3d>
+      <a:camera prst="orthographicFront"/>
+      <a:lightRig rig="threePt" dir="t"/>
+    </dgm:scene3d>
+    <dgm:sp3d/>
+    <dgm:txPr/>
+    <dgm:style>
+      <a:lnRef idx="2">
+        <a:scrgbClr r="0" g="0" b="0"/>
+      </a:lnRef>
+      <a:fillRef idx="1">
+        <a:scrgbClr r="0" g="0" b="0"/>
+      </a:fillRef>
+      <a:effectRef idx="0">
+        <a:scrgbClr r="0" g="0" b="0"/>
+      </a:effectRef>
+      <a:fontRef idx="minor">
+        <a:schemeClr val="lt1"/>
+      </a:fontRef>
+    </dgm:style>
+  </dgm:styleLbl>
+  <dgm:styleLbl name="asst4">
+    <dgm:scene3d>
+      <a:camera prst="orthographicFront"/>
+      <a:lightRig rig="threePt" dir="t"/>
+    </dgm:scene3d>
+    <dgm:sp3d/>
+    <dgm:txPr/>
+    <dgm:style>
+      <a:lnRef idx="2">
+        <a:scrgbClr r="0" g="0" b="0"/>
+      </a:lnRef>
+      <a:fillRef idx="1">
+        <a:scrgbClr r="0" g="0" b="0"/>
+      </a:fillRef>
+      <a:effectRef idx="0">
+        <a:scrgbClr r="0" g="0" b="0"/>
+      </a:effectRef>
+      <a:fontRef idx="minor">
+        <a:schemeClr val="lt1"/>
+      </a:fontRef>
+    </dgm:style>
+  </dgm:styleLbl>
+  <dgm:styleLbl name="parChTrans2D1">
+    <dgm:scene3d>
+      <a:camera prst="orthographicFront"/>
+      <a:lightRig rig="threePt" dir="t"/>
+    </dgm:scene3d>
+    <dgm:sp3d/>
+    <dgm:txPr/>
+    <dgm:style>
+      <a:lnRef idx="2">
+        <a:scrgbClr r="0" g="0" b="0"/>
+      </a:lnRef>
+      <a:fillRef idx="1">
+        <a:scrgbClr r="0" g="0" b="0"/>
+      </a:fillRef>
+      <a:effectRef idx="0">
+        <a:scrgbClr r="0" g="0" b="0"/>
+      </a:effectRef>
+      <a:fontRef idx="minor">
+        <a:schemeClr val="lt1"/>
+      </a:fontRef>
+    </dgm:style>
+  </dgm:styleLbl>
+  <dgm:styleLbl name="parChTrans2D2">
+    <dgm:scene3d>
+      <a:camera prst="orthographicFront"/>
+      <a:lightRig rig="threePt" dir="t"/>
+    </dgm:scene3d>
+    <dgm:sp3d/>
+    <dgm:txPr/>
+    <dgm:style>
+      <a:lnRef idx="2">
+        <a:scrgbClr r="0" g="0" b="0"/>
+      </a:lnRef>
+      <a:fillRef idx="1">
+        <a:scrgbClr r="0" g="0" b="0"/>
+      </a:fillRef>
+      <a:effectRef idx="0">
+        <a:scrgbClr r="0" g="0" b="0"/>
+      </a:effectRef>
+      <a:fontRef idx="minor">
+        <a:schemeClr val="lt1"/>
+      </a:fontRef>
+    </dgm:style>
+  </dgm:styleLbl>
+  <dgm:styleLbl name="parChTrans2D3">
+    <dgm:scene3d>
+      <a:camera prst="orthographicFront"/>
+      <a:lightRig rig="threePt" dir="t"/>
+    </dgm:scene3d>
+    <dgm:sp3d/>
+    <dgm:txPr/>
+    <dgm:style>
+      <a:lnRef idx="2">
+        <a:scrgbClr r="0" g="0" b="0"/>
+      </a:lnRef>
+      <a:fillRef idx="1">
+        <a:scrgbClr r="0" g="0" b="0"/>
+      </a:fillRef>
+      <a:effectRef idx="0">
+        <a:scrgbClr r="0" g="0" b="0"/>
+      </a:effectRef>
+      <a:fontRef idx="minor">
+        <a:schemeClr val="lt1"/>
+      </a:fontRef>
+    </dgm:style>
+  </dgm:styleLbl>
+  <dgm:styleLbl name="parChTrans2D4">
+    <dgm:scene3d>
+      <a:camera prst="orthographicFront"/>
+      <a:lightRig rig="threePt" dir="t"/>
+    </dgm:scene3d>
+    <dgm:sp3d/>
+    <dgm:txPr/>
+    <dgm:style>
+      <a:lnRef idx="2">
+        <a:scrgbClr r="0" g="0" b="0"/>
+      </a:lnRef>
+      <a:fillRef idx="1">
+        <a:scrgbClr r="0" g="0" b="0"/>
+      </a:fillRef>
+      <a:effectRef idx="0">
+        <a:scrgbClr r="0" g="0" b="0"/>
+      </a:effectRef>
+      <a:fontRef idx="minor">
+        <a:schemeClr val="lt1"/>
+      </a:fontRef>
+    </dgm:style>
+  </dgm:styleLbl>
+  <dgm:styleLbl name="parChTrans1D1">
+    <dgm:scene3d>
+      <a:camera prst="orthographicFront"/>
+      <a:lightRig rig="threePt" dir="t"/>
+    </dgm:scene3d>
+    <dgm:sp3d/>
+    <dgm:txPr/>
+    <dgm:style>
+      <a:lnRef idx="2">
+        <a:scrgbClr r="0" g="0" b="0"/>
+      </a:lnRef>
+      <a:fillRef idx="0">
+        <a:scrgbClr r="0" g="0" b="0"/>
+      </a:fillRef>
+      <a:effectRef idx="0">
+        <a:scrgbClr r="0" g="0" b="0"/>
+      </a:effectRef>
+      <a:fontRef idx="minor"/>
+    </dgm:style>
+  </dgm:styleLbl>
+  <dgm:styleLbl name="parChTrans1D2">
+    <dgm:scene3d>
+      <a:camera prst="orthographicFront"/>
+      <a:lightRig rig="threePt" dir="t"/>
+    </dgm:scene3d>
+    <dgm:sp3d/>
+    <dgm:txPr/>
+    <dgm:style>
+      <a:lnRef idx="2">
+        <a:scrgbClr r="0" g="0" b="0"/>
+      </a:lnRef>
+      <a:fillRef idx="0">
+        <a:scrgbClr r="0" g="0" b="0"/>
+      </a:fillRef>
+      <a:effectRef idx="0">
+        <a:scrgbClr r="0" g="0" b="0"/>
+      </a:effectRef>
+      <a:fontRef idx="minor"/>
+    </dgm:style>
+  </dgm:styleLbl>
+  <dgm:styleLbl name="parChTrans1D3">
+    <dgm:scene3d>
+      <a:camera prst="orthographicFront"/>
+      <a:lightRig rig="threePt" dir="t"/>
+    </dgm:scene3d>
+    <dgm:sp3d/>
+    <dgm:txPr/>
+    <dgm:style>
+      <a:lnRef idx="2">
+        <a:scrgbClr r="0" g="0" b="0"/>
+      </a:lnRef>
+      <a:fillRef idx="0">
+        <a:scrgbClr r="0" g="0" b="0"/>
+      </a:fillRef>
+      <a:effectRef idx="0">
+        <a:scrgbClr r="0" g="0" b="0"/>
+      </a:effectRef>
+      <a:fontRef idx="minor"/>
+    </dgm:style>
+  </dgm:styleLbl>
+  <dgm:styleLbl name="parChTrans1D4">
+    <dgm:scene3d>
+      <a:camera prst="orthographicFront"/>
+      <a:lightRig rig="threePt" dir="t"/>
+    </dgm:scene3d>
+    <dgm:sp3d/>
+    <dgm:txPr/>
+    <dgm:style>
+      <a:lnRef idx="2">
+        <a:scrgbClr r="0" g="0" b="0"/>
+      </a:lnRef>
+      <a:fillRef idx="0">
+        <a:scrgbClr r="0" g="0" b="0"/>
+      </a:fillRef>
+      <a:effectRef idx="0">
+        <a:scrgbClr r="0" g="0" b="0"/>
+      </a:effectRef>
+      <a:fontRef idx="minor"/>
+    </dgm:style>
+  </dgm:styleLbl>
+  <dgm:styleLbl name="fgAcc1">
+    <dgm:scene3d>
+      <a:camera prst="orthographicFront"/>
+      <a:lightRig rig="threePt" dir="t"/>
+    </dgm:scene3d>
+    <dgm:sp3d/>
+    <dgm:txPr/>
+    <dgm:style>
+      <a:lnRef idx="2">
+        <a:scrgbClr r="0" g="0" b="0"/>
+      </a:lnRef>
+      <a:fillRef idx="1">
+        <a:scrgbClr r="0" g="0" b="0"/>
+      </a:fillRef>
+      <a:effectRef idx="0">
+        <a:scrgbClr r="0" g="0" b="0"/>
+      </a:effectRef>
+      <a:fontRef idx="minor"/>
+    </dgm:style>
+  </dgm:styleLbl>
+  <dgm:styleLbl name="conFgAcc1">
+    <dgm:scene3d>
+      <a:camera prst="orthographicFront"/>
+      <a:lightRig rig="threePt" dir="t"/>
+    </dgm:scene3d>
+    <dgm:sp3d/>
+    <dgm:txPr/>
+    <dgm:style>
+      <a:lnRef idx="2">
+        <a:scrgbClr r="0" g="0" b="0"/>
+      </a:lnRef>
+      <a:fillRef idx="1">
+        <a:scrgbClr r="0" g="0" b="0"/>
+      </a:fillRef>
+      <a:effectRef idx="0">
+        <a:scrgbClr r="0" g="0" b="0"/>
+      </a:effectRef>
+      <a:fontRef idx="minor"/>
+    </dgm:style>
+  </dgm:styleLbl>
+  <dgm:styleLbl name="alignAcc1">
+    <dgm:scene3d>
+      <a:camera prst="orthographicFront"/>
+      <a:lightRig rig="threePt" dir="t"/>
+    </dgm:scene3d>
+    <dgm:sp3d/>
+    <dgm:txPr/>
+    <dgm:style>
+      <a:lnRef idx="2">
+        <a:scrgbClr r="0" g="0" b="0"/>
+      </a:lnRef>
+      <a:fillRef idx="1">
+        <a:scrgbClr r="0" g="0" b="0"/>
+      </a:fillRef>
+      <a:effectRef idx="0">
+        <a:scrgbClr r="0" g="0" b="0"/>
+      </a:effectRef>
+      <a:fontRef idx="minor"/>
+    </dgm:style>
+  </dgm:styleLbl>
+  <dgm:styleLbl name="trAlignAcc1">
+    <dgm:scene3d>
+      <a:camera prst="orthographicFront"/>
+      <a:lightRig rig="threePt" dir="t"/>
+    </dgm:scene3d>
+    <dgm:sp3d/>
+    <dgm:txPr/>
+    <dgm:style>
+      <a:lnRef idx="1">
+        <a:scrgbClr r="0" g="0" b="0"/>
+      </a:lnRef>
+      <a:fillRef idx="1">
+        <a:scrgbClr r="0" g="0" b="0"/>
+      </a:fillRef>
+      <a:effectRef idx="0">
+        <a:scrgbClr r="0" g="0" b="0"/>
+      </a:effectRef>
+      <a:fontRef idx="minor"/>
+    </dgm:style>
+  </dgm:styleLbl>
+  <dgm:styleLbl name="bgAcc1">
+    <dgm:scene3d>
+      <a:camera prst="orthographicFront"/>
+      <a:lightRig rig="threePt" dir="t"/>
+    </dgm:scene3d>
+    <dgm:sp3d/>
+    <dgm:txPr/>
+    <dgm:style>
+      <a:lnRef idx="2">
+        <a:scrgbClr r="0" g="0" b="0"/>
+      </a:lnRef>
+      <a:fillRef idx="1">
+        <a:scrgbClr r="0" g="0" b="0"/>
+      </a:fillRef>
+      <a:effectRef idx="0">
+        <a:scrgbClr r="0" g="0" b="0"/>
+      </a:effectRef>
+      <a:fontRef idx="minor"/>
+    </dgm:style>
+  </dgm:styleLbl>
+  <dgm:styleLbl name="solidFgAcc1">
+    <dgm:scene3d>
+      <a:camera prst="orthographicFront"/>
+      <a:lightRig rig="threePt" dir="t"/>
+    </dgm:scene3d>
+    <dgm:sp3d/>
+    <dgm:txPr/>
+    <dgm:style>
+      <a:lnRef idx="2">
+        <a:scrgbClr r="0" g="0" b="0"/>
+      </a:lnRef>
+      <a:fillRef idx="1">
+        <a:scrgbClr r="0" g="0" b="0"/>
+      </a:fillRef>
+      <a:effectRef idx="0">
+        <a:scrgbClr r="0" g="0" b="0"/>
+      </a:effectRef>
+      <a:fontRef idx="minor"/>
+    </dgm:style>
+  </dgm:styleLbl>
+  <dgm:styleLbl name="solidAlignAcc1">
+    <dgm:scene3d>
+      <a:camera prst="orthographicFront"/>
+      <a:lightRig rig="threePt" dir="t"/>
+    </dgm:scene3d>
+    <dgm:sp3d/>
+    <dgm:txPr/>
+    <dgm:style>
+      <a:lnRef idx="2">
+        <a:scrgbClr r="0" g="0" b="0"/>
+      </a:lnRef>
+      <a:fillRef idx="1">
+        <a:scrgbClr r="0" g="0" b="0"/>
+      </a:fillRef>
+      <a:effectRef idx="0">
+        <a:scrgbClr r="0" g="0" b="0"/>
+      </a:effectRef>
+      <a:fontRef idx="minor"/>
+    </dgm:style>
+  </dgm:styleLbl>
+  <dgm:styleLbl name="solidBgAcc1">
+    <dgm:scene3d>
+      <a:camera prst="orthographicFront"/>
+      <a:lightRig rig="threePt" dir="t"/>
+    </dgm:scene3d>
+    <dgm:sp3d/>
+    <dgm:txPr/>
+    <dgm:style>
+      <a:lnRef idx="2">
+        <a:scrgbClr r="0" g="0" b="0"/>
+      </a:lnRef>
+      <a:fillRef idx="1">
+        <a:scrgbClr r="0" g="0" b="0"/>
+      </a:fillRef>
+      <a:effectRef idx="0">
+        <a:scrgbClr r="0" g="0" b="0"/>
+      </a:effectRef>
+      <a:fontRef idx="minor"/>
+    </dgm:style>
+  </dgm:styleLbl>
+  <dgm:styleLbl name="fgAccFollowNode1">
+    <dgm:scene3d>
+      <a:camera prst="orthographicFront"/>
+      <a:lightRig rig="threePt" dir="t"/>
+    </dgm:scene3d>
+    <dgm:sp3d/>
+    <dgm:txPr/>
+    <dgm:style>
+      <a:lnRef idx="2">
+        <a:scrgbClr r="0" g="0" b="0"/>
+      </a:lnRef>
+      <a:fillRef idx="1">
+        <a:scrgbClr r="0" g="0" b="0"/>
+      </a:fillRef>
+      <a:effectRef idx="0">
+        <a:scrgbClr r="0" g="0" b="0"/>
+      </a:effectRef>
+      <a:fontRef idx="minor"/>
+    </dgm:style>
+  </dgm:styleLbl>
+  <dgm:styleLbl name="alignAccFollowNode1">
+    <dgm:scene3d>
+      <a:camera prst="orthographicFront"/>
+      <a:lightRig rig="threePt" dir="t"/>
+    </dgm:scene3d>
+    <dgm:sp3d/>
+    <dgm:txPr/>
+    <dgm:style>
+      <a:lnRef idx="2">
+        <a:scrgbClr r="0" g="0" b="0"/>
+      </a:lnRef>
+      <a:fillRef idx="1">
+        <a:scrgbClr r="0" g="0" b="0"/>
+      </a:fillRef>
+      <a:effectRef idx="0">
+        <a:scrgbClr r="0" g="0" b="0"/>
+      </a:effectRef>
+      <a:fontRef idx="minor"/>
+    </dgm:style>
+  </dgm:styleLbl>
+  <dgm:styleLbl name="bgAccFollowNode1">
+    <dgm:scene3d>
+      <a:camera prst="orthographicFront"/>
+      <a:lightRig rig="threePt" dir="t"/>
+    </dgm:scene3d>
+    <dgm:sp3d/>
+    <dgm:txPr/>
+    <dgm:style>
+      <a:lnRef idx="2">
+        <a:scrgbClr r="0" g="0" b="0"/>
+      </a:lnRef>
+      <a:fillRef idx="1">
+        <a:scrgbClr r="0" g="0" b="0"/>
+      </a:fillRef>
+      <a:effectRef idx="0">
+        <a:scrgbClr r="0" g="0" b="0"/>
+      </a:effectRef>
+      <a:fontRef idx="minor"/>
+    </dgm:style>
+  </dgm:styleLbl>
+  <dgm:styleLbl name="fgAcc0">
+    <dgm:scene3d>
+      <a:camera prst="orthographicFront"/>
+      <a:lightRig rig="threePt" dir="t"/>
+    </dgm:scene3d>
+    <dgm:sp3d/>
+    <dgm:txPr/>
+    <dgm:style>
+      <a:lnRef idx="2">
+        <a:scrgbClr r="0" g="0" b="0"/>
+      </a:lnRef>
+      <a:fillRef idx="1">
+        <a:scrgbClr r="0" g="0" b="0"/>
+      </a:fillRef>
+      <a:effectRef idx="0">
+        <a:scrgbClr r="0" g="0" b="0"/>
+      </a:effectRef>
+      <a:fontRef idx="minor"/>
+    </dgm:style>
+  </dgm:styleLbl>
+  <dgm:styleLbl name="fgAcc2">
+    <dgm:scene3d>
+      <a:camera prst="orthographicFront"/>
+      <a:lightRig rig="threePt" dir="t"/>
+    </dgm:scene3d>
+    <dgm:sp3d/>
+    <dgm:txPr/>
+    <dgm:style>
+      <a:lnRef idx="2">
+        <a:scrgbClr r="0" g="0" b="0"/>
+      </a:lnRef>
+      <a:fillRef idx="1">
+        <a:scrgbClr r="0" g="0" b="0"/>
+      </a:fillRef>
+      <a:effectRef idx="0">
+        <a:scrgbClr r="0" g="0" b="0"/>
+      </a:effectRef>
+      <a:fontRef idx="minor"/>
+    </dgm:style>
+  </dgm:styleLbl>
+  <dgm:styleLbl name="fgAcc3">
+    <dgm:scene3d>
+      <a:camera prst="orthographicFront"/>
+      <a:lightRig rig="threePt" dir="t"/>
+    </dgm:scene3d>
+    <dgm:sp3d/>
+    <dgm:txPr/>
+    <dgm:style>
+      <a:lnRef idx="2">
+        <a:scrgbClr r="0" g="0" b="0"/>
+      </a:lnRef>
+      <a:fillRef idx="1">
+        <a:scrgbClr r="0" g="0" b="0"/>
+      </a:fillRef>
+      <a:effectRef idx="0">
+        <a:scrgbClr r="0" g="0" b="0"/>
+      </a:effectRef>
+      <a:fontRef idx="minor"/>
+    </dgm:style>
+  </dgm:styleLbl>
+  <dgm:styleLbl name="fgAcc4">
+    <dgm:scene3d>
+      <a:camera prst="orthographicFront"/>
+      <a:lightRig rig="threePt" dir="t"/>
+    </dgm:scene3d>
+    <dgm:sp3d/>
+    <dgm:txPr/>
+    <dgm:style>
+      <a:lnRef idx="2">
+        <a:scrgbClr r="0" g="0" b="0"/>
+      </a:lnRef>
+      <a:fillRef idx="1">
+        <a:scrgbClr r="0" g="0" b="0"/>
+      </a:fillRef>
+      <a:effectRef idx="0">
+        <a:scrgbClr r="0" g="0" b="0"/>
+      </a:effectRef>
+      <a:fontRef idx="minor"/>
+    </dgm:style>
+  </dgm:styleLbl>
+  <dgm:styleLbl name="bgShp">
+    <dgm:scene3d>
+      <a:camera prst="orthographicFront"/>
+      <a:lightRig rig="threePt" dir="t"/>
+    </dgm:scene3d>
+    <dgm:sp3d/>
+    <dgm:txPr/>
+    <dgm:style>
+      <a:lnRef idx="0">
+        <a:scrgbClr r="0" g="0" b="0"/>
+      </a:lnRef>
+      <a:fillRef idx="1">
+        <a:scrgbClr r="0" g="0" b="0"/>
+      </a:fillRef>
+      <a:effectRef idx="0">
+        <a:scrgbClr r="0" g="0" b="0"/>
+      </a:effectRef>
+      <a:fontRef idx="minor"/>
+    </dgm:style>
+  </dgm:styleLbl>
+  <dgm:styleLbl name="dkBgShp">
+    <dgm:scene3d>
+      <a:camera prst="orthographicFront"/>
+      <a:lightRig rig="threePt" dir="t"/>
+    </dgm:scene3d>
+    <dgm:sp3d/>
+    <dgm:txPr/>
+    <dgm:style>
+      <a:lnRef idx="0">
+        <a:scrgbClr r="0" g="0" b="0"/>
+      </a:lnRef>
+      <a:fillRef idx="1">
+        <a:scrgbClr r="0" g="0" b="0"/>
+      </a:fillRef>
+      <a:effectRef idx="0">
+        <a:scrgbClr r="0" g="0" b="0"/>
+      </a:effectRef>
+      <a:fontRef idx="minor"/>
+    </dgm:style>
+  </dgm:styleLbl>
+  <dgm:styleLbl name="trBgShp">
+    <dgm:scene3d>
+      <a:camera prst="orthographicFront"/>
+      <a:lightRig rig="threePt" dir="t"/>
+    </dgm:scene3d>
+    <dgm:sp3d/>
+    <dgm:txPr/>
+    <dgm:style>
+      <a:lnRef idx="0">
+        <a:scrgbClr r="0" g="0" b="0"/>
+      </a:lnRef>
+      <a:fillRef idx="1">
+        <a:scrgbClr r="0" g="0" b="0"/>
+      </a:fillRef>
+      <a:effectRef idx="0">
+        <a:scrgbClr r="0" g="0" b="0"/>
+      </a:effectRef>
+      <a:fontRef idx="minor"/>
+    </dgm:style>
+  </dgm:styleLbl>
+  <dgm:styleLbl name="fgShp">
+    <dgm:scene3d>
+      <a:camera prst="orthographicFront"/>
+      <a:lightRig rig="threePt" dir="t"/>
+    </dgm:scene3d>
+    <dgm:sp3d/>
+    <dgm:txPr/>
+    <dgm:style>
+      <a:lnRef idx="2">
+        <a:scrgbClr r="0" g="0" b="0"/>
+      </a:lnRef>
+      <a:fillRef idx="1">
+        <a:scrgbClr r="0" g="0" b="0"/>
+      </a:fillRef>
+      <a:effectRef idx="0">
+        <a:scrgbClr r="0" g="0" b="0"/>
+      </a:effectRef>
+      <a:fontRef idx="minor"/>
+    </dgm:style>
+  </dgm:styleLbl>
+  <dgm:styleLbl name="revTx">
+    <dgm:scene3d>
+      <a:camera prst="orthographicFront"/>
+      <a:lightRig rig="threePt" dir="t"/>
+    </dgm:scene3d>
+    <dgm:sp3d/>
+    <dgm:txPr/>
+    <dgm:style>
+      <a:lnRef idx="0">
+        <a:scrgbClr r="0" g="0" b="0"/>
+      </a:lnRef>
+      <a:fillRef idx="0">
+        <a:scrgbClr r="0" g="0" b="0"/>
+      </a:fillRef>
+      <a:effectRef idx="0">
+        <a:scrgbClr r="0" g="0" b="0"/>
+      </a:effectRef>
+      <a:fontRef idx="minor"/>
+    </dgm:style>
+  </dgm:styleLbl>
+</dgm:styleDef>
+</file>
+
 <file path=ppt/notesMasters/notesMaster1.xml><?xml version="1.0" encoding="utf-8"?>
 <p:notesMaster xmlns:a="http://schemas.openxmlformats.org/drawingml/2006/main" xmlns:r="http://schemas.openxmlformats.org/officeDocument/2006/relationships" xmlns:p="http://schemas.openxmlformats.org/presentationml/2006/main">
   <p:cSld>
@@ -3255,7 +8765,7 @@
           <a:p>
             <a:fld id="{5B56D230-C405-47D8-9652-84D5ABF9ACA4}" type="datetimeFigureOut">
               <a:rPr lang="fr-FR" smtClean="0"/>
-              <a:t>26/08/2024</a:t>
+              <a:t>05/09/2024</a:t>
             </a:fld>
             <a:endParaRPr lang="fr-FR"/>
           </a:p>
@@ -3753,7 +9263,7 @@
           <a:p>
             <a:fld id="{07DAC40A-1A12-4946-B5D9-E87F2861D3B3}" type="datetimeFigureOut">
               <a:rPr lang="fr-FR" smtClean="0"/>
-              <a:t>26/08/2024</a:t>
+              <a:t>05/09/2024</a:t>
             </a:fld>
             <a:endParaRPr lang="fr-FR"/>
           </a:p>
@@ -3951,7 +9461,7 @@
           <a:p>
             <a:fld id="{07DAC40A-1A12-4946-B5D9-E87F2861D3B3}" type="datetimeFigureOut">
               <a:rPr lang="fr-FR" smtClean="0"/>
-              <a:t>26/08/2024</a:t>
+              <a:t>05/09/2024</a:t>
             </a:fld>
             <a:endParaRPr lang="fr-FR"/>
           </a:p>
@@ -4159,7 +9669,7 @@
           <a:p>
             <a:fld id="{07DAC40A-1A12-4946-B5D9-E87F2861D3B3}" type="datetimeFigureOut">
               <a:rPr lang="fr-FR" smtClean="0"/>
-              <a:t>26/08/2024</a:t>
+              <a:t>05/09/2024</a:t>
             </a:fld>
             <a:endParaRPr lang="fr-FR"/>
           </a:p>
@@ -4357,7 +9867,7 @@
           <a:p>
             <a:fld id="{07DAC40A-1A12-4946-B5D9-E87F2861D3B3}" type="datetimeFigureOut">
               <a:rPr lang="fr-FR" smtClean="0"/>
-              <a:t>26/08/2024</a:t>
+              <a:t>05/09/2024</a:t>
             </a:fld>
             <a:endParaRPr lang="fr-FR"/>
           </a:p>
@@ -4632,7 +10142,7 @@
           <a:p>
             <a:fld id="{07DAC40A-1A12-4946-B5D9-E87F2861D3B3}" type="datetimeFigureOut">
               <a:rPr lang="fr-FR" smtClean="0"/>
-              <a:t>26/08/2024</a:t>
+              <a:t>05/09/2024</a:t>
             </a:fld>
             <a:endParaRPr lang="fr-FR"/>
           </a:p>
@@ -4897,7 +10407,7 @@
           <a:p>
             <a:fld id="{07DAC40A-1A12-4946-B5D9-E87F2861D3B3}" type="datetimeFigureOut">
               <a:rPr lang="fr-FR" smtClean="0"/>
-              <a:t>26/08/2024</a:t>
+              <a:t>05/09/2024</a:t>
             </a:fld>
             <a:endParaRPr lang="fr-FR"/>
           </a:p>
@@ -5309,7 +10819,7 @@
           <a:p>
             <a:fld id="{07DAC40A-1A12-4946-B5D9-E87F2861D3B3}" type="datetimeFigureOut">
               <a:rPr lang="fr-FR" smtClean="0"/>
-              <a:t>26/08/2024</a:t>
+              <a:t>05/09/2024</a:t>
             </a:fld>
             <a:endParaRPr lang="fr-FR"/>
           </a:p>
@@ -5450,7 +10960,7 @@
           <a:p>
             <a:fld id="{07DAC40A-1A12-4946-B5D9-E87F2861D3B3}" type="datetimeFigureOut">
               <a:rPr lang="fr-FR" smtClean="0"/>
-              <a:t>26/08/2024</a:t>
+              <a:t>05/09/2024</a:t>
             </a:fld>
             <a:endParaRPr lang="fr-FR"/>
           </a:p>
@@ -5563,7 +11073,7 @@
           <a:p>
             <a:fld id="{07DAC40A-1A12-4946-B5D9-E87F2861D3B3}" type="datetimeFigureOut">
               <a:rPr lang="fr-FR" smtClean="0"/>
-              <a:t>26/08/2024</a:t>
+              <a:t>05/09/2024</a:t>
             </a:fld>
             <a:endParaRPr lang="fr-FR"/>
           </a:p>
@@ -5874,7 +11384,7 @@
           <a:p>
             <a:fld id="{07DAC40A-1A12-4946-B5D9-E87F2861D3B3}" type="datetimeFigureOut">
               <a:rPr lang="fr-FR" smtClean="0"/>
-              <a:t>26/08/2024</a:t>
+              <a:t>05/09/2024</a:t>
             </a:fld>
             <a:endParaRPr lang="fr-FR"/>
           </a:p>
@@ -6162,7 +11672,7 @@
           <a:p>
             <a:fld id="{07DAC40A-1A12-4946-B5D9-E87F2861D3B3}" type="datetimeFigureOut">
               <a:rPr lang="fr-FR" smtClean="0"/>
-              <a:t>26/08/2024</a:t>
+              <a:t>05/09/2024</a:t>
             </a:fld>
             <a:endParaRPr lang="fr-FR"/>
           </a:p>
@@ -6403,7 +11913,7 @@
           <a:p>
             <a:fld id="{07DAC40A-1A12-4946-B5D9-E87F2861D3B3}" type="datetimeFigureOut">
               <a:rPr lang="fr-FR" smtClean="0"/>
-              <a:t>26/08/2024</a:t>
+              <a:t>05/09/2024</a:t>
             </a:fld>
             <a:endParaRPr lang="fr-FR"/>
           </a:p>
@@ -8729,7 +14239,7 @@
         </p:spPr>
         <p:txBody>
           <a:bodyPr>
-            <a:normAutofit lnSpcReduction="10000"/>
+            <a:normAutofit fontScale="92500" lnSpcReduction="10000"/>
           </a:bodyPr>
           <a:lstStyle/>
           <a:p>
@@ -8744,13 +14254,8 @@
           <a:p>
             <a:r>
               <a:rPr lang="fr-FR" sz="2000" dirty="0"/>
-              <a:t>Zones d’</a:t>
+              <a:t>Zones d’intérêt</a:t>
             </a:r>
-            <a:r>
-              <a:rPr lang="fr-FR" sz="2000" dirty="0" err="1"/>
-              <a:t>interet</a:t>
-            </a:r>
-            <a:endParaRPr lang="fr-FR" sz="2000" dirty="0"/>
           </a:p>
           <a:p>
             <a:endParaRPr lang="fr-FR" sz="2000" dirty="0"/>
@@ -8758,13 +14263,8 @@
           <a:p>
             <a:r>
               <a:rPr lang="fr-FR" sz="2000" dirty="0"/>
-              <a:t>Points d’</a:t>
+              <a:t>Points d’intérêt</a:t>
             </a:r>
-            <a:r>
-              <a:rPr lang="fr-FR" sz="2000" dirty="0" err="1"/>
-              <a:t>interet</a:t>
-            </a:r>
-            <a:endParaRPr lang="fr-FR" sz="2000" dirty="0"/>
           </a:p>
           <a:p>
             <a:endParaRPr lang="fr-FR" sz="2000" dirty="0"/>
@@ -8780,8 +14280,12 @@
           </a:p>
           <a:p>
             <a:r>
+              <a:rPr lang="fr-FR" sz="2000" strike="sngStrike" dirty="0"/>
+              <a:t>Problème : pour le moment pas de moyen visuel pour distinguer POI et GS</a:t>
+            </a:r>
+            <a:r>
               <a:rPr lang="fr-FR" sz="2000" dirty="0"/>
-              <a:t>Problème : pour le moment pas de moyen visuel pour distinguer POI et GS</a:t>
+              <a:t> (fixé dans la dernière version)</a:t>
             </a:r>
           </a:p>
         </p:txBody>
@@ -10397,7 +15901,7 @@
             <p:ph idx="1"/>
             <p:extLst>
               <p:ext uri="{D42A27DB-BD31-4B8C-83A1-F6EECF244321}">
-                <p14:modId xmlns:p14="http://schemas.microsoft.com/office/powerpoint/2010/main" val="3249466759"/>
+                <p14:modId xmlns:p14="http://schemas.microsoft.com/office/powerpoint/2010/main" val="780206587"/>
               </p:ext>
             </p:extLst>
           </p:nvPr>
@@ -11500,6 +17004,1348 @@
 <file path=ppt/slides/slide16.xml><?xml version="1.0" encoding="utf-8"?>
 <p:sld xmlns:a="http://schemas.openxmlformats.org/drawingml/2006/main" xmlns:r="http://schemas.openxmlformats.org/officeDocument/2006/relationships" xmlns:p="http://schemas.openxmlformats.org/presentationml/2006/main">
   <p:cSld>
+    <p:bg>
+      <p:bgPr>
+        <a:solidFill>
+          <a:schemeClr val="bg1"/>
+        </a:solidFill>
+        <a:effectLst/>
+      </p:bgPr>
+    </p:bg>
+    <p:spTree>
+      <p:nvGrpSpPr>
+        <p:cNvPr id="1" name=""/>
+        <p:cNvGrpSpPr/>
+        <p:nvPr/>
+      </p:nvGrpSpPr>
+      <p:grpSpPr>
+        <a:xfrm>
+          <a:off x="0" y="0"/>
+          <a:ext cx="0" cy="0"/>
+          <a:chOff x="0" y="0"/>
+          <a:chExt cx="0" cy="0"/>
+        </a:xfrm>
+      </p:grpSpPr>
+      <p:sp useBgFill="1">
+        <p:nvSpPr>
+          <p:cNvPr id="8" name="Rectangle 7">
+            <a:extLst>
+              <a:ext uri="{FF2B5EF4-FFF2-40B4-BE49-F238E27FC236}">
+                <a16:creationId xmlns:a16="http://schemas.microsoft.com/office/drawing/2014/main" id="{100EDD19-6802-4EC3-95CE-CFFAB042CFD6}"/>
+              </a:ext>
+              <a:ext uri="{C183D7F6-B498-43B3-948B-1728B52AA6E4}">
+                <adec:decorative xmlns:adec="http://schemas.microsoft.com/office/drawing/2017/decorative" val="1"/>
+              </a:ext>
+            </a:extLst>
+          </p:cNvPr>
+          <p:cNvSpPr>
+            <a:spLocks noGrp="1" noRot="1" noChangeAspect="1" noMove="1" noResize="1" noEditPoints="1" noAdjustHandles="1" noChangeArrowheads="1" noChangeShapeType="1" noTextEdit="1"/>
+          </p:cNvSpPr>
+          <p:nvPr>
+            <p:extLst>
+              <p:ext uri="{386F3935-93C4-4BCD-93E2-E3B085C9AB24}">
+                <p16:designElem xmlns:p16="http://schemas.microsoft.com/office/powerpoint/2015/main" val="1"/>
+              </p:ext>
+            </p:extLst>
+          </p:nvPr>
+        </p:nvSpPr>
+        <p:spPr>
+          <a:xfrm>
+            <a:off x="0" y="0"/>
+            <a:ext cx="12188952" cy="6858000"/>
+          </a:xfrm>
+          <a:prstGeom prst="rect">
+            <a:avLst/>
+          </a:prstGeom>
+          <a:ln>
+            <a:noFill/>
+          </a:ln>
+        </p:spPr>
+        <p:style>
+          <a:lnRef idx="2">
+            <a:schemeClr val="accent1">
+              <a:shade val="50000"/>
+            </a:schemeClr>
+          </a:lnRef>
+          <a:fillRef idx="1">
+            <a:schemeClr val="accent1"/>
+          </a:fillRef>
+          <a:effectRef idx="0">
+            <a:schemeClr val="accent1"/>
+          </a:effectRef>
+          <a:fontRef idx="minor">
+            <a:schemeClr val="lt1"/>
+          </a:fontRef>
+        </p:style>
+        <p:txBody>
+          <a:bodyPr rtlCol="0" anchor="ctr"/>
+          <a:lstStyle/>
+          <a:p>
+            <a:pPr algn="ctr"/>
+            <a:endParaRPr lang="en-US"/>
+          </a:p>
+        </p:txBody>
+      </p:sp>
+      <p:sp>
+        <p:nvSpPr>
+          <p:cNvPr id="2" name="Titre 1">
+            <a:extLst>
+              <a:ext uri="{FF2B5EF4-FFF2-40B4-BE49-F238E27FC236}">
+                <a16:creationId xmlns:a16="http://schemas.microsoft.com/office/drawing/2014/main" id="{3E9BF721-904D-2083-7614-3D225DED186C}"/>
+              </a:ext>
+            </a:extLst>
+          </p:cNvPr>
+          <p:cNvSpPr>
+            <a:spLocks noGrp="1"/>
+          </p:cNvSpPr>
+          <p:nvPr>
+            <p:ph type="title"/>
+          </p:nvPr>
+        </p:nvSpPr>
+        <p:spPr>
+          <a:xfrm>
+            <a:off x="838200" y="365125"/>
+            <a:ext cx="10515600" cy="1325563"/>
+          </a:xfrm>
+        </p:spPr>
+        <p:txBody>
+          <a:bodyPr>
+            <a:normAutofit/>
+          </a:bodyPr>
+          <a:lstStyle/>
+          <a:p>
+            <a:r>
+              <a:rPr lang="fr-FR" sz="5400" dirty="0"/>
+              <a:t>Finesse de résolution</a:t>
+            </a:r>
+          </a:p>
+        </p:txBody>
+      </p:sp>
+      <p:sp>
+        <p:nvSpPr>
+          <p:cNvPr id="10" name="sketch line">
+            <a:extLst>
+              <a:ext uri="{FF2B5EF4-FFF2-40B4-BE49-F238E27FC236}">
+                <a16:creationId xmlns:a16="http://schemas.microsoft.com/office/drawing/2014/main" id="{DB17E863-922E-4C26-BD64-E8FD41D28661}"/>
+              </a:ext>
+              <a:ext uri="{C183D7F6-B498-43B3-948B-1728B52AA6E4}">
+                <adec:decorative xmlns:adec="http://schemas.microsoft.com/office/drawing/2017/decorative" val="1"/>
+              </a:ext>
+            </a:extLst>
+          </p:cNvPr>
+          <p:cNvSpPr>
+            <a:spLocks noGrp="1" noRot="1" noChangeAspect="1" noMove="1" noResize="1" noEditPoints="1" noAdjustHandles="1" noChangeArrowheads="1" noChangeShapeType="1" noTextEdit="1"/>
+          </p:cNvSpPr>
+          <p:nvPr>
+            <p:extLst>
+              <p:ext uri="{386F3935-93C4-4BCD-93E2-E3B085C9AB24}">
+                <p16:designElem xmlns:p16="http://schemas.microsoft.com/office/powerpoint/2015/main" val="1"/>
+              </p:ext>
+            </p:extLst>
+          </p:nvPr>
+        </p:nvSpPr>
+        <p:spPr>
+          <a:xfrm>
+            <a:off x="669036" y="1677373"/>
+            <a:ext cx="10853928" cy="18288"/>
+          </a:xfrm>
+          <a:custGeom>
+            <a:avLst/>
+            <a:gdLst>
+              <a:gd name="connsiteX0" fmla="*/ 0 w 10853928"/>
+              <a:gd name="connsiteY0" fmla="*/ 0 h 18288"/>
+              <a:gd name="connsiteX1" fmla="*/ 461292 w 10853928"/>
+              <a:gd name="connsiteY1" fmla="*/ 0 h 18288"/>
+              <a:gd name="connsiteX2" fmla="*/ 1139662 w 10853928"/>
+              <a:gd name="connsiteY2" fmla="*/ 0 h 18288"/>
+              <a:gd name="connsiteX3" fmla="*/ 1926572 w 10853928"/>
+              <a:gd name="connsiteY3" fmla="*/ 0 h 18288"/>
+              <a:gd name="connsiteX4" fmla="*/ 2279325 w 10853928"/>
+              <a:gd name="connsiteY4" fmla="*/ 0 h 18288"/>
+              <a:gd name="connsiteX5" fmla="*/ 2632078 w 10853928"/>
+              <a:gd name="connsiteY5" fmla="*/ 0 h 18288"/>
+              <a:gd name="connsiteX6" fmla="*/ 3527527 w 10853928"/>
+              <a:gd name="connsiteY6" fmla="*/ 0 h 18288"/>
+              <a:gd name="connsiteX7" fmla="*/ 4205897 w 10853928"/>
+              <a:gd name="connsiteY7" fmla="*/ 0 h 18288"/>
+              <a:gd name="connsiteX8" fmla="*/ 4558650 w 10853928"/>
+              <a:gd name="connsiteY8" fmla="*/ 0 h 18288"/>
+              <a:gd name="connsiteX9" fmla="*/ 5237020 w 10853928"/>
+              <a:gd name="connsiteY9" fmla="*/ 0 h 18288"/>
+              <a:gd name="connsiteX10" fmla="*/ 6132469 w 10853928"/>
+              <a:gd name="connsiteY10" fmla="*/ 0 h 18288"/>
+              <a:gd name="connsiteX11" fmla="*/ 6702301 w 10853928"/>
+              <a:gd name="connsiteY11" fmla="*/ 0 h 18288"/>
+              <a:gd name="connsiteX12" fmla="*/ 7272132 w 10853928"/>
+              <a:gd name="connsiteY12" fmla="*/ 0 h 18288"/>
+              <a:gd name="connsiteX13" fmla="*/ 7950502 w 10853928"/>
+              <a:gd name="connsiteY13" fmla="*/ 0 h 18288"/>
+              <a:gd name="connsiteX14" fmla="*/ 8737412 w 10853928"/>
+              <a:gd name="connsiteY14" fmla="*/ 0 h 18288"/>
+              <a:gd name="connsiteX15" fmla="*/ 9524322 w 10853928"/>
+              <a:gd name="connsiteY15" fmla="*/ 0 h 18288"/>
+              <a:gd name="connsiteX16" fmla="*/ 10853928 w 10853928"/>
+              <a:gd name="connsiteY16" fmla="*/ 0 h 18288"/>
+              <a:gd name="connsiteX17" fmla="*/ 10853928 w 10853928"/>
+              <a:gd name="connsiteY17" fmla="*/ 18288 h 18288"/>
+              <a:gd name="connsiteX18" fmla="*/ 10392636 w 10853928"/>
+              <a:gd name="connsiteY18" fmla="*/ 18288 h 18288"/>
+              <a:gd name="connsiteX19" fmla="*/ 9497187 w 10853928"/>
+              <a:gd name="connsiteY19" fmla="*/ 18288 h 18288"/>
+              <a:gd name="connsiteX20" fmla="*/ 8818817 w 10853928"/>
+              <a:gd name="connsiteY20" fmla="*/ 18288 h 18288"/>
+              <a:gd name="connsiteX21" fmla="*/ 8466064 w 10853928"/>
+              <a:gd name="connsiteY21" fmla="*/ 18288 h 18288"/>
+              <a:gd name="connsiteX22" fmla="*/ 7787693 w 10853928"/>
+              <a:gd name="connsiteY22" fmla="*/ 18288 h 18288"/>
+              <a:gd name="connsiteX23" fmla="*/ 7217862 w 10853928"/>
+              <a:gd name="connsiteY23" fmla="*/ 18288 h 18288"/>
+              <a:gd name="connsiteX24" fmla="*/ 6648031 w 10853928"/>
+              <a:gd name="connsiteY24" fmla="*/ 18288 h 18288"/>
+              <a:gd name="connsiteX25" fmla="*/ 6078200 w 10853928"/>
+              <a:gd name="connsiteY25" fmla="*/ 18288 h 18288"/>
+              <a:gd name="connsiteX26" fmla="*/ 5508368 w 10853928"/>
+              <a:gd name="connsiteY26" fmla="*/ 18288 h 18288"/>
+              <a:gd name="connsiteX27" fmla="*/ 4721459 w 10853928"/>
+              <a:gd name="connsiteY27" fmla="*/ 18288 h 18288"/>
+              <a:gd name="connsiteX28" fmla="*/ 4043088 w 10853928"/>
+              <a:gd name="connsiteY28" fmla="*/ 18288 h 18288"/>
+              <a:gd name="connsiteX29" fmla="*/ 3690336 w 10853928"/>
+              <a:gd name="connsiteY29" fmla="*/ 18288 h 18288"/>
+              <a:gd name="connsiteX30" fmla="*/ 3120504 w 10853928"/>
+              <a:gd name="connsiteY30" fmla="*/ 18288 h 18288"/>
+              <a:gd name="connsiteX31" fmla="*/ 2333595 w 10853928"/>
+              <a:gd name="connsiteY31" fmla="*/ 18288 h 18288"/>
+              <a:gd name="connsiteX32" fmla="*/ 1872303 w 10853928"/>
+              <a:gd name="connsiteY32" fmla="*/ 18288 h 18288"/>
+              <a:gd name="connsiteX33" fmla="*/ 976854 w 10853928"/>
+              <a:gd name="connsiteY33" fmla="*/ 18288 h 18288"/>
+              <a:gd name="connsiteX34" fmla="*/ 0 w 10853928"/>
+              <a:gd name="connsiteY34" fmla="*/ 18288 h 18288"/>
+              <a:gd name="connsiteX35" fmla="*/ 0 w 10853928"/>
+              <a:gd name="connsiteY35" fmla="*/ 0 h 18288"/>
+            </a:gdLst>
+            <a:ahLst/>
+            <a:cxnLst>
+              <a:cxn ang="0">
+                <a:pos x="connsiteX0" y="connsiteY0"/>
+              </a:cxn>
+              <a:cxn ang="0">
+                <a:pos x="connsiteX1" y="connsiteY1"/>
+              </a:cxn>
+              <a:cxn ang="0">
+                <a:pos x="connsiteX2" y="connsiteY2"/>
+              </a:cxn>
+              <a:cxn ang="0">
+                <a:pos x="connsiteX3" y="connsiteY3"/>
+              </a:cxn>
+              <a:cxn ang="0">
+                <a:pos x="connsiteX4" y="connsiteY4"/>
+              </a:cxn>
+              <a:cxn ang="0">
+                <a:pos x="connsiteX5" y="connsiteY5"/>
+              </a:cxn>
+              <a:cxn ang="0">
+                <a:pos x="connsiteX6" y="connsiteY6"/>
+              </a:cxn>
+              <a:cxn ang="0">
+                <a:pos x="connsiteX7" y="connsiteY7"/>
+              </a:cxn>
+              <a:cxn ang="0">
+                <a:pos x="connsiteX8" y="connsiteY8"/>
+              </a:cxn>
+              <a:cxn ang="0">
+                <a:pos x="connsiteX9" y="connsiteY9"/>
+              </a:cxn>
+              <a:cxn ang="0">
+                <a:pos x="connsiteX10" y="connsiteY10"/>
+              </a:cxn>
+              <a:cxn ang="0">
+                <a:pos x="connsiteX11" y="connsiteY11"/>
+              </a:cxn>
+              <a:cxn ang="0">
+                <a:pos x="connsiteX12" y="connsiteY12"/>
+              </a:cxn>
+              <a:cxn ang="0">
+                <a:pos x="connsiteX13" y="connsiteY13"/>
+              </a:cxn>
+              <a:cxn ang="0">
+                <a:pos x="connsiteX14" y="connsiteY14"/>
+              </a:cxn>
+              <a:cxn ang="0">
+                <a:pos x="connsiteX15" y="connsiteY15"/>
+              </a:cxn>
+              <a:cxn ang="0">
+                <a:pos x="connsiteX16" y="connsiteY16"/>
+              </a:cxn>
+              <a:cxn ang="0">
+                <a:pos x="connsiteX17" y="connsiteY17"/>
+              </a:cxn>
+              <a:cxn ang="0">
+                <a:pos x="connsiteX18" y="connsiteY18"/>
+              </a:cxn>
+              <a:cxn ang="0">
+                <a:pos x="connsiteX19" y="connsiteY19"/>
+              </a:cxn>
+              <a:cxn ang="0">
+                <a:pos x="connsiteX20" y="connsiteY20"/>
+              </a:cxn>
+              <a:cxn ang="0">
+                <a:pos x="connsiteX21" y="connsiteY21"/>
+              </a:cxn>
+              <a:cxn ang="0">
+                <a:pos x="connsiteX22" y="connsiteY22"/>
+              </a:cxn>
+              <a:cxn ang="0">
+                <a:pos x="connsiteX23" y="connsiteY23"/>
+              </a:cxn>
+              <a:cxn ang="0">
+                <a:pos x="connsiteX24" y="connsiteY24"/>
+              </a:cxn>
+              <a:cxn ang="0">
+                <a:pos x="connsiteX25" y="connsiteY25"/>
+              </a:cxn>
+              <a:cxn ang="0">
+                <a:pos x="connsiteX26" y="connsiteY26"/>
+              </a:cxn>
+              <a:cxn ang="0">
+                <a:pos x="connsiteX27" y="connsiteY27"/>
+              </a:cxn>
+              <a:cxn ang="0">
+                <a:pos x="connsiteX28" y="connsiteY28"/>
+              </a:cxn>
+              <a:cxn ang="0">
+                <a:pos x="connsiteX29" y="connsiteY29"/>
+              </a:cxn>
+              <a:cxn ang="0">
+                <a:pos x="connsiteX30" y="connsiteY30"/>
+              </a:cxn>
+              <a:cxn ang="0">
+                <a:pos x="connsiteX31" y="connsiteY31"/>
+              </a:cxn>
+              <a:cxn ang="0">
+                <a:pos x="connsiteX32" y="connsiteY32"/>
+              </a:cxn>
+              <a:cxn ang="0">
+                <a:pos x="connsiteX33" y="connsiteY33"/>
+              </a:cxn>
+              <a:cxn ang="0">
+                <a:pos x="connsiteX34" y="connsiteY34"/>
+              </a:cxn>
+              <a:cxn ang="0">
+                <a:pos x="connsiteX35" y="connsiteY35"/>
+              </a:cxn>
+            </a:cxnLst>
+            <a:rect l="l" t="t" r="r" b="b"/>
+            <a:pathLst>
+              <a:path w="10853928" h="18288" fill="none" extrusionOk="0">
+                <a:moveTo>
+                  <a:pt x="0" y="0"/>
+                </a:moveTo>
+                <a:cubicBezTo>
+                  <a:pt x="146993" y="-19076"/>
+                  <a:pt x="347684" y="-4790"/>
+                  <a:pt x="461292" y="0"/>
+                </a:cubicBezTo>
+                <a:cubicBezTo>
+                  <a:pt x="574900" y="4790"/>
+                  <a:pt x="808367" y="19821"/>
+                  <a:pt x="1139662" y="0"/>
+                </a:cubicBezTo>
+                <a:cubicBezTo>
+                  <a:pt x="1470957" y="-19821"/>
+                  <a:pt x="1627405" y="5721"/>
+                  <a:pt x="1926572" y="0"/>
+                </a:cubicBezTo>
+                <a:cubicBezTo>
+                  <a:pt x="2225739" y="-5721"/>
+                  <a:pt x="2137730" y="-3235"/>
+                  <a:pt x="2279325" y="0"/>
+                </a:cubicBezTo>
+                <a:cubicBezTo>
+                  <a:pt x="2420920" y="3235"/>
+                  <a:pt x="2456518" y="9685"/>
+                  <a:pt x="2632078" y="0"/>
+                </a:cubicBezTo>
+                <a:cubicBezTo>
+                  <a:pt x="2807638" y="-9685"/>
+                  <a:pt x="3211516" y="-43007"/>
+                  <a:pt x="3527527" y="0"/>
+                </a:cubicBezTo>
+                <a:cubicBezTo>
+                  <a:pt x="3843538" y="43007"/>
+                  <a:pt x="4058833" y="22042"/>
+                  <a:pt x="4205897" y="0"/>
+                </a:cubicBezTo>
+                <a:cubicBezTo>
+                  <a:pt x="4352961" y="-22042"/>
+                  <a:pt x="4474805" y="-11846"/>
+                  <a:pt x="4558650" y="0"/>
+                </a:cubicBezTo>
+                <a:cubicBezTo>
+                  <a:pt x="4642495" y="11846"/>
+                  <a:pt x="5041928" y="-6069"/>
+                  <a:pt x="5237020" y="0"/>
+                </a:cubicBezTo>
+                <a:cubicBezTo>
+                  <a:pt x="5432112" y="6069"/>
+                  <a:pt x="5943266" y="-17479"/>
+                  <a:pt x="6132469" y="0"/>
+                </a:cubicBezTo>
+                <a:cubicBezTo>
+                  <a:pt x="6321672" y="17479"/>
+                  <a:pt x="6483872" y="26234"/>
+                  <a:pt x="6702301" y="0"/>
+                </a:cubicBezTo>
+                <a:cubicBezTo>
+                  <a:pt x="6920730" y="-26234"/>
+                  <a:pt x="6991194" y="-15156"/>
+                  <a:pt x="7272132" y="0"/>
+                </a:cubicBezTo>
+                <a:cubicBezTo>
+                  <a:pt x="7553070" y="15156"/>
+                  <a:pt x="7684444" y="-32961"/>
+                  <a:pt x="7950502" y="0"/>
+                </a:cubicBezTo>
+                <a:cubicBezTo>
+                  <a:pt x="8216560" y="32961"/>
+                  <a:pt x="8493290" y="-10491"/>
+                  <a:pt x="8737412" y="0"/>
+                </a:cubicBezTo>
+                <a:cubicBezTo>
+                  <a:pt x="8981534" y="10491"/>
+                  <a:pt x="9191586" y="-13899"/>
+                  <a:pt x="9524322" y="0"/>
+                </a:cubicBezTo>
+                <a:cubicBezTo>
+                  <a:pt x="9857058" y="13899"/>
+                  <a:pt x="10297509" y="7485"/>
+                  <a:pt x="10853928" y="0"/>
+                </a:cubicBezTo>
+                <a:cubicBezTo>
+                  <a:pt x="10854574" y="4451"/>
+                  <a:pt x="10854418" y="9226"/>
+                  <a:pt x="10853928" y="18288"/>
+                </a:cubicBezTo>
+                <a:cubicBezTo>
+                  <a:pt x="10691638" y="28522"/>
+                  <a:pt x="10574319" y="29578"/>
+                  <a:pt x="10392636" y="18288"/>
+                </a:cubicBezTo>
+                <a:cubicBezTo>
+                  <a:pt x="10210953" y="6998"/>
+                  <a:pt x="9836277" y="-16742"/>
+                  <a:pt x="9497187" y="18288"/>
+                </a:cubicBezTo>
+                <a:cubicBezTo>
+                  <a:pt x="9158097" y="53318"/>
+                  <a:pt x="9119479" y="30714"/>
+                  <a:pt x="8818817" y="18288"/>
+                </a:cubicBezTo>
+                <a:cubicBezTo>
+                  <a:pt x="8518155" y="5863"/>
+                  <a:pt x="8640037" y="6483"/>
+                  <a:pt x="8466064" y="18288"/>
+                </a:cubicBezTo>
+                <a:cubicBezTo>
+                  <a:pt x="8292091" y="30093"/>
+                  <a:pt x="7997656" y="18914"/>
+                  <a:pt x="7787693" y="18288"/>
+                </a:cubicBezTo>
+                <a:cubicBezTo>
+                  <a:pt x="7577730" y="17662"/>
+                  <a:pt x="7412468" y="21416"/>
+                  <a:pt x="7217862" y="18288"/>
+                </a:cubicBezTo>
+                <a:cubicBezTo>
+                  <a:pt x="7023256" y="15160"/>
+                  <a:pt x="6898018" y="14824"/>
+                  <a:pt x="6648031" y="18288"/>
+                </a:cubicBezTo>
+                <a:cubicBezTo>
+                  <a:pt x="6398044" y="21752"/>
+                  <a:pt x="6254402" y="38625"/>
+                  <a:pt x="6078200" y="18288"/>
+                </a:cubicBezTo>
+                <a:cubicBezTo>
+                  <a:pt x="5901998" y="-2049"/>
+                  <a:pt x="5622886" y="3213"/>
+                  <a:pt x="5508368" y="18288"/>
+                </a:cubicBezTo>
+                <a:cubicBezTo>
+                  <a:pt x="5393850" y="33363"/>
+                  <a:pt x="5036260" y="26830"/>
+                  <a:pt x="4721459" y="18288"/>
+                </a:cubicBezTo>
+                <a:cubicBezTo>
+                  <a:pt x="4406658" y="9746"/>
+                  <a:pt x="4239221" y="41551"/>
+                  <a:pt x="4043088" y="18288"/>
+                </a:cubicBezTo>
+                <a:cubicBezTo>
+                  <a:pt x="3846955" y="-4975"/>
+                  <a:pt x="3818802" y="34658"/>
+                  <a:pt x="3690336" y="18288"/>
+                </a:cubicBezTo>
+                <a:cubicBezTo>
+                  <a:pt x="3561870" y="1918"/>
+                  <a:pt x="3265491" y="42194"/>
+                  <a:pt x="3120504" y="18288"/>
+                </a:cubicBezTo>
+                <a:cubicBezTo>
+                  <a:pt x="2975517" y="-5618"/>
+                  <a:pt x="2720254" y="36673"/>
+                  <a:pt x="2333595" y="18288"/>
+                </a:cubicBezTo>
+                <a:cubicBezTo>
+                  <a:pt x="1946936" y="-97"/>
+                  <a:pt x="2097241" y="5776"/>
+                  <a:pt x="1872303" y="18288"/>
+                </a:cubicBezTo>
+                <a:cubicBezTo>
+                  <a:pt x="1647365" y="30800"/>
+                  <a:pt x="1282708" y="45380"/>
+                  <a:pt x="976854" y="18288"/>
+                </a:cubicBezTo>
+                <a:cubicBezTo>
+                  <a:pt x="671000" y="-8804"/>
+                  <a:pt x="408401" y="-12775"/>
+                  <a:pt x="0" y="18288"/>
+                </a:cubicBezTo>
+                <a:cubicBezTo>
+                  <a:pt x="-213" y="9468"/>
+                  <a:pt x="187" y="4459"/>
+                  <a:pt x="0" y="0"/>
+                </a:cubicBezTo>
+                <a:close/>
+              </a:path>
+              <a:path w="10853928" h="18288" stroke="0" extrusionOk="0">
+                <a:moveTo>
+                  <a:pt x="0" y="0"/>
+                </a:moveTo>
+                <a:cubicBezTo>
+                  <a:pt x="267322" y="15284"/>
+                  <a:pt x="415388" y="-21048"/>
+                  <a:pt x="569831" y="0"/>
+                </a:cubicBezTo>
+                <a:cubicBezTo>
+                  <a:pt x="724274" y="21048"/>
+                  <a:pt x="769333" y="-2353"/>
+                  <a:pt x="922584" y="0"/>
+                </a:cubicBezTo>
+                <a:cubicBezTo>
+                  <a:pt x="1075835" y="2353"/>
+                  <a:pt x="1399490" y="-145"/>
+                  <a:pt x="1818033" y="0"/>
+                </a:cubicBezTo>
+                <a:cubicBezTo>
+                  <a:pt x="2236576" y="145"/>
+                  <a:pt x="2145330" y="5482"/>
+                  <a:pt x="2387864" y="0"/>
+                </a:cubicBezTo>
+                <a:cubicBezTo>
+                  <a:pt x="2630398" y="-5482"/>
+                  <a:pt x="2793207" y="18487"/>
+                  <a:pt x="2957695" y="0"/>
+                </a:cubicBezTo>
+                <a:cubicBezTo>
+                  <a:pt x="3122183" y="-18487"/>
+                  <a:pt x="3579141" y="19003"/>
+                  <a:pt x="3853144" y="0"/>
+                </a:cubicBezTo>
+                <a:cubicBezTo>
+                  <a:pt x="4127147" y="-19003"/>
+                  <a:pt x="4209857" y="12211"/>
+                  <a:pt x="4314436" y="0"/>
+                </a:cubicBezTo>
+                <a:cubicBezTo>
+                  <a:pt x="4419015" y="-12211"/>
+                  <a:pt x="4762459" y="-17220"/>
+                  <a:pt x="5209885" y="0"/>
+                </a:cubicBezTo>
+                <a:cubicBezTo>
+                  <a:pt x="5657311" y="17220"/>
+                  <a:pt x="5692663" y="-3290"/>
+                  <a:pt x="6105335" y="0"/>
+                </a:cubicBezTo>
+                <a:cubicBezTo>
+                  <a:pt x="6518007" y="3290"/>
+                  <a:pt x="6455516" y="-5124"/>
+                  <a:pt x="6783705" y="0"/>
+                </a:cubicBezTo>
+                <a:cubicBezTo>
+                  <a:pt x="7111894" y="5124"/>
+                  <a:pt x="7441941" y="-17829"/>
+                  <a:pt x="7679154" y="0"/>
+                </a:cubicBezTo>
+                <a:cubicBezTo>
+                  <a:pt x="7916367" y="17829"/>
+                  <a:pt x="8102967" y="-24363"/>
+                  <a:pt x="8248985" y="0"/>
+                </a:cubicBezTo>
+                <a:cubicBezTo>
+                  <a:pt x="8395003" y="24363"/>
+                  <a:pt x="8552393" y="25505"/>
+                  <a:pt x="8818817" y="0"/>
+                </a:cubicBezTo>
+                <a:cubicBezTo>
+                  <a:pt x="9085241" y="-25505"/>
+                  <a:pt x="9411308" y="38000"/>
+                  <a:pt x="9605726" y="0"/>
+                </a:cubicBezTo>
+                <a:cubicBezTo>
+                  <a:pt x="9800144" y="-38000"/>
+                  <a:pt x="10006468" y="-25741"/>
+                  <a:pt x="10175558" y="0"/>
+                </a:cubicBezTo>
+                <a:cubicBezTo>
+                  <a:pt x="10344648" y="25741"/>
+                  <a:pt x="10696282" y="695"/>
+                  <a:pt x="10853928" y="0"/>
+                </a:cubicBezTo>
+                <a:cubicBezTo>
+                  <a:pt x="10853521" y="8690"/>
+                  <a:pt x="10853774" y="14141"/>
+                  <a:pt x="10853928" y="18288"/>
+                </a:cubicBezTo>
+                <a:cubicBezTo>
+                  <a:pt x="10608124" y="24255"/>
+                  <a:pt x="10343415" y="22307"/>
+                  <a:pt x="10067018" y="18288"/>
+                </a:cubicBezTo>
+                <a:cubicBezTo>
+                  <a:pt x="9790621" y="14270"/>
+                  <a:pt x="9843266" y="3564"/>
+                  <a:pt x="9714266" y="18288"/>
+                </a:cubicBezTo>
+                <a:cubicBezTo>
+                  <a:pt x="9585266" y="33012"/>
+                  <a:pt x="9379484" y="1875"/>
+                  <a:pt x="9252974" y="18288"/>
+                </a:cubicBezTo>
+                <a:cubicBezTo>
+                  <a:pt x="9126464" y="34701"/>
+                  <a:pt x="8580678" y="-4904"/>
+                  <a:pt x="8357525" y="18288"/>
+                </a:cubicBezTo>
+                <a:cubicBezTo>
+                  <a:pt x="8134372" y="41480"/>
+                  <a:pt x="7903199" y="26458"/>
+                  <a:pt x="7679154" y="18288"/>
+                </a:cubicBezTo>
+                <a:cubicBezTo>
+                  <a:pt x="7455109" y="10118"/>
+                  <a:pt x="7435944" y="27109"/>
+                  <a:pt x="7217862" y="18288"/>
+                </a:cubicBezTo>
+                <a:cubicBezTo>
+                  <a:pt x="6999780" y="9467"/>
+                  <a:pt x="6680409" y="18985"/>
+                  <a:pt x="6539492" y="18288"/>
+                </a:cubicBezTo>
+                <a:cubicBezTo>
+                  <a:pt x="6398575" y="17592"/>
+                  <a:pt x="6312077" y="33018"/>
+                  <a:pt x="6186739" y="18288"/>
+                </a:cubicBezTo>
+                <a:cubicBezTo>
+                  <a:pt x="6061401" y="3558"/>
+                  <a:pt x="5947033" y="12075"/>
+                  <a:pt x="5833986" y="18288"/>
+                </a:cubicBezTo>
+                <a:cubicBezTo>
+                  <a:pt x="5720939" y="24501"/>
+                  <a:pt x="5482226" y="8586"/>
+                  <a:pt x="5155616" y="18288"/>
+                </a:cubicBezTo>
+                <a:cubicBezTo>
+                  <a:pt x="4829006" y="27991"/>
+                  <a:pt x="4841274" y="29316"/>
+                  <a:pt x="4694324" y="18288"/>
+                </a:cubicBezTo>
+                <a:cubicBezTo>
+                  <a:pt x="4547374" y="7260"/>
+                  <a:pt x="4077675" y="7013"/>
+                  <a:pt x="3907414" y="18288"/>
+                </a:cubicBezTo>
+                <a:cubicBezTo>
+                  <a:pt x="3737153" y="29564"/>
+                  <a:pt x="3538393" y="21630"/>
+                  <a:pt x="3446122" y="18288"/>
+                </a:cubicBezTo>
+                <a:cubicBezTo>
+                  <a:pt x="3353851" y="14946"/>
+                  <a:pt x="2990320" y="-8091"/>
+                  <a:pt x="2659212" y="18288"/>
+                </a:cubicBezTo>
+                <a:cubicBezTo>
+                  <a:pt x="2328104" y="44667"/>
+                  <a:pt x="2427653" y="9607"/>
+                  <a:pt x="2306460" y="18288"/>
+                </a:cubicBezTo>
+                <a:cubicBezTo>
+                  <a:pt x="2185267" y="26969"/>
+                  <a:pt x="1719763" y="3717"/>
+                  <a:pt x="1519550" y="18288"/>
+                </a:cubicBezTo>
+                <a:cubicBezTo>
+                  <a:pt x="1319337" y="32860"/>
+                  <a:pt x="1167371" y="17040"/>
+                  <a:pt x="1058258" y="18288"/>
+                </a:cubicBezTo>
+                <a:cubicBezTo>
+                  <a:pt x="949145" y="19536"/>
+                  <a:pt x="780234" y="31447"/>
+                  <a:pt x="705505" y="18288"/>
+                </a:cubicBezTo>
+                <a:cubicBezTo>
+                  <a:pt x="630776" y="5129"/>
+                  <a:pt x="215796" y="30056"/>
+                  <a:pt x="0" y="18288"/>
+                </a:cubicBezTo>
+                <a:cubicBezTo>
+                  <a:pt x="-53" y="11301"/>
+                  <a:pt x="-649" y="7756"/>
+                  <a:pt x="0" y="0"/>
+                </a:cubicBezTo>
+                <a:close/>
+              </a:path>
+            </a:pathLst>
+          </a:custGeom>
+          <a:solidFill>
+            <a:schemeClr val="accent2"/>
+          </a:solidFill>
+          <a:ln w="41275" cap="rnd">
+            <a:solidFill>
+              <a:schemeClr val="accent2"/>
+            </a:solidFill>
+            <a:round/>
+            <a:extLst>
+              <a:ext uri="{C807C97D-BFC1-408E-A445-0C87EB9F89A2}">
+                <ask:lineSketchStyleProps xmlns:ask="http://schemas.microsoft.com/office/drawing/2018/sketchyshapes" sd="1219033472">
+                  <a:prstGeom prst="rect">
+                    <a:avLst/>
+                  </a:prstGeom>
+                  <ask:type>
+                    <ask:lineSketchFreehand/>
+                  </ask:type>
+                </ask:lineSketchStyleProps>
+              </a:ext>
+            </a:extLst>
+          </a:ln>
+        </p:spPr>
+        <p:style>
+          <a:lnRef idx="2">
+            <a:schemeClr val="accent1">
+              <a:shade val="50000"/>
+            </a:schemeClr>
+          </a:lnRef>
+          <a:fillRef idx="1">
+            <a:schemeClr val="accent1"/>
+          </a:fillRef>
+          <a:effectRef idx="0">
+            <a:schemeClr val="accent1"/>
+          </a:effectRef>
+          <a:fontRef idx="minor">
+            <a:schemeClr val="lt1"/>
+          </a:fontRef>
+        </p:style>
+        <p:txBody>
+          <a:bodyPr rtlCol="0" anchor="ctr"/>
+          <a:lstStyle/>
+          <a:p>
+            <a:pPr algn="ctr"/>
+            <a:endParaRPr lang="en-US"/>
+          </a:p>
+        </p:txBody>
+      </p:sp>
+      <p:sp>
+        <p:nvSpPr>
+          <p:cNvPr id="3" name="Espace réservé du contenu 2">
+            <a:extLst>
+              <a:ext uri="{FF2B5EF4-FFF2-40B4-BE49-F238E27FC236}">
+                <a16:creationId xmlns:a16="http://schemas.microsoft.com/office/drawing/2014/main" id="{BB56521E-9469-DB0F-23B8-A93F59D3E96A}"/>
+              </a:ext>
+            </a:extLst>
+          </p:cNvPr>
+          <p:cNvSpPr>
+            <a:spLocks noGrp="1"/>
+          </p:cNvSpPr>
+          <p:nvPr>
+            <p:ph idx="1"/>
+          </p:nvPr>
+        </p:nvSpPr>
+        <p:spPr>
+          <a:xfrm>
+            <a:off x="838200" y="1929384"/>
+            <a:ext cx="10515600" cy="4251960"/>
+          </a:xfrm>
+        </p:spPr>
+        <p:txBody>
+          <a:bodyPr>
+            <a:normAutofit/>
+          </a:bodyPr>
+          <a:lstStyle/>
+          <a:p>
+            <a:r>
+              <a:rPr lang="fr-FR" sz="2200" dirty="0"/>
+              <a:t>Le panneau Point d’intérêt permet de modifier la finesse du traçage des contours d’un pays. Il existe 3 niveaux différents, rangés dans le dossier « </a:t>
+            </a:r>
+            <a:r>
+              <a:rPr lang="fr-FR" sz="2200" dirty="0" err="1"/>
+              <a:t>dataset</a:t>
+            </a:r>
+            <a:r>
+              <a:rPr lang="fr-FR" sz="2200" dirty="0"/>
+              <a:t> » :</a:t>
+            </a:r>
+          </a:p>
+          <a:p>
+            <a:pPr lvl="1">
+              <a:buFontTx/>
+              <a:buChar char="-"/>
+            </a:pPr>
+            <a:r>
+              <a:rPr lang="fr-FR" sz="2200" dirty="0"/>
+              <a:t>10: niveau le plus fin, prend en compte les iles de toutes tailles ainsi que l’embouchure des fleuves, contour précis;</a:t>
+            </a:r>
+          </a:p>
+          <a:p>
+            <a:pPr lvl="1">
+              <a:buFontTx/>
+              <a:buChar char="-"/>
+            </a:pPr>
+            <a:r>
+              <a:rPr lang="fr-FR" sz="2200" dirty="0"/>
+              <a:t>50: niveau intermédiaire, suffisant dans la plus part des applications, ne prend en compte que les iles de grandes tailles;</a:t>
+            </a:r>
+          </a:p>
+          <a:p>
+            <a:pPr lvl="1">
+              <a:buFontTx/>
+              <a:buChar char="-"/>
+            </a:pPr>
+            <a:r>
+              <a:rPr lang="fr-FR" sz="2200" dirty="0"/>
+              <a:t>110: niveau le plus gros, ne prend pas en compte les iles, contours assez grossiers, adapté pour les longues simulations avec de nombreux ZOI.</a:t>
+            </a:r>
+          </a:p>
+        </p:txBody>
+      </p:sp>
+    </p:spTree>
+    <p:extLst>
+      <p:ext uri="{BB962C8B-B14F-4D97-AF65-F5344CB8AC3E}">
+        <p14:creationId xmlns:p14="http://schemas.microsoft.com/office/powerpoint/2010/main" val="2352253099"/>
+      </p:ext>
+    </p:extLst>
+  </p:cSld>
+  <p:clrMapOvr>
+    <a:masterClrMapping/>
+  </p:clrMapOvr>
+</p:sld>
+</file>
+
+<file path=ppt/slides/slide17.xml><?xml version="1.0" encoding="utf-8"?>
+<p:sld xmlns:a="http://schemas.openxmlformats.org/drawingml/2006/main" xmlns:r="http://schemas.openxmlformats.org/officeDocument/2006/relationships" xmlns:p="http://schemas.openxmlformats.org/presentationml/2006/main">
+  <p:cSld>
+    <p:bg>
+      <p:bgPr>
+        <a:solidFill>
+          <a:schemeClr val="bg1"/>
+        </a:solidFill>
+        <a:effectLst/>
+      </p:bgPr>
+    </p:bg>
+    <p:spTree>
+      <p:nvGrpSpPr>
+        <p:cNvPr id="1" name=""/>
+        <p:cNvGrpSpPr/>
+        <p:nvPr/>
+      </p:nvGrpSpPr>
+      <p:grpSpPr>
+        <a:xfrm>
+          <a:off x="0" y="0"/>
+          <a:ext cx="0" cy="0"/>
+          <a:chOff x="0" y="0"/>
+          <a:chExt cx="0" cy="0"/>
+        </a:xfrm>
+      </p:grpSpPr>
+      <p:sp useBgFill="1">
+        <p:nvSpPr>
+          <p:cNvPr id="9" name="Rectangle 8">
+            <a:extLst>
+              <a:ext uri="{FF2B5EF4-FFF2-40B4-BE49-F238E27FC236}">
+                <a16:creationId xmlns:a16="http://schemas.microsoft.com/office/drawing/2014/main" id="{56E9B3E6-E277-4D68-BA48-9CB43FFBD6E2}"/>
+              </a:ext>
+              <a:ext uri="{C183D7F6-B498-43B3-948B-1728B52AA6E4}">
+                <adec:decorative xmlns:adec="http://schemas.microsoft.com/office/drawing/2017/decorative" val="1"/>
+              </a:ext>
+            </a:extLst>
+          </p:cNvPr>
+          <p:cNvSpPr>
+            <a:spLocks noGrp="1" noRot="1" noChangeAspect="1" noMove="1" noResize="1" noEditPoints="1" noAdjustHandles="1" noChangeArrowheads="1" noChangeShapeType="1" noTextEdit="1"/>
+          </p:cNvSpPr>
+          <p:nvPr>
+            <p:extLst>
+              <p:ext uri="{386F3935-93C4-4BCD-93E2-E3B085C9AB24}">
+                <p16:designElem xmlns:p16="http://schemas.microsoft.com/office/powerpoint/2015/main" val="1"/>
+              </p:ext>
+            </p:extLst>
+          </p:nvPr>
+        </p:nvSpPr>
+        <p:spPr>
+          <a:xfrm>
+            <a:off x="0" y="0"/>
+            <a:ext cx="12191999" cy="6857365"/>
+          </a:xfrm>
+          <a:prstGeom prst="rect">
+            <a:avLst/>
+          </a:prstGeom>
+          <a:ln>
+            <a:noFill/>
+          </a:ln>
+        </p:spPr>
+        <p:style>
+          <a:lnRef idx="2">
+            <a:schemeClr val="accent1">
+              <a:shade val="50000"/>
+            </a:schemeClr>
+          </a:lnRef>
+          <a:fillRef idx="1">
+            <a:schemeClr val="accent1"/>
+          </a:fillRef>
+          <a:effectRef idx="0">
+            <a:schemeClr val="accent1"/>
+          </a:effectRef>
+          <a:fontRef idx="minor">
+            <a:schemeClr val="lt1"/>
+          </a:fontRef>
+        </p:style>
+        <p:txBody>
+          <a:bodyPr rtlCol="0" anchor="ctr"/>
+          <a:lstStyle/>
+          <a:p>
+            <a:pPr algn="ctr"/>
+            <a:endParaRPr lang="en-US"/>
+          </a:p>
+        </p:txBody>
+      </p:sp>
+      <p:grpSp>
+        <p:nvGrpSpPr>
+          <p:cNvPr id="11" name="Group 10">
+            <a:extLst>
+              <a:ext uri="{FF2B5EF4-FFF2-40B4-BE49-F238E27FC236}">
+                <a16:creationId xmlns:a16="http://schemas.microsoft.com/office/drawing/2014/main" id="{AE1C45F0-260A-458C-96ED-C1F6D2151219}"/>
+              </a:ext>
+              <a:ext uri="{C183D7F6-B498-43B3-948B-1728B52AA6E4}">
+                <adec:decorative xmlns:adec="http://schemas.microsoft.com/office/drawing/2017/decorative" val="1"/>
+              </a:ext>
+            </a:extLst>
+          </p:cNvPr>
+          <p:cNvGrpSpPr>
+            <a:grpSpLocks noGrp="1" noUngrp="1" noRot="1" noChangeAspect="1" noMove="1" noResize="1"/>
+          </p:cNvGrpSpPr>
+          <p:nvPr>
+            <p:extLst>
+              <p:ext uri="{386F3935-93C4-4BCD-93E2-E3B085C9AB24}">
+                <p16:designElem xmlns:p16="http://schemas.microsoft.com/office/powerpoint/2015/main" val="1"/>
+              </p:ext>
+            </p:extLst>
+          </p:nvPr>
+        </p:nvGrpSpPr>
+        <p:grpSpPr>
+          <a:xfrm>
+            <a:off x="4" y="1216597"/>
+            <a:ext cx="731521" cy="673460"/>
+            <a:chOff x="3940602" y="308034"/>
+            <a:chExt cx="2116791" cy="3428999"/>
+          </a:xfrm>
+          <a:solidFill>
+            <a:schemeClr val="accent4"/>
+          </a:solidFill>
+        </p:grpSpPr>
+        <p:sp>
+          <p:nvSpPr>
+            <p:cNvPr id="12" name="Rectangle 11">
+              <a:extLst>
+                <a:ext uri="{FF2B5EF4-FFF2-40B4-BE49-F238E27FC236}">
+                  <a16:creationId xmlns:a16="http://schemas.microsoft.com/office/drawing/2014/main" id="{A6604B49-AD5C-4590-B051-06C8222ECD99}"/>
+                </a:ext>
+                <a:ext uri="{C183D7F6-B498-43B3-948B-1728B52AA6E4}">
+                  <adec:decorative xmlns:adec="http://schemas.microsoft.com/office/drawing/2017/decorative" val="1"/>
+                </a:ext>
+              </a:extLst>
+            </p:cNvPr>
+            <p:cNvSpPr/>
+            <p:nvPr>
+              <p:extLst>
+                <p:ext uri="{386F3935-93C4-4BCD-93E2-E3B085C9AB24}">
+                  <p16:designElem xmlns:p16="http://schemas.microsoft.com/office/powerpoint/2015/main" val="1"/>
+                </p:ext>
+              </p:extLst>
+            </p:nvPr>
+          </p:nvSpPr>
+          <p:spPr>
+            <a:xfrm>
+              <a:off x="3940602" y="308034"/>
+              <a:ext cx="566743" cy="3428999"/>
+            </a:xfrm>
+            <a:prstGeom prst="rect">
+              <a:avLst/>
+            </a:prstGeom>
+            <a:grpFill/>
+            <a:ln>
+              <a:noFill/>
+            </a:ln>
+          </p:spPr>
+          <p:style>
+            <a:lnRef idx="2">
+              <a:schemeClr val="accent1">
+                <a:shade val="50000"/>
+              </a:schemeClr>
+            </a:lnRef>
+            <a:fillRef idx="1">
+              <a:schemeClr val="accent1"/>
+            </a:fillRef>
+            <a:effectRef idx="0">
+              <a:schemeClr val="accent1"/>
+            </a:effectRef>
+            <a:fontRef idx="minor">
+              <a:schemeClr val="lt1"/>
+            </a:fontRef>
+          </p:style>
+          <p:txBody>
+            <a:bodyPr rtlCol="0" anchor="ctr"/>
+            <a:lstStyle/>
+            <a:p>
+              <a:pPr algn="ctr"/>
+              <a:endParaRPr lang="en-US"/>
+            </a:p>
+          </p:txBody>
+        </p:sp>
+        <p:sp>
+          <p:nvSpPr>
+            <p:cNvPr id="13" name="Rectangle 12">
+              <a:extLst>
+                <a:ext uri="{FF2B5EF4-FFF2-40B4-BE49-F238E27FC236}">
+                  <a16:creationId xmlns:a16="http://schemas.microsoft.com/office/drawing/2014/main" id="{743ECCAF-29C5-4537-947C-7EA1292463DB}"/>
+                </a:ext>
+                <a:ext uri="{C183D7F6-B498-43B3-948B-1728B52AA6E4}">
+                  <adec:decorative xmlns:adec="http://schemas.microsoft.com/office/drawing/2017/decorative" val="1"/>
+                </a:ext>
+              </a:extLst>
+            </p:cNvPr>
+            <p:cNvSpPr/>
+            <p:nvPr>
+              <p:extLst>
+                <p:ext uri="{386F3935-93C4-4BCD-93E2-E3B085C9AB24}">
+                  <p16:designElem xmlns:p16="http://schemas.microsoft.com/office/powerpoint/2015/main" val="1"/>
+                </p:ext>
+              </p:extLst>
+            </p:nvPr>
+          </p:nvSpPr>
+          <p:spPr>
+            <a:xfrm>
+              <a:off x="4715626" y="308034"/>
+              <a:ext cx="566743" cy="3428999"/>
+            </a:xfrm>
+            <a:prstGeom prst="rect">
+              <a:avLst/>
+            </a:prstGeom>
+            <a:grpFill/>
+            <a:ln>
+              <a:noFill/>
+            </a:ln>
+          </p:spPr>
+          <p:style>
+            <a:lnRef idx="2">
+              <a:schemeClr val="accent1">
+                <a:shade val="50000"/>
+              </a:schemeClr>
+            </a:lnRef>
+            <a:fillRef idx="1">
+              <a:schemeClr val="accent1"/>
+            </a:fillRef>
+            <a:effectRef idx="0">
+              <a:schemeClr val="accent1"/>
+            </a:effectRef>
+            <a:fontRef idx="minor">
+              <a:schemeClr val="lt1"/>
+            </a:fontRef>
+          </p:style>
+          <p:txBody>
+            <a:bodyPr rtlCol="0" anchor="ctr"/>
+            <a:lstStyle/>
+            <a:p>
+              <a:pPr algn="ctr"/>
+              <a:endParaRPr lang="en-US"/>
+            </a:p>
+          </p:txBody>
+        </p:sp>
+        <p:sp>
+          <p:nvSpPr>
+            <p:cNvPr id="14" name="Rectangle 13">
+              <a:extLst>
+                <a:ext uri="{FF2B5EF4-FFF2-40B4-BE49-F238E27FC236}">
+                  <a16:creationId xmlns:a16="http://schemas.microsoft.com/office/drawing/2014/main" id="{ED49787B-8DE6-4467-AD0A-8DECC6E0C2D6}"/>
+                </a:ext>
+                <a:ext uri="{C183D7F6-B498-43B3-948B-1728B52AA6E4}">
+                  <adec:decorative xmlns:adec="http://schemas.microsoft.com/office/drawing/2017/decorative" val="1"/>
+                </a:ext>
+              </a:extLst>
+            </p:cNvPr>
+            <p:cNvSpPr/>
+            <p:nvPr>
+              <p:extLst>
+                <p:ext uri="{386F3935-93C4-4BCD-93E2-E3B085C9AB24}">
+                  <p16:designElem xmlns:p16="http://schemas.microsoft.com/office/powerpoint/2015/main" val="1"/>
+                </p:ext>
+              </p:extLst>
+            </p:nvPr>
+          </p:nvSpPr>
+          <p:spPr>
+            <a:xfrm>
+              <a:off x="5490650" y="308034"/>
+              <a:ext cx="566743" cy="3428999"/>
+            </a:xfrm>
+            <a:prstGeom prst="rect">
+              <a:avLst/>
+            </a:prstGeom>
+            <a:grpFill/>
+            <a:ln>
+              <a:noFill/>
+            </a:ln>
+          </p:spPr>
+          <p:style>
+            <a:lnRef idx="2">
+              <a:schemeClr val="accent1">
+                <a:shade val="50000"/>
+              </a:schemeClr>
+            </a:lnRef>
+            <a:fillRef idx="1">
+              <a:schemeClr val="accent1"/>
+            </a:fillRef>
+            <a:effectRef idx="0">
+              <a:schemeClr val="accent1"/>
+            </a:effectRef>
+            <a:fontRef idx="minor">
+              <a:schemeClr val="lt1"/>
+            </a:fontRef>
+          </p:style>
+          <p:txBody>
+            <a:bodyPr rtlCol="0" anchor="ctr"/>
+            <a:lstStyle/>
+            <a:p>
+              <a:pPr algn="ctr"/>
+              <a:endParaRPr lang="en-US"/>
+            </a:p>
+          </p:txBody>
+        </p:sp>
+      </p:grpSp>
+      <p:sp>
+        <p:nvSpPr>
+          <p:cNvPr id="16" name="Rectangle 15">
+            <a:extLst>
+              <a:ext uri="{FF2B5EF4-FFF2-40B4-BE49-F238E27FC236}">
+                <a16:creationId xmlns:a16="http://schemas.microsoft.com/office/drawing/2014/main" id="{D5B0017B-2ECA-49AF-B397-DC140825DF8D}"/>
+              </a:ext>
+              <a:ext uri="{C183D7F6-B498-43B3-948B-1728B52AA6E4}">
+                <adec:decorative xmlns:adec="http://schemas.microsoft.com/office/drawing/2017/decorative" val="1"/>
+              </a:ext>
+            </a:extLst>
+          </p:cNvPr>
+          <p:cNvSpPr>
+            <a:spLocks noGrp="1" noRot="1" noChangeAspect="1" noMove="1" noResize="1" noEditPoints="1" noAdjustHandles="1" noChangeArrowheads="1" noChangeShapeType="1" noTextEdit="1"/>
+          </p:cNvSpPr>
+          <p:nvPr>
+            <p:extLst>
+              <p:ext uri="{386F3935-93C4-4BCD-93E2-E3B085C9AB24}">
+                <p16:designElem xmlns:p16="http://schemas.microsoft.com/office/powerpoint/2015/main" val="1"/>
+              </p:ext>
+            </p:extLst>
+          </p:nvPr>
+        </p:nvSpPr>
+        <p:spPr>
+          <a:xfrm>
+            <a:off x="640079" y="613954"/>
+            <a:ext cx="10907487" cy="1894116"/>
+          </a:xfrm>
+          <a:prstGeom prst="rect">
+            <a:avLst/>
+          </a:prstGeom>
+          <a:solidFill>
+            <a:schemeClr val="bg1"/>
+          </a:solidFill>
+          <a:ln>
+            <a:noFill/>
+          </a:ln>
+          <a:effectLst>
+            <a:outerShdw blurRad="139700" dist="127000" dir="5400000" algn="t" rotWithShape="0">
+              <a:prstClr val="black">
+                <a:alpha val="15000"/>
+              </a:prstClr>
+            </a:outerShdw>
+          </a:effectLst>
+        </p:spPr>
+        <p:style>
+          <a:lnRef idx="2">
+            <a:schemeClr val="accent1">
+              <a:shade val="50000"/>
+            </a:schemeClr>
+          </a:lnRef>
+          <a:fillRef idx="1">
+            <a:schemeClr val="accent1"/>
+          </a:fillRef>
+          <a:effectRef idx="0">
+            <a:schemeClr val="accent1"/>
+          </a:effectRef>
+          <a:fontRef idx="minor">
+            <a:schemeClr val="lt1"/>
+          </a:fontRef>
+        </p:style>
+        <p:txBody>
+          <a:bodyPr rtlCol="0" anchor="ctr"/>
+          <a:lstStyle/>
+          <a:p>
+            <a:pPr algn="ctr"/>
+            <a:endParaRPr lang="en-US"/>
+          </a:p>
+        </p:txBody>
+      </p:sp>
+      <p:sp>
+        <p:nvSpPr>
+          <p:cNvPr id="2" name="Titre 1">
+            <a:extLst>
+              <a:ext uri="{FF2B5EF4-FFF2-40B4-BE49-F238E27FC236}">
+                <a16:creationId xmlns:a16="http://schemas.microsoft.com/office/drawing/2014/main" id="{77D5A541-C5F6-A54F-2AD2-D937806F772F}"/>
+              </a:ext>
+            </a:extLst>
+          </p:cNvPr>
+          <p:cNvSpPr>
+            <a:spLocks noGrp="1"/>
+          </p:cNvSpPr>
+          <p:nvPr>
+            <p:ph type="title"/>
+          </p:nvPr>
+        </p:nvSpPr>
+        <p:spPr>
+          <a:xfrm>
+            <a:off x="1043631" y="809898"/>
+            <a:ext cx="10173010" cy="1554480"/>
+          </a:xfrm>
+        </p:spPr>
+        <p:txBody>
+          <a:bodyPr anchor="ctr">
+            <a:normAutofit/>
+          </a:bodyPr>
+          <a:lstStyle/>
+          <a:p>
+            <a:r>
+              <a:rPr lang="fr-FR" sz="4800"/>
+              <a:t>Pas de temps de la simulation</a:t>
+            </a:r>
+          </a:p>
+        </p:txBody>
+      </p:sp>
+      <p:cxnSp>
+        <p:nvCxnSpPr>
+          <p:cNvPr id="18" name="Straight Connector 17">
+            <a:extLst>
+              <a:ext uri="{FF2B5EF4-FFF2-40B4-BE49-F238E27FC236}">
+                <a16:creationId xmlns:a16="http://schemas.microsoft.com/office/drawing/2014/main" id="{6CF1BAF6-AD41-4082-B212-8A1F9A2E8779}"/>
+              </a:ext>
+              <a:ext uri="{C183D7F6-B498-43B3-948B-1728B52AA6E4}">
+                <adec:decorative xmlns:adec="http://schemas.microsoft.com/office/drawing/2017/decorative" val="1"/>
+              </a:ext>
+            </a:extLst>
+          </p:cNvPr>
+          <p:cNvCxnSpPr>
+            <a:cxnSpLocks noGrp="1" noRot="1" noChangeAspect="1" noMove="1" noResize="1" noEditPoints="1" noAdjustHandles="1" noChangeArrowheads="1" noChangeShapeType="1"/>
+          </p:cNvCxnSpPr>
+          <p:nvPr>
+            <p:extLst>
+              <p:ext uri="{386F3935-93C4-4BCD-93E2-E3B085C9AB24}">
+                <p16:designElem xmlns:p16="http://schemas.microsoft.com/office/powerpoint/2015/main" val="1"/>
+              </p:ext>
+            </p:extLst>
+          </p:nvPr>
+        </p:nvCxnSpPr>
+        <p:spPr>
+          <a:xfrm flipH="1">
+            <a:off x="838200" y="6485313"/>
+            <a:ext cx="10515600" cy="0"/>
+          </a:xfrm>
+          <a:prstGeom prst="line">
+            <a:avLst/>
+          </a:prstGeom>
+          <a:ln w="57150">
+            <a:solidFill>
+              <a:schemeClr val="accent4"/>
+            </a:solidFill>
+          </a:ln>
+        </p:spPr>
+        <p:style>
+          <a:lnRef idx="1">
+            <a:schemeClr val="accent1"/>
+          </a:lnRef>
+          <a:fillRef idx="0">
+            <a:schemeClr val="accent1"/>
+          </a:fillRef>
+          <a:effectRef idx="0">
+            <a:schemeClr val="accent1"/>
+          </a:effectRef>
+          <a:fontRef idx="minor">
+            <a:schemeClr val="tx1"/>
+          </a:fontRef>
+        </p:style>
+      </p:cxnSp>
+      <p:graphicFrame>
+        <p:nvGraphicFramePr>
+          <p:cNvPr id="5" name="Espace réservé du contenu 2">
+            <a:extLst>
+              <a:ext uri="{FF2B5EF4-FFF2-40B4-BE49-F238E27FC236}">
+                <a16:creationId xmlns:a16="http://schemas.microsoft.com/office/drawing/2014/main" id="{AEF879F6-594A-F370-5759-B1BD4D002154}"/>
+              </a:ext>
+            </a:extLst>
+          </p:cNvPr>
+          <p:cNvGraphicFramePr>
+            <a:graphicFrameLocks noGrp="1"/>
+          </p:cNvGraphicFramePr>
+          <p:nvPr>
+            <p:ph idx="1"/>
+            <p:extLst>
+              <p:ext uri="{D42A27DB-BD31-4B8C-83A1-F6EECF244321}">
+                <p14:modId xmlns:p14="http://schemas.microsoft.com/office/powerpoint/2010/main" val="772555841"/>
+              </p:ext>
+            </p:extLst>
+          </p:nvPr>
+        </p:nvGraphicFramePr>
+        <p:xfrm>
+          <a:off x="904602" y="3017519"/>
+          <a:ext cx="10378440" cy="3209902"/>
+        </p:xfrm>
+        <a:graphic>
+          <a:graphicData uri="http://schemas.openxmlformats.org/drawingml/2006/diagram">
+            <dgm:relIds xmlns:dgm="http://schemas.openxmlformats.org/drawingml/2006/diagram" xmlns:r="http://schemas.openxmlformats.org/officeDocument/2006/relationships" r:dm="rId2" r:lo="rId3" r:qs="rId4" r:cs="rId5"/>
+          </a:graphicData>
+        </a:graphic>
+      </p:graphicFrame>
+    </p:spTree>
+    <p:extLst>
+      <p:ext uri="{BB962C8B-B14F-4D97-AF65-F5344CB8AC3E}">
+        <p14:creationId xmlns:p14="http://schemas.microsoft.com/office/powerpoint/2010/main" val="722833940"/>
+      </p:ext>
+    </p:extLst>
+  </p:cSld>
+  <p:clrMapOvr>
+    <a:masterClrMapping/>
+  </p:clrMapOvr>
+</p:sld>
+</file>
+
+<file path=ppt/slides/slide18.xml><?xml version="1.0" encoding="utf-8"?>
+<p:sld xmlns:a="http://schemas.openxmlformats.org/drawingml/2006/main" xmlns:r="http://schemas.openxmlformats.org/officeDocument/2006/relationships" xmlns:p="http://schemas.openxmlformats.org/presentationml/2006/main">
+  <p:cSld>
     <p:spTree>
       <p:nvGrpSpPr>
         <p:cNvPr id="1" name=""/>
@@ -11519,7 +18365,7 @@
           <p:cNvPr id="2" name="Titre 1">
             <a:extLst>
               <a:ext uri="{FF2B5EF4-FFF2-40B4-BE49-F238E27FC236}">
-                <a16:creationId xmlns:a16="http://schemas.microsoft.com/office/drawing/2014/main" id="{3E9BF721-904D-2083-7614-3D225DED186C}"/>
+                <a16:creationId xmlns:a16="http://schemas.microsoft.com/office/drawing/2014/main" id="{357580BE-72C4-DF42-E3E9-33D377AAA8CE}"/>
               </a:ext>
             </a:extLst>
           </p:cNvPr>
@@ -11536,41 +18382,43 @@
           <a:lstStyle/>
           <a:p>
             <a:r>
-              <a:rPr lang="fr-FR" dirty="0"/>
-              <a:t>Concepts principaux</a:t>
+              <a:rPr lang="fr-FR"/>
+              <a:t>Nomenclature des satellites</a:t>
             </a:r>
+            <a:endParaRPr lang="fr-FR" dirty="0"/>
           </a:p>
         </p:txBody>
       </p:sp>
-      <p:sp>
-        <p:nvSpPr>
-          <p:cNvPr id="3" name="Espace réservé du contenu 2">
+      <p:graphicFrame>
+        <p:nvGraphicFramePr>
+          <p:cNvPr id="20" name="Espace réservé du contenu 2">
             <a:extLst>
               <a:ext uri="{FF2B5EF4-FFF2-40B4-BE49-F238E27FC236}">
-                <a16:creationId xmlns:a16="http://schemas.microsoft.com/office/drawing/2014/main" id="{BB56521E-9469-DB0F-23B8-A93F59D3E96A}"/>
+                <a16:creationId xmlns:a16="http://schemas.microsoft.com/office/drawing/2014/main" id="{9D1ED479-8ABF-220F-87C0-7FF8CA1F9FCC}"/>
               </a:ext>
             </a:extLst>
           </p:cNvPr>
-          <p:cNvSpPr>
-            <a:spLocks noGrp="1"/>
-          </p:cNvSpPr>
+          <p:cNvGraphicFramePr>
+            <a:graphicFrameLocks noGrp="1"/>
+          </p:cNvGraphicFramePr>
           <p:nvPr>
             <p:ph idx="1"/>
           </p:nvPr>
-        </p:nvSpPr>
-        <p:spPr/>
-        <p:txBody>
-          <a:bodyPr/>
-          <a:lstStyle/>
-          <a:p>
-            <a:endParaRPr lang="fr-FR"/>
-          </a:p>
-        </p:txBody>
-      </p:sp>
+        </p:nvGraphicFramePr>
+        <p:xfrm>
+          <a:off x="838200" y="1825625"/>
+          <a:ext cx="10515600" cy="4351338"/>
+        </p:xfrm>
+        <a:graphic>
+          <a:graphicData uri="http://schemas.openxmlformats.org/drawingml/2006/diagram">
+            <dgm:relIds xmlns:dgm="http://schemas.openxmlformats.org/drawingml/2006/diagram" xmlns:r="http://schemas.openxmlformats.org/officeDocument/2006/relationships" r:dm="rId2" r:lo="rId3" r:qs="rId4" r:cs="rId5"/>
+          </a:graphicData>
+        </a:graphic>
+      </p:graphicFrame>
     </p:spTree>
     <p:extLst>
       <p:ext uri="{BB962C8B-B14F-4D97-AF65-F5344CB8AC3E}">
-        <p14:creationId xmlns:p14="http://schemas.microsoft.com/office/powerpoint/2010/main" val="2352253099"/>
+        <p14:creationId xmlns:p14="http://schemas.microsoft.com/office/powerpoint/2010/main" val="3277483525"/>
       </p:ext>
     </p:extLst>
   </p:cSld>
@@ -12970,13 +19818,8 @@
           <a:p>
             <a:r>
               <a:rPr lang="fr-FR" dirty="0"/>
-              <a:t>Panneau Point d’</a:t>
+              <a:t>Panneau Point d’intérêt</a:t>
             </a:r>
-            <a:r>
-              <a:rPr lang="fr-FR" dirty="0" err="1"/>
-              <a:t>interet</a:t>
-            </a:r>
-            <a:endParaRPr lang="fr-FR" dirty="0"/>
           </a:p>
         </p:txBody>
       </p:sp>
@@ -13045,15 +19888,7 @@
           <a:p>
             <a:r>
               <a:rPr lang="fr-FR" sz="1800" dirty="0"/>
-              <a:t>Ce panneau permet de créer un point d’</a:t>
-            </a:r>
-            <a:r>
-              <a:rPr lang="fr-FR" sz="1800" dirty="0" err="1"/>
-              <a:t>interet</a:t>
-            </a:r>
-            <a:r>
-              <a:rPr lang="fr-FR" sz="1800" dirty="0"/>
-              <a:t> de plusieurs façons.</a:t>
+              <a:t>Ce panneau permet de créer un point d’intérêt de plusieurs façons.</a:t>
             </a:r>
           </a:p>
           <a:p>
@@ -13697,7 +20532,7 @@
         </p:spPr>
         <p:txBody>
           <a:bodyPr anchor="t">
-            <a:normAutofit lnSpcReduction="10000"/>
+            <a:normAutofit fontScale="92500"/>
           </a:bodyPr>
           <a:lstStyle/>
           <a:p>
@@ -13769,7 +20604,7 @@
             </a:pPr>
             <a:r>
               <a:rPr lang="fr-FR" sz="1700" dirty="0"/>
-              <a:t>La bande </a:t>
+              <a:t>La bande (VHF, UHF, L, S, C, X, Ku, K, Ka, V)</a:t>
             </a:r>
           </a:p>
           <a:p>
@@ -14264,18 +21099,18 @@
         </p:spPr>
         <p:txBody>
           <a:bodyPr anchor="t">
-            <a:normAutofit/>
+            <a:normAutofit lnSpcReduction="10000"/>
           </a:bodyPr>
           <a:lstStyle/>
           <a:p>
             <a:r>
-              <a:rPr lang="fr-FR" sz="1900"/>
+              <a:rPr lang="fr-FR" sz="1900" dirty="0"/>
               <a:t>Ce panneau sert à créer une mission.</a:t>
             </a:r>
           </a:p>
           <a:p>
             <a:r>
-              <a:rPr lang="fr-FR" sz="1900"/>
+              <a:rPr lang="fr-FR" sz="1900" dirty="0"/>
               <a:t>Il permet de renseigner les éléments suivants:</a:t>
             </a:r>
           </a:p>
@@ -14285,7 +21120,7 @@
               <a:buChar char="-"/>
             </a:pPr>
             <a:r>
-              <a:rPr lang="fr-FR" sz="1900"/>
+              <a:rPr lang="fr-FR" sz="1900" dirty="0"/>
               <a:t>Le nom</a:t>
             </a:r>
           </a:p>
@@ -14295,7 +21130,7 @@
               <a:buChar char="-"/>
             </a:pPr>
             <a:r>
-              <a:rPr lang="fr-FR" sz="1900"/>
+              <a:rPr lang="fr-FR" sz="1900" dirty="0"/>
               <a:t>La durée</a:t>
             </a:r>
           </a:p>
@@ -14305,8 +21140,8 @@
               <a:buChar char="-"/>
             </a:pPr>
             <a:r>
-              <a:rPr lang="fr-FR" sz="1900"/>
-              <a:t>Un pas de temps pour la simulation</a:t>
+              <a:rPr lang="fr-FR" sz="1900" dirty="0"/>
+              <a:t>Un pas de temps pour la simulation (converti en seconde dans le code !)</a:t>
             </a:r>
           </a:p>
           <a:p>
@@ -14315,7 +21150,7 @@
               <a:buChar char="-"/>
             </a:pPr>
             <a:r>
-              <a:rPr lang="fr-FR" sz="1900"/>
+              <a:rPr lang="fr-FR" sz="1900" dirty="0"/>
               <a:t>Le type de mission</a:t>
             </a:r>
           </a:p>
@@ -14325,7 +21160,7 @@
               <a:buChar char="-"/>
             </a:pPr>
             <a:r>
-              <a:rPr lang="fr-FR" sz="1900"/>
+              <a:rPr lang="fr-FR" sz="1900" dirty="0"/>
               <a:t>Un angle du zénith pour les missions de type EO</a:t>
             </a:r>
           </a:p>
@@ -14335,7 +21170,7 @@
               <a:buChar char="-"/>
             </a:pPr>
             <a:r>
-              <a:rPr lang="fr-FR" sz="1900"/>
+              <a:rPr lang="fr-FR" sz="1900" dirty="0"/>
               <a:t>Un ou plusieurs POI/GS</a:t>
             </a:r>
           </a:p>
@@ -14345,7 +21180,7 @@
               <a:buChar char="-"/>
             </a:pPr>
             <a:r>
-              <a:rPr lang="fr-FR" sz="1900"/>
+              <a:rPr lang="fr-FR" sz="1900" dirty="0"/>
               <a:t>Une constellation</a:t>
             </a:r>
           </a:p>
